--- a/Lab6/Diapos HIPOTESIS.pptx
+++ b/Lab6/Diapos HIPOTESIS.pptx
@@ -11,10 +11,21 @@
     <p:sldId id="264" r:id="rId5"/>
     <p:sldId id="266" r:id="rId6"/>
     <p:sldId id="265" r:id="rId7"/>
-    <p:sldId id="268" r:id="rId8"/>
-    <p:sldId id="290" r:id="rId9"/>
-    <p:sldId id="269" r:id="rId10"/>
-    <p:sldId id="288" r:id="rId11"/>
+    <p:sldId id="292" r:id="rId8"/>
+    <p:sldId id="291" r:id="rId9"/>
+    <p:sldId id="293" r:id="rId10"/>
+    <p:sldId id="294" r:id="rId11"/>
+    <p:sldId id="295" r:id="rId12"/>
+    <p:sldId id="296" r:id="rId13"/>
+    <p:sldId id="297" r:id="rId14"/>
+    <p:sldId id="298" r:id="rId15"/>
+    <p:sldId id="299" r:id="rId16"/>
+    <p:sldId id="300" r:id="rId17"/>
+    <p:sldId id="301" r:id="rId18"/>
+    <p:sldId id="268" r:id="rId19"/>
+    <p:sldId id="290" r:id="rId20"/>
+    <p:sldId id="269" r:id="rId21"/>
+    <p:sldId id="288" r:id="rId22"/>
   </p:sldIdLst>
   <p:sldSz cx="9144000" cy="6858000" type="screen4x3"/>
   <p:notesSz cx="6858000" cy="9144000"/>
@@ -397,7 +408,7 @@
             <a:fld id="{D3B66BDA-2D8D-490E-BDD1-00490F8D0F70}" type="datetimeFigureOut">
               <a:rPr lang="es-ES" smtClean="0"/>
               <a:pPr/>
-              <a:t>28/04/2010</a:t>
+              <a:t>29/04/2010</a:t>
             </a:fld>
             <a:endParaRPr lang="es-ES"/>
           </a:p>
@@ -792,7 +803,7 @@
             <a:fld id="{D3B66BDA-2D8D-490E-BDD1-00490F8D0F70}" type="datetimeFigureOut">
               <a:rPr lang="es-ES" smtClean="0"/>
               <a:pPr/>
-              <a:t>28/04/2010</a:t>
+              <a:t>29/04/2010</a:t>
             </a:fld>
             <a:endParaRPr lang="es-ES"/>
           </a:p>
@@ -1327,7 +1338,7 @@
             <a:fld id="{D3B66BDA-2D8D-490E-BDD1-00490F8D0F70}" type="datetimeFigureOut">
               <a:rPr lang="es-ES" smtClean="0"/>
               <a:pPr/>
-              <a:t>28/04/2010</a:t>
+              <a:t>29/04/2010</a:t>
             </a:fld>
             <a:endParaRPr lang="es-ES"/>
           </a:p>
@@ -1461,7 +1472,7 @@
             <a:fld id="{D3B66BDA-2D8D-490E-BDD1-00490F8D0F70}" type="datetimeFigureOut">
               <a:rPr lang="es-ES" smtClean="0"/>
               <a:pPr/>
-              <a:t>28/04/2010</a:t>
+              <a:t>29/04/2010</a:t>
             </a:fld>
             <a:endParaRPr lang="es-ES"/>
           </a:p>
@@ -2006,7 +2017,7 @@
             <a:fld id="{D3B66BDA-2D8D-490E-BDD1-00490F8D0F70}" type="datetimeFigureOut">
               <a:rPr lang="es-ES" smtClean="0"/>
               <a:pPr/>
-              <a:t>28/04/2010</a:t>
+              <a:t>29/04/2010</a:t>
             </a:fld>
             <a:endParaRPr lang="es-ES"/>
           </a:p>
@@ -2303,7 +2314,7 @@
             <a:fld id="{D3B66BDA-2D8D-490E-BDD1-00490F8D0F70}" type="datetimeFigureOut">
               <a:rPr lang="es-ES" smtClean="0"/>
               <a:pPr/>
-              <a:t>28/04/2010</a:t>
+              <a:t>29/04/2010</a:t>
             </a:fld>
             <a:endParaRPr lang="es-ES"/>
           </a:p>
@@ -2964,7 +2975,7 @@
             <a:fld id="{D3B66BDA-2D8D-490E-BDD1-00490F8D0F70}" type="datetimeFigureOut">
               <a:rPr lang="es-ES" smtClean="0"/>
               <a:pPr/>
-              <a:t>28/04/2010</a:t>
+              <a:t>29/04/2010</a:t>
             </a:fld>
             <a:endParaRPr lang="es-ES"/>
           </a:p>
@@ -3402,7 +3413,7 @@
             <a:fld id="{D3B66BDA-2D8D-490E-BDD1-00490F8D0F70}" type="datetimeFigureOut">
               <a:rPr lang="es-ES" smtClean="0"/>
               <a:pPr/>
-              <a:t>28/04/2010</a:t>
+              <a:t>29/04/2010</a:t>
             </a:fld>
             <a:endParaRPr lang="es-ES"/>
           </a:p>
@@ -3717,7 +3728,7 @@
             <a:fld id="{D3B66BDA-2D8D-490E-BDD1-00490F8D0F70}" type="datetimeFigureOut">
               <a:rPr lang="es-ES" smtClean="0"/>
               <a:pPr/>
-              <a:t>28/04/2010</a:t>
+              <a:t>29/04/2010</a:t>
             </a:fld>
             <a:endParaRPr lang="es-ES"/>
           </a:p>
@@ -4452,7 +4463,7 @@
             <a:fld id="{D3B66BDA-2D8D-490E-BDD1-00490F8D0F70}" type="datetimeFigureOut">
               <a:rPr lang="es-ES" smtClean="0"/>
               <a:pPr/>
-              <a:t>28/04/2010</a:t>
+              <a:t>29/04/2010</a:t>
             </a:fld>
             <a:endParaRPr lang="es-ES"/>
           </a:p>
@@ -5118,7 +5129,7 @@
             <a:fld id="{D3B66BDA-2D8D-490E-BDD1-00490F8D0F70}" type="datetimeFigureOut">
               <a:rPr lang="es-ES" smtClean="0"/>
               <a:pPr/>
-              <a:t>28/04/2010</a:t>
+              <a:t>29/04/2010</a:t>
             </a:fld>
             <a:endParaRPr lang="es-ES"/>
           </a:p>
@@ -5392,7 +5403,7 @@
             <a:fld id="{D3B66BDA-2D8D-490E-BDD1-00490F8D0F70}" type="datetimeFigureOut">
               <a:rPr lang="es-ES" smtClean="0"/>
               <a:pPr/>
-              <a:t>28/04/2010</a:t>
+              <a:t>29/04/2010</a:t>
             </a:fld>
             <a:endParaRPr lang="es-ES"/>
           </a:p>
@@ -6167,10 +6178,10 @@
           <a:lstStyle/>
           <a:p>
             <a:r>
-              <a:rPr lang="es-ES" b="1" dirty="0" smtClean="0"/>
-              <a:t>Bibliografía</a:t>
-            </a:r>
-            <a:endParaRPr lang="es-ES" b="1" dirty="0"/>
+              <a:rPr lang="es-PE" dirty="0" smtClean="0"/>
+              <a:t>Método Experimental</a:t>
+            </a:r>
+            <a:endParaRPr lang="es-PE" dirty="0"/>
           </a:p>
         </p:txBody>
       </p:sp>
@@ -6186,8 +6197,688 @@
         </p:nvSpPr>
         <p:spPr>
           <a:xfrm>
-            <a:off x="457200" y="1600200"/>
-            <a:ext cx="8258204" cy="4900634"/>
+            <a:off x="301752" y="1857364"/>
+            <a:ext cx="8503920" cy="4241684"/>
+          </a:xfrm>
+        </p:spPr>
+        <p:txBody>
+          <a:bodyPr/>
+          <a:lstStyle/>
+          <a:p>
+            <a:r>
+              <a:rPr lang="es-ES" dirty="0" smtClean="0"/>
+              <a:t>Se utilizará el estadístico T-</a:t>
+            </a:r>
+            <a:r>
+              <a:rPr lang="es-ES" dirty="0" err="1" smtClean="0"/>
+              <a:t>Student</a:t>
+            </a:r>
+            <a:r>
+              <a:rPr lang="es-ES" dirty="0" smtClean="0"/>
+              <a:t>.</a:t>
+            </a:r>
+          </a:p>
+          <a:p>
+            <a:endParaRPr lang="es-PE" dirty="0" smtClean="0"/>
+          </a:p>
+          <a:p>
+            <a:r>
+              <a:rPr lang="es-PE" dirty="0" smtClean="0"/>
+              <a:t>Análisis con la distribución Normal.</a:t>
+            </a:r>
+          </a:p>
+          <a:p>
+            <a:pPr>
+              <a:buNone/>
+            </a:pPr>
+            <a:endParaRPr lang="es-PE" dirty="0" smtClean="0"/>
+          </a:p>
+          <a:p>
+            <a:r>
+              <a:rPr lang="es-PE" dirty="0" smtClean="0"/>
+              <a:t>Análisis de las medias con desviación </a:t>
+            </a:r>
+            <a:r>
+              <a:rPr lang="es-PE" dirty="0" smtClean="0"/>
+              <a:t>estándar </a:t>
+            </a:r>
+            <a:r>
+              <a:rPr lang="es-PE" dirty="0" smtClean="0"/>
+              <a:t>conocidas</a:t>
+            </a:r>
+            <a:endParaRPr lang="es-ES" dirty="0" smtClean="0"/>
+          </a:p>
+          <a:p>
+            <a:pPr>
+              <a:buNone/>
+            </a:pPr>
+            <a:endParaRPr lang="es-PE" dirty="0"/>
+          </a:p>
+        </p:txBody>
+      </p:sp>
+    </p:spTree>
+  </p:cSld>
+  <p:clrMapOvr>
+    <a:masterClrMapping/>
+  </p:clrMapOvr>
+</p:sld>
+</file>
+
+<file path=ppt/slides/slide11.xml><?xml version="1.0" encoding="utf-8"?>
+<p:sld xmlns:a="http://schemas.openxmlformats.org/drawingml/2006/main" xmlns:r="http://schemas.openxmlformats.org/officeDocument/2006/relationships" xmlns:p="http://schemas.openxmlformats.org/presentationml/2006/main">
+  <p:cSld>
+    <p:spTree>
+      <p:nvGrpSpPr>
+        <p:cNvPr id="1" name=""/>
+        <p:cNvGrpSpPr/>
+        <p:nvPr/>
+      </p:nvGrpSpPr>
+      <p:grpSpPr>
+        <a:xfrm>
+          <a:off x="0" y="0"/>
+          <a:ext cx="0" cy="0"/>
+          <a:chOff x="0" y="0"/>
+          <a:chExt cx="0" cy="0"/>
+        </a:xfrm>
+      </p:grpSpPr>
+      <p:sp>
+        <p:nvSpPr>
+          <p:cNvPr id="2" name="1 Título"/>
+          <p:cNvSpPr>
+            <a:spLocks noGrp="1"/>
+          </p:cNvSpPr>
+          <p:nvPr>
+            <p:ph type="title"/>
+          </p:nvPr>
+        </p:nvSpPr>
+        <p:spPr/>
+        <p:txBody>
+          <a:bodyPr/>
+          <a:lstStyle/>
+          <a:p>
+            <a:r>
+              <a:rPr lang="es-PE" dirty="0" smtClean="0"/>
+              <a:t>Criterios de evaluación</a:t>
+            </a:r>
+            <a:endParaRPr lang="es-PE" dirty="0"/>
+          </a:p>
+        </p:txBody>
+      </p:sp>
+      <p:sp>
+        <p:nvSpPr>
+          <p:cNvPr id="3" name="2 Marcador de contenido"/>
+          <p:cNvSpPr>
+            <a:spLocks noGrp="1"/>
+          </p:cNvSpPr>
+          <p:nvPr>
+            <p:ph sz="quarter" idx="1"/>
+          </p:nvPr>
+        </p:nvSpPr>
+        <p:spPr/>
+        <p:txBody>
+          <a:bodyPr/>
+          <a:lstStyle/>
+          <a:p>
+            <a:pPr>
+              <a:buNone/>
+            </a:pPr>
+            <a:endParaRPr lang="es-ES" dirty="0" smtClean="0"/>
+          </a:p>
+          <a:p>
+            <a:r>
+              <a:rPr lang="es-ES" dirty="0" smtClean="0"/>
+              <a:t>Media </a:t>
+            </a:r>
+            <a:r>
+              <a:rPr lang="es-ES" dirty="0" err="1" smtClean="0"/>
+              <a:t>muestral</a:t>
+            </a:r>
+            <a:r>
+              <a:rPr lang="es-ES" dirty="0" smtClean="0"/>
+              <a:t> </a:t>
+            </a:r>
+            <a:r>
+              <a:rPr lang="es-ES" dirty="0" smtClean="0">
+                <a:cs typeface="Arial" charset="0"/>
+              </a:rPr>
+              <a:t>µ</a:t>
+            </a:r>
+          </a:p>
+          <a:p>
+            <a:pPr>
+              <a:buNone/>
+            </a:pPr>
+            <a:endParaRPr lang="es-ES" dirty="0" smtClean="0">
+              <a:cs typeface="Arial" charset="0"/>
+            </a:endParaRPr>
+          </a:p>
+          <a:p>
+            <a:r>
+              <a:rPr lang="es-ES" dirty="0" smtClean="0"/>
+              <a:t>Varianza </a:t>
+            </a:r>
+            <a:r>
+              <a:rPr lang="es-ES" dirty="0" err="1" smtClean="0"/>
+              <a:t>muestral</a:t>
+            </a:r>
+            <a:r>
+              <a:rPr lang="es-ES" dirty="0" smtClean="0"/>
+              <a:t> δ</a:t>
+            </a:r>
+            <a:r>
+              <a:rPr lang="es-ES" baseline="30000" dirty="0" smtClean="0"/>
+              <a:t>2</a:t>
+            </a:r>
+            <a:endParaRPr lang="es-PE" dirty="0"/>
+          </a:p>
+        </p:txBody>
+      </p:sp>
+    </p:spTree>
+  </p:cSld>
+  <p:clrMapOvr>
+    <a:masterClrMapping/>
+  </p:clrMapOvr>
+</p:sld>
+</file>
+
+<file path=ppt/slides/slide12.xml><?xml version="1.0" encoding="utf-8"?>
+<p:sld xmlns:a="http://schemas.openxmlformats.org/drawingml/2006/main" xmlns:r="http://schemas.openxmlformats.org/officeDocument/2006/relationships" xmlns:p="http://schemas.openxmlformats.org/presentationml/2006/main">
+  <p:cSld>
+    <p:spTree>
+      <p:nvGrpSpPr>
+        <p:cNvPr id="1" name=""/>
+        <p:cNvGrpSpPr/>
+        <p:nvPr/>
+      </p:nvGrpSpPr>
+      <p:grpSpPr>
+        <a:xfrm>
+          <a:off x="0" y="0"/>
+          <a:ext cx="0" cy="0"/>
+          <a:chOff x="0" y="0"/>
+          <a:chExt cx="0" cy="0"/>
+        </a:xfrm>
+      </p:grpSpPr>
+      <p:sp>
+        <p:nvSpPr>
+          <p:cNvPr id="2" name="1 Título"/>
+          <p:cNvSpPr>
+            <a:spLocks noGrp="1"/>
+          </p:cNvSpPr>
+          <p:nvPr>
+            <p:ph type="title"/>
+          </p:nvPr>
+        </p:nvSpPr>
+        <p:spPr/>
+        <p:txBody>
+          <a:bodyPr/>
+          <a:lstStyle/>
+          <a:p>
+            <a:r>
+              <a:rPr lang="es-PE" dirty="0" smtClean="0"/>
+              <a:t>T-</a:t>
+            </a:r>
+            <a:r>
+              <a:rPr lang="es-PE" dirty="0" err="1" smtClean="0"/>
+              <a:t>student</a:t>
+            </a:r>
+            <a:endParaRPr lang="es-PE" dirty="0"/>
+          </a:p>
+        </p:txBody>
+      </p:sp>
+      <p:sp>
+        <p:nvSpPr>
+          <p:cNvPr id="3" name="2 Marcador de contenido"/>
+          <p:cNvSpPr>
+            <a:spLocks noGrp="1"/>
+          </p:cNvSpPr>
+          <p:nvPr>
+            <p:ph sz="quarter" idx="1"/>
+          </p:nvPr>
+        </p:nvSpPr>
+        <p:spPr/>
+        <p:txBody>
+          <a:bodyPr/>
+          <a:lstStyle/>
+          <a:p>
+            <a:r>
+              <a:rPr lang="es-MX" dirty="0" smtClean="0"/>
+              <a:t>Sirve para comparar medias de muestras independientes.</a:t>
+            </a:r>
+          </a:p>
+          <a:p>
+            <a:pPr>
+              <a:buNone/>
+            </a:pPr>
+            <a:endParaRPr lang="es-MX" dirty="0" smtClean="0"/>
+          </a:p>
+          <a:p>
+            <a:r>
+              <a:rPr lang="es-MX" dirty="0" smtClean="0"/>
+              <a:t>Su objetivo es demostrar por hipótesis una muestra es mejor que otra.</a:t>
+            </a:r>
+          </a:p>
+          <a:p>
+            <a:endParaRPr lang="es-MX" dirty="0" smtClean="0"/>
+          </a:p>
+          <a:p>
+            <a:r>
+              <a:rPr lang="es-MX" dirty="0" smtClean="0"/>
+              <a:t>Trabaja con la media y la varianza.</a:t>
+            </a:r>
+          </a:p>
+          <a:p>
+            <a:pPr>
+              <a:buNone/>
+            </a:pPr>
+            <a:endParaRPr lang="es-MX" dirty="0" smtClean="0"/>
+          </a:p>
+          <a:p>
+            <a:r>
+              <a:rPr lang="es-MX" dirty="0" smtClean="0"/>
+              <a:t>Requiere saber si las varianzas son iguales o no.</a:t>
+            </a:r>
+            <a:endParaRPr lang="es-ES" dirty="0" smtClean="0"/>
+          </a:p>
+          <a:p>
+            <a:endParaRPr lang="es-PE" dirty="0"/>
+          </a:p>
+        </p:txBody>
+      </p:sp>
+    </p:spTree>
+  </p:cSld>
+  <p:clrMapOvr>
+    <a:masterClrMapping/>
+  </p:clrMapOvr>
+</p:sld>
+</file>
+
+<file path=ppt/slides/slide13.xml><?xml version="1.0" encoding="utf-8"?>
+<p:sld xmlns:a="http://schemas.openxmlformats.org/drawingml/2006/main" xmlns:r="http://schemas.openxmlformats.org/officeDocument/2006/relationships" xmlns:p="http://schemas.openxmlformats.org/presentationml/2006/main">
+  <p:cSld>
+    <p:spTree>
+      <p:nvGrpSpPr>
+        <p:cNvPr id="1" name=""/>
+        <p:cNvGrpSpPr/>
+        <p:nvPr/>
+      </p:nvGrpSpPr>
+      <p:grpSpPr>
+        <a:xfrm>
+          <a:off x="0" y="0"/>
+          <a:ext cx="0" cy="0"/>
+          <a:chOff x="0" y="0"/>
+          <a:chExt cx="0" cy="0"/>
+        </a:xfrm>
+      </p:grpSpPr>
+      <p:sp>
+        <p:nvSpPr>
+          <p:cNvPr id="2" name="1 Título"/>
+          <p:cNvSpPr>
+            <a:spLocks noGrp="1"/>
+          </p:cNvSpPr>
+          <p:nvPr>
+            <p:ph type="title"/>
+          </p:nvPr>
+        </p:nvSpPr>
+        <p:spPr/>
+        <p:txBody>
+          <a:bodyPr/>
+          <a:lstStyle/>
+          <a:p>
+            <a:r>
+              <a:rPr lang="es-PE" dirty="0" smtClean="0"/>
+              <a:t>T-</a:t>
+            </a:r>
+            <a:r>
+              <a:rPr lang="es-PE" dirty="0" err="1" smtClean="0"/>
+              <a:t>student</a:t>
+            </a:r>
+            <a:endParaRPr lang="es-PE" dirty="0"/>
+          </a:p>
+        </p:txBody>
+      </p:sp>
+      <p:sp>
+        <p:nvSpPr>
+          <p:cNvPr id="3" name="2 Marcador de contenido"/>
+          <p:cNvSpPr>
+            <a:spLocks noGrp="1"/>
+          </p:cNvSpPr>
+          <p:nvPr>
+            <p:ph sz="quarter" idx="1"/>
+          </p:nvPr>
+        </p:nvSpPr>
+        <p:spPr/>
+        <p:txBody>
+          <a:bodyPr/>
+          <a:lstStyle/>
+          <a:p>
+            <a:r>
+              <a:rPr lang="es-MX" dirty="0" err="1" smtClean="0"/>
+              <a:t>Alpha</a:t>
+            </a:r>
+            <a:r>
+              <a:rPr lang="es-MX" dirty="0" smtClean="0"/>
+              <a:t>: Grado de confianza o de certeza.</a:t>
+            </a:r>
+          </a:p>
+          <a:p>
+            <a:endParaRPr lang="es-MX" dirty="0" smtClean="0"/>
+          </a:p>
+          <a:p>
+            <a:r>
+              <a:rPr lang="es-MX" dirty="0" smtClean="0"/>
+              <a:t>Utilizaremos 95% como grado de certeza.</a:t>
+            </a:r>
+          </a:p>
+          <a:p>
+            <a:endParaRPr lang="es-MX" dirty="0" smtClean="0"/>
+          </a:p>
+          <a:p>
+            <a:r>
+              <a:rPr lang="es-MX" dirty="0" smtClean="0"/>
+              <a:t>C: Punto crítico que separa la región a rechazar y la región de aceptación.</a:t>
+            </a:r>
+            <a:endParaRPr lang="es-ES" dirty="0" smtClean="0"/>
+          </a:p>
+          <a:p>
+            <a:endParaRPr lang="es-PE" dirty="0"/>
+          </a:p>
+        </p:txBody>
+      </p:sp>
+    </p:spTree>
+  </p:cSld>
+  <p:clrMapOvr>
+    <a:masterClrMapping/>
+  </p:clrMapOvr>
+</p:sld>
+</file>
+
+<file path=ppt/slides/slide14.xml><?xml version="1.0" encoding="utf-8"?>
+<p:sld xmlns:a="http://schemas.openxmlformats.org/drawingml/2006/main" xmlns:r="http://schemas.openxmlformats.org/officeDocument/2006/relationships" xmlns:p="http://schemas.openxmlformats.org/presentationml/2006/main">
+  <p:cSld>
+    <p:spTree>
+      <p:nvGrpSpPr>
+        <p:cNvPr id="1" name=""/>
+        <p:cNvGrpSpPr/>
+        <p:nvPr/>
+      </p:nvGrpSpPr>
+      <p:grpSpPr>
+        <a:xfrm>
+          <a:off x="0" y="0"/>
+          <a:ext cx="0" cy="0"/>
+          <a:chOff x="0" y="0"/>
+          <a:chExt cx="0" cy="0"/>
+        </a:xfrm>
+      </p:grpSpPr>
+      <p:sp>
+        <p:nvSpPr>
+          <p:cNvPr id="2" name="1 Título"/>
+          <p:cNvSpPr>
+            <a:spLocks noGrp="1"/>
+          </p:cNvSpPr>
+          <p:nvPr>
+            <p:ph type="title"/>
+          </p:nvPr>
+        </p:nvSpPr>
+        <p:spPr/>
+        <p:txBody>
+          <a:bodyPr/>
+          <a:lstStyle/>
+          <a:p>
+            <a:r>
+              <a:rPr lang="es-PE" dirty="0" smtClean="0"/>
+              <a:t>T-</a:t>
+            </a:r>
+            <a:r>
+              <a:rPr lang="es-PE" dirty="0" err="1" smtClean="0"/>
+              <a:t>student</a:t>
+            </a:r>
+            <a:endParaRPr lang="es-PE" dirty="0"/>
+          </a:p>
+        </p:txBody>
+      </p:sp>
+      <p:sp>
+        <p:nvSpPr>
+          <p:cNvPr id="3" name="2 Marcador de contenido"/>
+          <p:cNvSpPr>
+            <a:spLocks noGrp="1"/>
+          </p:cNvSpPr>
+          <p:nvPr>
+            <p:ph sz="quarter" idx="1"/>
+          </p:nvPr>
+        </p:nvSpPr>
+        <p:spPr/>
+        <p:txBody>
+          <a:bodyPr/>
+          <a:lstStyle/>
+          <a:p>
+            <a:pPr>
+              <a:buFont typeface="Wingdings" pitchFamily="2" charset="2"/>
+              <a:buNone/>
+            </a:pPr>
+            <a:r>
+              <a:rPr lang="en-US" dirty="0" smtClean="0"/>
+              <a:t>Sean:</a:t>
+            </a:r>
+          </a:p>
+          <a:p>
+            <a:pPr>
+              <a:buFont typeface="Wingdings" pitchFamily="2" charset="2"/>
+              <a:buNone/>
+            </a:pPr>
+            <a:endParaRPr lang="en-US" dirty="0" smtClean="0"/>
+          </a:p>
+          <a:p>
+            <a:r>
+              <a:rPr lang="es-ES" dirty="0" smtClean="0"/>
+              <a:t>Si: Varianza </a:t>
+            </a:r>
+            <a:r>
+              <a:rPr lang="es-ES" dirty="0" err="1" smtClean="0"/>
+              <a:t>muestral</a:t>
+            </a:r>
+            <a:r>
+              <a:rPr lang="es-ES" dirty="0" smtClean="0"/>
+              <a:t> del algoritmo i</a:t>
+            </a:r>
+          </a:p>
+          <a:p>
+            <a:r>
+              <a:rPr lang="pt-BR" dirty="0" err="1" smtClean="0"/>
+              <a:t>g.l.</a:t>
+            </a:r>
+            <a:r>
+              <a:rPr lang="pt-BR" dirty="0" smtClean="0"/>
+              <a:t>: Grados de </a:t>
+            </a:r>
+            <a:r>
+              <a:rPr lang="pt-BR" dirty="0" err="1" smtClean="0"/>
+              <a:t>libertad</a:t>
+            </a:r>
+            <a:r>
+              <a:rPr lang="pt-BR" dirty="0" smtClean="0"/>
+              <a:t> (n1+n2-2)</a:t>
+            </a:r>
+          </a:p>
+          <a:p>
+            <a:pPr>
+              <a:buFont typeface="Wingdings" pitchFamily="2" charset="2"/>
+              <a:buNone/>
+            </a:pPr>
+            <a:endParaRPr lang="es-ES" dirty="0" smtClean="0"/>
+          </a:p>
+          <a:p>
+            <a:pPr>
+              <a:buFont typeface="Wingdings" pitchFamily="2" charset="2"/>
+              <a:buNone/>
+            </a:pPr>
+            <a:r>
+              <a:rPr lang="es-ES" dirty="0" smtClean="0"/>
+              <a:t>y la formula para hallar el estadístico t:</a:t>
+            </a:r>
+          </a:p>
+        </p:txBody>
+      </p:sp>
+      <p:pic>
+        <p:nvPicPr>
+          <p:cNvPr id="4" name="Picture 5"/>
+          <p:cNvPicPr>
+            <a:picLocks noChangeAspect="1" noChangeArrowheads="1"/>
+          </p:cNvPicPr>
+          <p:nvPr/>
+        </p:nvPicPr>
+        <p:blipFill>
+          <a:blip r:embed="rId2" cstate="print"/>
+          <a:srcRect/>
+          <a:stretch>
+            <a:fillRect/>
+          </a:stretch>
+        </p:blipFill>
+        <p:spPr bwMode="auto">
+          <a:xfrm>
+            <a:off x="3643306" y="4500570"/>
+            <a:ext cx="2382833" cy="1763997"/>
+          </a:xfrm>
+          <a:prstGeom prst="rect">
+            <a:avLst/>
+          </a:prstGeom>
+          <a:noFill/>
+          <a:ln w="9525">
+            <a:noFill/>
+            <a:miter lim="800000"/>
+            <a:headEnd/>
+            <a:tailEnd/>
+          </a:ln>
+        </p:spPr>
+      </p:pic>
+    </p:spTree>
+  </p:cSld>
+  <p:clrMapOvr>
+    <a:masterClrMapping/>
+  </p:clrMapOvr>
+</p:sld>
+</file>
+
+<file path=ppt/slides/slide15.xml><?xml version="1.0" encoding="utf-8"?>
+<p:sld xmlns:a="http://schemas.openxmlformats.org/drawingml/2006/main" xmlns:r="http://schemas.openxmlformats.org/officeDocument/2006/relationships" xmlns:p="http://schemas.openxmlformats.org/presentationml/2006/main">
+  <p:cSld>
+    <p:spTree>
+      <p:nvGrpSpPr>
+        <p:cNvPr id="1" name=""/>
+        <p:cNvGrpSpPr/>
+        <p:nvPr/>
+      </p:nvGrpSpPr>
+      <p:grpSpPr>
+        <a:xfrm>
+          <a:off x="0" y="0"/>
+          <a:ext cx="0" cy="0"/>
+          <a:chOff x="0" y="0"/>
+          <a:chExt cx="0" cy="0"/>
+        </a:xfrm>
+      </p:grpSpPr>
+      <p:sp>
+        <p:nvSpPr>
+          <p:cNvPr id="5" name="4 Subtítulo"/>
+          <p:cNvSpPr>
+            <a:spLocks noGrp="1"/>
+          </p:cNvSpPr>
+          <p:nvPr>
+            <p:ph type="subTitle" idx="1"/>
+          </p:nvPr>
+        </p:nvSpPr>
+        <p:spPr/>
+        <p:txBody>
+          <a:bodyPr/>
+          <a:lstStyle/>
+          <a:p>
+            <a:endParaRPr lang="es-PE"/>
+          </a:p>
+        </p:txBody>
+      </p:sp>
+      <p:sp>
+        <p:nvSpPr>
+          <p:cNvPr id="4" name="3 Título"/>
+          <p:cNvSpPr>
+            <a:spLocks noGrp="1"/>
+          </p:cNvSpPr>
+          <p:nvPr>
+            <p:ph type="ctrTitle"/>
+          </p:nvPr>
+        </p:nvSpPr>
+        <p:spPr/>
+        <p:txBody>
+          <a:bodyPr/>
+          <a:lstStyle/>
+          <a:p>
+            <a:r>
+              <a:rPr lang="es-PE" dirty="0" smtClean="0"/>
+              <a:t>Hipótesis</a:t>
+            </a:r>
+            <a:endParaRPr lang="es-PE" dirty="0"/>
+          </a:p>
+        </p:txBody>
+      </p:sp>
+    </p:spTree>
+  </p:cSld>
+  <p:clrMapOvr>
+    <a:masterClrMapping/>
+  </p:clrMapOvr>
+</p:sld>
+</file>
+
+<file path=ppt/slides/slide16.xml><?xml version="1.0" encoding="utf-8"?>
+<p:sld xmlns:a="http://schemas.openxmlformats.org/drawingml/2006/main" xmlns:r="http://schemas.openxmlformats.org/officeDocument/2006/relationships" xmlns:p="http://schemas.openxmlformats.org/presentationml/2006/main">
+  <p:cSld>
+    <p:spTree>
+      <p:nvGrpSpPr>
+        <p:cNvPr id="1" name=""/>
+        <p:cNvGrpSpPr/>
+        <p:nvPr/>
+      </p:nvGrpSpPr>
+      <p:grpSpPr>
+        <a:xfrm>
+          <a:off x="0" y="0"/>
+          <a:ext cx="0" cy="0"/>
+          <a:chOff x="0" y="0"/>
+          <a:chExt cx="0" cy="0"/>
+        </a:xfrm>
+      </p:grpSpPr>
+      <p:sp>
+        <p:nvSpPr>
+          <p:cNvPr id="2" name="1 Título"/>
+          <p:cNvSpPr>
+            <a:spLocks noGrp="1"/>
+          </p:cNvSpPr>
+          <p:nvPr>
+            <p:ph type="title"/>
+          </p:nvPr>
+        </p:nvSpPr>
+        <p:spPr/>
+        <p:txBody>
+          <a:bodyPr/>
+          <a:lstStyle/>
+          <a:p>
+            <a:r>
+              <a:rPr lang="es-PE" dirty="0" smtClean="0"/>
+              <a:t>Hipótesis para el tiempo de ejecución</a:t>
+            </a:r>
+            <a:endParaRPr lang="es-PE" dirty="0"/>
+          </a:p>
+        </p:txBody>
+      </p:sp>
+      <p:sp>
+        <p:nvSpPr>
+          <p:cNvPr id="3" name="2 Marcador de contenido"/>
+          <p:cNvSpPr>
+            <a:spLocks noGrp="1"/>
+          </p:cNvSpPr>
+          <p:nvPr>
+            <p:ph sz="quarter" idx="1"/>
+          </p:nvPr>
+        </p:nvSpPr>
+        <p:spPr>
+          <a:xfrm>
+            <a:off x="301752" y="1785926"/>
+            <a:ext cx="8503920" cy="4313122"/>
           </a:xfrm>
         </p:spPr>
         <p:txBody>
@@ -6197,178 +6888,349 @@
           <a:lstStyle/>
           <a:p>
             <a:r>
-              <a:rPr lang="es-ES" sz="2400" dirty="0" smtClean="0"/>
-              <a:t>ACM </a:t>
-            </a:r>
-            <a:r>
-              <a:rPr lang="es-ES" sz="2400" dirty="0" err="1" smtClean="0"/>
-              <a:t>Journal</a:t>
-            </a:r>
-            <a:r>
-              <a:rPr lang="es-ES" sz="2400" dirty="0" smtClean="0"/>
-              <a:t> </a:t>
-            </a:r>
-            <a:r>
-              <a:rPr lang="es-ES" sz="2400" dirty="0" err="1" smtClean="0"/>
-              <a:t>on</a:t>
-            </a:r>
-            <a:r>
-              <a:rPr lang="es-ES" sz="2400" dirty="0" smtClean="0"/>
-              <a:t> </a:t>
-            </a:r>
-            <a:r>
-              <a:rPr lang="es-ES" sz="2400" dirty="0" err="1" smtClean="0"/>
-              <a:t>Educational</a:t>
-            </a:r>
-            <a:r>
-              <a:rPr lang="es-ES" sz="2400" dirty="0" smtClean="0"/>
-              <a:t> </a:t>
-            </a:r>
-            <a:r>
-              <a:rPr lang="es-ES" sz="2400" dirty="0" err="1" smtClean="0"/>
-              <a:t>Resources</a:t>
-            </a:r>
-            <a:r>
-              <a:rPr lang="es-ES" sz="2400" dirty="0" smtClean="0"/>
-              <a:t> in Computing Vol. 4 No. 4, </a:t>
-            </a:r>
-            <a:r>
-              <a:rPr lang="es-ES" sz="2400" dirty="0" err="1" smtClean="0"/>
-              <a:t>December</a:t>
-            </a:r>
-            <a:r>
-              <a:rPr lang="es-ES" sz="2400" dirty="0" smtClean="0"/>
-              <a:t> 2004.</a:t>
+              <a:rPr lang="es-ES" dirty="0" smtClean="0"/>
+              <a:t>H0: X1 &lt; X2 : "Secuencia de </a:t>
+            </a:r>
+            <a:r>
+              <a:rPr lang="es-ES" dirty="0" err="1" smtClean="0"/>
+              <a:t>Maximales</a:t>
+            </a:r>
+            <a:r>
+              <a:rPr lang="es-ES" dirty="0" smtClean="0"/>
+              <a:t> requiere un mayor tiempo  de ejecución que Lenguaje </a:t>
+            </a:r>
+            <a:r>
+              <a:rPr lang="es-ES" dirty="0" smtClean="0"/>
+              <a:t>Natural“</a:t>
             </a:r>
           </a:p>
           <a:p>
             <a:pPr>
               <a:buNone/>
             </a:pPr>
-            <a:endParaRPr lang="es-ES" sz="2400" dirty="0" smtClean="0"/>
-          </a:p>
-          <a:p>
+            <a:endParaRPr lang="es-PE" dirty="0" smtClean="0"/>
+          </a:p>
+          <a:p>
+            <a:r>
+              <a:rPr lang="es-ES" dirty="0" smtClean="0"/>
+              <a:t>H1: X1 &gt;= X2: " Lenguaje Natural requiere un mayor tiempo  de ejecución que Secuencia </a:t>
+            </a:r>
+            <a:r>
+              <a:rPr lang="es-ES" dirty="0" err="1" smtClean="0"/>
+              <a:t>Maximales</a:t>
+            </a:r>
+            <a:r>
+              <a:rPr lang="es-ES" dirty="0" smtClean="0"/>
+              <a:t> </a:t>
+            </a:r>
+            <a:r>
+              <a:rPr lang="es-ES" dirty="0" smtClean="0"/>
+              <a:t>”</a:t>
+            </a:r>
+          </a:p>
+          <a:p>
+            <a:pPr>
+              <a:buNone/>
+            </a:pPr>
+            <a:endParaRPr lang="es-PE" dirty="0" smtClean="0"/>
+          </a:p>
+          <a:p>
+            <a:pPr>
+              <a:buNone/>
+            </a:pPr>
+            <a:r>
+              <a:rPr lang="es-ES" sz="2400" dirty="0" smtClean="0"/>
+              <a:t>Siendo:</a:t>
+            </a:r>
+            <a:endParaRPr lang="es-PE" sz="2400" dirty="0" smtClean="0"/>
+          </a:p>
+          <a:p>
+            <a:pPr>
+              <a:buNone/>
+            </a:pPr>
+            <a:r>
+              <a:rPr lang="es-ES" sz="2400" dirty="0" smtClean="0"/>
+              <a:t>X1: Media de tiempo de ejecución de Lenguaje </a:t>
+            </a:r>
+            <a:r>
+              <a:rPr lang="es-ES" sz="2400" dirty="0" smtClean="0"/>
+              <a:t>	Natural</a:t>
+            </a:r>
+            <a:r>
+              <a:rPr lang="es-ES" sz="2400" dirty="0" smtClean="0"/>
+              <a:t>.</a:t>
+            </a:r>
+            <a:endParaRPr lang="es-PE" sz="2400" dirty="0" smtClean="0"/>
+          </a:p>
+          <a:p>
+            <a:pPr>
+              <a:buNone/>
+            </a:pPr>
+            <a:r>
+              <a:rPr lang="es-ES" sz="2400" dirty="0" smtClean="0"/>
+              <a:t>X2: Media de tiempo de ejecución de Secuencia </a:t>
+            </a:r>
             <a:r>
               <a:rPr lang="es-ES" sz="2400" dirty="0" err="1" smtClean="0"/>
-              <a:t>Saul</a:t>
+              <a:t>Maximales</a:t>
             </a:r>
             <a:r>
               <a:rPr lang="es-ES" sz="2400" dirty="0" smtClean="0"/>
-              <a:t> </a:t>
-            </a:r>
-            <a:r>
-              <a:rPr lang="es-ES" sz="2400" dirty="0" err="1" smtClean="0"/>
-              <a:t>Schleimer</a:t>
-            </a:r>
-            <a:r>
-              <a:rPr lang="es-ES" sz="2400" dirty="0" smtClean="0"/>
-              <a:t>, Daniel S. </a:t>
-            </a:r>
-            <a:r>
-              <a:rPr lang="es-ES" sz="2400" dirty="0" err="1" smtClean="0"/>
-              <a:t>Wilkerson</a:t>
-            </a:r>
-            <a:r>
-              <a:rPr lang="es-ES" sz="2400" dirty="0" smtClean="0"/>
-              <a:t>, and Alex </a:t>
-            </a:r>
-            <a:r>
-              <a:rPr lang="es-ES" sz="2400" dirty="0" err="1" smtClean="0"/>
-              <a:t>Aiken</a:t>
-            </a:r>
-            <a:r>
-              <a:rPr lang="es-ES" sz="2400" dirty="0" smtClean="0"/>
-              <a:t>, "</a:t>
-            </a:r>
-            <a:r>
-              <a:rPr lang="es-ES" sz="2400" dirty="0" err="1" smtClean="0"/>
-              <a:t>Winnowing</a:t>
-            </a:r>
-            <a:r>
-              <a:rPr lang="es-ES" sz="2400" dirty="0" smtClean="0"/>
-              <a:t>: local </a:t>
-            </a:r>
-            <a:r>
-              <a:rPr lang="es-ES" sz="2400" dirty="0" err="1" smtClean="0"/>
-              <a:t>algorithms</a:t>
-            </a:r>
-            <a:r>
-              <a:rPr lang="es-ES" sz="2400" dirty="0" smtClean="0"/>
-              <a:t> </a:t>
-            </a:r>
-            <a:r>
-              <a:rPr lang="es-ES" sz="2400" dirty="0" err="1" smtClean="0"/>
-              <a:t>for</a:t>
-            </a:r>
-            <a:r>
-              <a:rPr lang="es-ES" sz="2400" dirty="0" smtClean="0"/>
-              <a:t> </a:t>
-            </a:r>
-            <a:r>
-              <a:rPr lang="es-ES" sz="2400" dirty="0" err="1" smtClean="0"/>
-              <a:t>document</a:t>
-            </a:r>
-            <a:r>
-              <a:rPr lang="es-ES" sz="2400" dirty="0" smtClean="0"/>
-              <a:t> </a:t>
-            </a:r>
-            <a:r>
-              <a:rPr lang="es-ES" sz="2400" dirty="0" err="1" smtClean="0"/>
-              <a:t>fingerprinting</a:t>
-            </a:r>
-            <a:r>
-              <a:rPr lang="es-ES" sz="2400" dirty="0" smtClean="0"/>
-              <a:t>," </a:t>
-            </a:r>
-            <a:r>
-              <a:rPr lang="es-ES" sz="2400" i="1" dirty="0" err="1" smtClean="0"/>
-              <a:t>Proceedings</a:t>
-            </a:r>
-            <a:r>
-              <a:rPr lang="es-ES" sz="2400" i="1" dirty="0" smtClean="0"/>
-              <a:t> of </a:t>
-            </a:r>
-            <a:r>
-              <a:rPr lang="es-ES" sz="2400" i="1" dirty="0" err="1" smtClean="0"/>
-              <a:t>the</a:t>
-            </a:r>
-            <a:r>
-              <a:rPr lang="es-ES" sz="2400" i="1" dirty="0" smtClean="0"/>
-              <a:t> 2003 ACM SIGMOD </a:t>
-            </a:r>
-            <a:r>
-              <a:rPr lang="es-ES" sz="2400" i="1" dirty="0" err="1" smtClean="0"/>
-              <a:t>international</a:t>
-            </a:r>
-            <a:r>
-              <a:rPr lang="es-ES" sz="2400" i="1" dirty="0" smtClean="0"/>
-              <a:t> </a:t>
-            </a:r>
-            <a:r>
-              <a:rPr lang="es-ES" sz="2400" i="1" dirty="0" err="1" smtClean="0"/>
-              <a:t>conference</a:t>
-            </a:r>
-            <a:r>
-              <a:rPr lang="es-ES" sz="2400" i="1" dirty="0" smtClean="0"/>
-              <a:t> </a:t>
-            </a:r>
-            <a:r>
-              <a:rPr lang="es-ES" sz="2400" i="1" dirty="0" err="1" smtClean="0"/>
-              <a:t>on</a:t>
-            </a:r>
-            <a:r>
-              <a:rPr lang="es-ES" sz="2400" i="1" dirty="0" smtClean="0"/>
-              <a:t> Management of data, pp. 76-85, 2003. 	</a:t>
-            </a:r>
-          </a:p>
-          <a:p>
-            <a:endParaRPr lang="es-ES" sz="2000" dirty="0" smtClean="0"/>
-          </a:p>
-          <a:p>
+              <a:t>.</a:t>
+            </a:r>
+            <a:endParaRPr lang="es-PE" sz="2400" dirty="0" smtClean="0"/>
+          </a:p>
+          <a:p>
+            <a:pPr>
+              <a:buNone/>
+            </a:pPr>
+            <a:endParaRPr lang="es-PE" dirty="0"/>
+          </a:p>
+        </p:txBody>
+      </p:sp>
+    </p:spTree>
+  </p:cSld>
+  <p:clrMapOvr>
+    <a:masterClrMapping/>
+  </p:clrMapOvr>
+</p:sld>
+</file>
+
+<file path=ppt/slides/slide17.xml><?xml version="1.0" encoding="utf-8"?>
+<p:sld xmlns:a="http://schemas.openxmlformats.org/drawingml/2006/main" xmlns:r="http://schemas.openxmlformats.org/officeDocument/2006/relationships" xmlns:p="http://schemas.openxmlformats.org/presentationml/2006/main">
+  <p:cSld>
+    <p:spTree>
+      <p:nvGrpSpPr>
+        <p:cNvPr id="1" name=""/>
+        <p:cNvGrpSpPr/>
+        <p:nvPr/>
+      </p:nvGrpSpPr>
+      <p:grpSpPr>
+        <a:xfrm>
+          <a:off x="0" y="0"/>
+          <a:ext cx="0" cy="0"/>
+          <a:chOff x="0" y="0"/>
+          <a:chExt cx="0" cy="0"/>
+        </a:xfrm>
+      </p:grpSpPr>
+      <p:sp>
+        <p:nvSpPr>
+          <p:cNvPr id="2" name="1 Título"/>
+          <p:cNvSpPr>
+            <a:spLocks noGrp="1"/>
+          </p:cNvSpPr>
+          <p:nvPr>
+            <p:ph type="title"/>
+          </p:nvPr>
+        </p:nvSpPr>
+        <p:spPr/>
+        <p:txBody>
+          <a:bodyPr/>
+          <a:lstStyle/>
+          <a:p>
+            <a:endParaRPr lang="es-PE"/>
+          </a:p>
+        </p:txBody>
+      </p:sp>
+      <p:sp>
+        <p:nvSpPr>
+          <p:cNvPr id="3" name="2 Marcador de contenido"/>
+          <p:cNvSpPr>
+            <a:spLocks noGrp="1"/>
+          </p:cNvSpPr>
+          <p:nvPr>
+            <p:ph sz="quarter" idx="1"/>
+          </p:nvPr>
+        </p:nvSpPr>
+        <p:spPr/>
+        <p:txBody>
+          <a:bodyPr/>
+          <a:lstStyle/>
+          <a:p>
+            <a:endParaRPr lang="es-PE"/>
+          </a:p>
+        </p:txBody>
+      </p:sp>
+    </p:spTree>
+  </p:cSld>
+  <p:clrMapOvr>
+    <a:masterClrMapping/>
+  </p:clrMapOvr>
+</p:sld>
+</file>
+
+<file path=ppt/slides/slide18.xml><?xml version="1.0" encoding="utf-8"?>
+<p:sld xmlns:a="http://schemas.openxmlformats.org/drawingml/2006/main" xmlns:r="http://schemas.openxmlformats.org/officeDocument/2006/relationships" xmlns:p="http://schemas.openxmlformats.org/presentationml/2006/main">
+  <p:cSld>
+    <p:spTree>
+      <p:nvGrpSpPr>
+        <p:cNvPr id="1" name=""/>
+        <p:cNvGrpSpPr/>
+        <p:nvPr/>
+      </p:nvGrpSpPr>
+      <p:grpSpPr>
+        <a:xfrm>
+          <a:off x="0" y="0"/>
+          <a:ext cx="0" cy="0"/>
+          <a:chOff x="0" y="0"/>
+          <a:chExt cx="0" cy="0"/>
+        </a:xfrm>
+      </p:grpSpPr>
+      <p:sp>
+        <p:nvSpPr>
+          <p:cNvPr id="3" name="2 Subtítulo"/>
+          <p:cNvSpPr>
+            <a:spLocks noGrp="1"/>
+          </p:cNvSpPr>
+          <p:nvPr>
+            <p:ph type="subTitle" idx="1"/>
+          </p:nvPr>
+        </p:nvSpPr>
+        <p:spPr/>
+        <p:txBody>
+          <a:bodyPr/>
+          <a:lstStyle/>
+          <a:p>
+            <a:endParaRPr lang="es-PE"/>
+          </a:p>
+        </p:txBody>
+      </p:sp>
+      <p:sp>
+        <p:nvSpPr>
+          <p:cNvPr id="4" name="3 Título"/>
+          <p:cNvSpPr>
+            <a:spLocks noGrp="1"/>
+          </p:cNvSpPr>
+          <p:nvPr>
+            <p:ph type="ctrTitle"/>
+          </p:nvPr>
+        </p:nvSpPr>
+        <p:spPr/>
+        <p:txBody>
+          <a:bodyPr>
+            <a:normAutofit/>
+          </a:bodyPr>
+          <a:lstStyle/>
+          <a:p>
+            <a:r>
+              <a:rPr lang="es-PE" sz="4800" dirty="0" smtClean="0"/>
+              <a:t>Conclusiones</a:t>
+            </a:r>
+            <a:endParaRPr lang="es-PE" sz="4800" dirty="0"/>
+          </a:p>
+        </p:txBody>
+      </p:sp>
+    </p:spTree>
+  </p:cSld>
+  <p:clrMapOvr>
+    <a:masterClrMapping/>
+  </p:clrMapOvr>
+  <p:timing>
+    <p:tnLst>
+      <p:par>
+        <p:cTn id="1" dur="indefinite" restart="never" nodeType="tmRoot"/>
+      </p:par>
+    </p:tnLst>
+  </p:timing>
+</p:sld>
+</file>
+
+<file path=ppt/slides/slide19.xml><?xml version="1.0" encoding="utf-8"?>
+<p:sld xmlns:a="http://schemas.openxmlformats.org/drawingml/2006/main" xmlns:r="http://schemas.openxmlformats.org/officeDocument/2006/relationships" xmlns:p="http://schemas.openxmlformats.org/presentationml/2006/main">
+  <p:cSld>
+    <p:spTree>
+      <p:nvGrpSpPr>
+        <p:cNvPr id="1" name=""/>
+        <p:cNvGrpSpPr/>
+        <p:nvPr/>
+      </p:nvGrpSpPr>
+      <p:grpSpPr>
+        <a:xfrm>
+          <a:off x="0" y="0"/>
+          <a:ext cx="0" cy="0"/>
+          <a:chOff x="0" y="0"/>
+          <a:chExt cx="0" cy="0"/>
+        </a:xfrm>
+      </p:grpSpPr>
+      <p:sp>
+        <p:nvSpPr>
+          <p:cNvPr id="2" name="1 Título"/>
+          <p:cNvSpPr>
+            <a:spLocks noGrp="1"/>
+          </p:cNvSpPr>
+          <p:nvPr>
+            <p:ph type="title"/>
+          </p:nvPr>
+        </p:nvSpPr>
+        <p:spPr/>
+        <p:txBody>
+          <a:bodyPr/>
+          <a:lstStyle/>
+          <a:p>
+            <a:r>
+              <a:rPr lang="es-ES" b="1" dirty="0" smtClean="0"/>
+              <a:t>Conclusiones</a:t>
+            </a:r>
+            <a:endParaRPr lang="es-ES" b="1" dirty="0"/>
+          </a:p>
+        </p:txBody>
+      </p:sp>
+      <p:sp>
+        <p:nvSpPr>
+          <p:cNvPr id="3" name="2 Marcador de contenido"/>
+          <p:cNvSpPr>
+            <a:spLocks noGrp="1"/>
+          </p:cNvSpPr>
+          <p:nvPr>
+            <p:ph sz="quarter" idx="1"/>
+          </p:nvPr>
+        </p:nvSpPr>
+        <p:spPr>
+          <a:xfrm>
+            <a:off x="457200" y="1600200"/>
+            <a:ext cx="7467600" cy="1757361"/>
+          </a:xfrm>
+        </p:spPr>
+        <p:txBody>
+          <a:bodyPr>
+            <a:normAutofit/>
+          </a:bodyPr>
+          <a:lstStyle/>
+          <a:p>
+            <a:r>
+              <a:rPr lang="es-ES" sz="1400" dirty="0" err="1" smtClean="0"/>
+              <a:t>xxxxxxxx</a:t>
+            </a:r>
             <a:endParaRPr lang="es-ES" sz="1400" dirty="0" smtClean="0"/>
           </a:p>
         </p:txBody>
       </p:sp>
+      <p:pic>
+        <p:nvPicPr>
+          <p:cNvPr id="50178" name="Picture 2" descr="C:\Program Files\Microsoft Office\MEDIA\CAGCAT10\j0300840.wmf"/>
+          <p:cNvPicPr>
+            <a:picLocks noChangeAspect="1" noChangeArrowheads="1"/>
+          </p:cNvPicPr>
+          <p:nvPr/>
+        </p:nvPicPr>
+        <p:blipFill>
+          <a:blip r:embed="rId2" cstate="print"/>
+          <a:srcRect/>
+          <a:stretch>
+            <a:fillRect/>
+          </a:stretch>
+        </p:blipFill>
+        <p:spPr bwMode="auto">
+          <a:xfrm>
+            <a:off x="5227638" y="3808413"/>
+            <a:ext cx="1814512" cy="1528762"/>
+          </a:xfrm>
+          <a:prstGeom prst="rect">
+            <a:avLst/>
+          </a:prstGeom>
+          <a:noFill/>
+        </p:spPr>
+      </p:pic>
     </p:spTree>
   </p:cSld>
   <p:clrMapOvr>
@@ -6527,6 +7389,349 @@
 </p:sld>
 </file>
 
+<file path=ppt/slides/slide20.xml><?xml version="1.0" encoding="utf-8"?>
+<p:sld xmlns:a="http://schemas.openxmlformats.org/drawingml/2006/main" xmlns:r="http://schemas.openxmlformats.org/officeDocument/2006/relationships" xmlns:p="http://schemas.openxmlformats.org/presentationml/2006/main">
+  <p:cSld>
+    <p:spTree>
+      <p:nvGrpSpPr>
+        <p:cNvPr id="1" name=""/>
+        <p:cNvGrpSpPr/>
+        <p:nvPr/>
+      </p:nvGrpSpPr>
+      <p:grpSpPr>
+        <a:xfrm>
+          <a:off x="0" y="0"/>
+          <a:ext cx="0" cy="0"/>
+          <a:chOff x="0" y="0"/>
+          <a:chExt cx="0" cy="0"/>
+        </a:xfrm>
+      </p:grpSpPr>
+      <p:sp>
+        <p:nvSpPr>
+          <p:cNvPr id="3" name="2 Subtítulo"/>
+          <p:cNvSpPr>
+            <a:spLocks noGrp="1"/>
+          </p:cNvSpPr>
+          <p:nvPr>
+            <p:ph type="subTitle" idx="1"/>
+          </p:nvPr>
+        </p:nvSpPr>
+        <p:spPr/>
+        <p:txBody>
+          <a:bodyPr/>
+          <a:lstStyle/>
+          <a:p>
+            <a:endParaRPr lang="es-PE"/>
+          </a:p>
+        </p:txBody>
+      </p:sp>
+      <p:sp>
+        <p:nvSpPr>
+          <p:cNvPr id="2" name="1 Título"/>
+          <p:cNvSpPr>
+            <a:spLocks noGrp="1"/>
+          </p:cNvSpPr>
+          <p:nvPr>
+            <p:ph type="ctrTitle"/>
+          </p:nvPr>
+        </p:nvSpPr>
+        <p:spPr/>
+        <p:txBody>
+          <a:bodyPr>
+            <a:normAutofit fontScale="90000"/>
+          </a:bodyPr>
+          <a:lstStyle/>
+          <a:p>
+            <a:r>
+              <a:rPr lang="es-PE" sz="4800" dirty="0" smtClean="0"/>
+              <a:t/>
+            </a:r>
+            <a:br>
+              <a:rPr lang="es-PE" sz="4800" dirty="0" smtClean="0"/>
+            </a:br>
+            <a:r>
+              <a:rPr lang="es-PE" sz="4800" dirty="0" smtClean="0"/>
+              <a:t/>
+            </a:r>
+            <a:br>
+              <a:rPr lang="es-PE" sz="4800" dirty="0" smtClean="0"/>
+            </a:br>
+            <a:r>
+              <a:rPr lang="es-PE" sz="4800" dirty="0" smtClean="0"/>
+              <a:t> Bibliografía </a:t>
+            </a:r>
+            <a:br>
+              <a:rPr lang="es-PE" sz="4800" dirty="0" smtClean="0"/>
+            </a:br>
+            <a:endParaRPr lang="es-PE" sz="4800" dirty="0"/>
+          </a:p>
+        </p:txBody>
+      </p:sp>
+    </p:spTree>
+  </p:cSld>
+  <p:clrMapOvr>
+    <a:masterClrMapping/>
+  </p:clrMapOvr>
+  <p:timing>
+    <p:tnLst>
+      <p:par>
+        <p:cTn id="1" dur="indefinite" restart="never" nodeType="tmRoot"/>
+      </p:par>
+    </p:tnLst>
+  </p:timing>
+</p:sld>
+</file>
+
+<file path=ppt/slides/slide21.xml><?xml version="1.0" encoding="utf-8"?>
+<p:sld xmlns:a="http://schemas.openxmlformats.org/drawingml/2006/main" xmlns:r="http://schemas.openxmlformats.org/officeDocument/2006/relationships" xmlns:p="http://schemas.openxmlformats.org/presentationml/2006/main">
+  <p:cSld>
+    <p:spTree>
+      <p:nvGrpSpPr>
+        <p:cNvPr id="1" name=""/>
+        <p:cNvGrpSpPr/>
+        <p:nvPr/>
+      </p:nvGrpSpPr>
+      <p:grpSpPr>
+        <a:xfrm>
+          <a:off x="0" y="0"/>
+          <a:ext cx="0" cy="0"/>
+          <a:chOff x="0" y="0"/>
+          <a:chExt cx="0" cy="0"/>
+        </a:xfrm>
+      </p:grpSpPr>
+      <p:sp>
+        <p:nvSpPr>
+          <p:cNvPr id="2" name="1 Título"/>
+          <p:cNvSpPr>
+            <a:spLocks noGrp="1"/>
+          </p:cNvSpPr>
+          <p:nvPr>
+            <p:ph type="title"/>
+          </p:nvPr>
+        </p:nvSpPr>
+        <p:spPr/>
+        <p:txBody>
+          <a:bodyPr/>
+          <a:lstStyle/>
+          <a:p>
+            <a:r>
+              <a:rPr lang="es-ES" b="1" dirty="0" smtClean="0"/>
+              <a:t>Bibliografía</a:t>
+            </a:r>
+            <a:endParaRPr lang="es-ES" b="1" dirty="0"/>
+          </a:p>
+        </p:txBody>
+      </p:sp>
+      <p:sp>
+        <p:nvSpPr>
+          <p:cNvPr id="3" name="2 Marcador de contenido"/>
+          <p:cNvSpPr>
+            <a:spLocks noGrp="1"/>
+          </p:cNvSpPr>
+          <p:nvPr>
+            <p:ph sz="quarter" idx="1"/>
+          </p:nvPr>
+        </p:nvSpPr>
+        <p:spPr>
+          <a:xfrm>
+            <a:off x="457200" y="1600200"/>
+            <a:ext cx="8258204" cy="4900634"/>
+          </a:xfrm>
+        </p:spPr>
+        <p:txBody>
+          <a:bodyPr>
+            <a:normAutofit/>
+          </a:bodyPr>
+          <a:lstStyle/>
+          <a:p>
+            <a:r>
+              <a:rPr lang="es-ES" sz="2400" dirty="0" smtClean="0"/>
+              <a:t>ACM </a:t>
+            </a:r>
+            <a:r>
+              <a:rPr lang="es-ES" sz="2400" dirty="0" err="1" smtClean="0"/>
+              <a:t>Journal</a:t>
+            </a:r>
+            <a:r>
+              <a:rPr lang="es-ES" sz="2400" dirty="0" smtClean="0"/>
+              <a:t> </a:t>
+            </a:r>
+            <a:r>
+              <a:rPr lang="es-ES" sz="2400" dirty="0" err="1" smtClean="0"/>
+              <a:t>on</a:t>
+            </a:r>
+            <a:r>
+              <a:rPr lang="es-ES" sz="2400" dirty="0" smtClean="0"/>
+              <a:t> </a:t>
+            </a:r>
+            <a:r>
+              <a:rPr lang="es-ES" sz="2400" dirty="0" err="1" smtClean="0"/>
+              <a:t>Educational</a:t>
+            </a:r>
+            <a:r>
+              <a:rPr lang="es-ES" sz="2400" dirty="0" smtClean="0"/>
+              <a:t> </a:t>
+            </a:r>
+            <a:r>
+              <a:rPr lang="es-ES" sz="2400" dirty="0" err="1" smtClean="0"/>
+              <a:t>Resources</a:t>
+            </a:r>
+            <a:r>
+              <a:rPr lang="es-ES" sz="2400" dirty="0" smtClean="0"/>
+              <a:t> in Computing Vol. 4 No. 4, </a:t>
+            </a:r>
+            <a:r>
+              <a:rPr lang="es-ES" sz="2400" dirty="0" err="1" smtClean="0"/>
+              <a:t>December</a:t>
+            </a:r>
+            <a:r>
+              <a:rPr lang="es-ES" sz="2400" dirty="0" smtClean="0"/>
+              <a:t> 2004.</a:t>
+            </a:r>
+          </a:p>
+          <a:p>
+            <a:pPr>
+              <a:buNone/>
+            </a:pPr>
+            <a:endParaRPr lang="es-ES" sz="2400" dirty="0" smtClean="0"/>
+          </a:p>
+          <a:p>
+            <a:r>
+              <a:rPr lang="es-ES" sz="2400" dirty="0" err="1" smtClean="0"/>
+              <a:t>Saul</a:t>
+            </a:r>
+            <a:r>
+              <a:rPr lang="es-ES" sz="2400" dirty="0" smtClean="0"/>
+              <a:t> </a:t>
+            </a:r>
+            <a:r>
+              <a:rPr lang="es-ES" sz="2400" dirty="0" err="1" smtClean="0"/>
+              <a:t>Schleimer</a:t>
+            </a:r>
+            <a:r>
+              <a:rPr lang="es-ES" sz="2400" dirty="0" smtClean="0"/>
+              <a:t>, Daniel S. </a:t>
+            </a:r>
+            <a:r>
+              <a:rPr lang="es-ES" sz="2400" dirty="0" err="1" smtClean="0"/>
+              <a:t>Wilkerson</a:t>
+            </a:r>
+            <a:r>
+              <a:rPr lang="es-ES" sz="2400" dirty="0" smtClean="0"/>
+              <a:t>, and Alex </a:t>
+            </a:r>
+            <a:r>
+              <a:rPr lang="es-ES" sz="2400" dirty="0" err="1" smtClean="0"/>
+              <a:t>Aiken</a:t>
+            </a:r>
+            <a:r>
+              <a:rPr lang="es-ES" sz="2400" dirty="0" smtClean="0"/>
+              <a:t>, "</a:t>
+            </a:r>
+            <a:r>
+              <a:rPr lang="es-ES" sz="2400" dirty="0" err="1" smtClean="0"/>
+              <a:t>Winnowing</a:t>
+            </a:r>
+            <a:r>
+              <a:rPr lang="es-ES" sz="2400" dirty="0" smtClean="0"/>
+              <a:t>: local </a:t>
+            </a:r>
+            <a:r>
+              <a:rPr lang="es-ES" sz="2400" dirty="0" err="1" smtClean="0"/>
+              <a:t>algorithms</a:t>
+            </a:r>
+            <a:r>
+              <a:rPr lang="es-ES" sz="2400" dirty="0" smtClean="0"/>
+              <a:t> </a:t>
+            </a:r>
+            <a:r>
+              <a:rPr lang="es-ES" sz="2400" dirty="0" err="1" smtClean="0"/>
+              <a:t>for</a:t>
+            </a:r>
+            <a:r>
+              <a:rPr lang="es-ES" sz="2400" dirty="0" smtClean="0"/>
+              <a:t> </a:t>
+            </a:r>
+            <a:r>
+              <a:rPr lang="es-ES" sz="2400" dirty="0" err="1" smtClean="0"/>
+              <a:t>document</a:t>
+            </a:r>
+            <a:r>
+              <a:rPr lang="es-ES" sz="2400" dirty="0" smtClean="0"/>
+              <a:t> </a:t>
+            </a:r>
+            <a:r>
+              <a:rPr lang="es-ES" sz="2400" dirty="0" err="1" smtClean="0"/>
+              <a:t>fingerprinting</a:t>
+            </a:r>
+            <a:r>
+              <a:rPr lang="es-ES" sz="2400" dirty="0" smtClean="0"/>
+              <a:t>," </a:t>
+            </a:r>
+            <a:r>
+              <a:rPr lang="es-ES" sz="2400" i="1" dirty="0" err="1" smtClean="0"/>
+              <a:t>Proceedings</a:t>
+            </a:r>
+            <a:r>
+              <a:rPr lang="es-ES" sz="2400" i="1" dirty="0" smtClean="0"/>
+              <a:t> of </a:t>
+            </a:r>
+            <a:r>
+              <a:rPr lang="es-ES" sz="2400" i="1" dirty="0" err="1" smtClean="0"/>
+              <a:t>the</a:t>
+            </a:r>
+            <a:r>
+              <a:rPr lang="es-ES" sz="2400" i="1" dirty="0" smtClean="0"/>
+              <a:t> 2003 ACM SIGMOD </a:t>
+            </a:r>
+            <a:r>
+              <a:rPr lang="es-ES" sz="2400" i="1" dirty="0" err="1" smtClean="0"/>
+              <a:t>international</a:t>
+            </a:r>
+            <a:r>
+              <a:rPr lang="es-ES" sz="2400" i="1" dirty="0" smtClean="0"/>
+              <a:t> </a:t>
+            </a:r>
+            <a:r>
+              <a:rPr lang="es-ES" sz="2400" i="1" dirty="0" err="1" smtClean="0"/>
+              <a:t>conference</a:t>
+            </a:r>
+            <a:r>
+              <a:rPr lang="es-ES" sz="2400" i="1" dirty="0" smtClean="0"/>
+              <a:t> </a:t>
+            </a:r>
+            <a:r>
+              <a:rPr lang="es-ES" sz="2400" i="1" dirty="0" err="1" smtClean="0"/>
+              <a:t>on</a:t>
+            </a:r>
+            <a:r>
+              <a:rPr lang="es-ES" sz="2400" i="1" dirty="0" smtClean="0"/>
+              <a:t> Management of data, pp. 76-85, 2003. 	</a:t>
+            </a:r>
+          </a:p>
+          <a:p>
+            <a:endParaRPr lang="es-ES" sz="2000" dirty="0" smtClean="0"/>
+          </a:p>
+          <a:p>
+            <a:endParaRPr lang="es-ES" sz="1400" dirty="0" smtClean="0"/>
+          </a:p>
+        </p:txBody>
+      </p:sp>
+    </p:spTree>
+  </p:cSld>
+  <p:clrMapOvr>
+    <a:masterClrMapping/>
+  </p:clrMapOvr>
+  <p:timing>
+    <p:tnLst>
+      <p:par>
+        <p:cTn id="1" dur="indefinite" restart="never" nodeType="tmRoot"/>
+      </p:par>
+    </p:tnLst>
+  </p:timing>
+</p:sld>
+</file>
+
 <file path=ppt/slides/slide3.xml><?xml version="1.0" encoding="utf-8"?>
 <p:sld xmlns:a="http://schemas.openxmlformats.org/drawingml/2006/main" xmlns:r="http://schemas.openxmlformats.org/officeDocument/2006/relationships" xmlns:p="http://schemas.openxmlformats.org/presentationml/2006/main">
   <p:cSld>
@@ -6602,7 +7807,6 @@
               <a:rPr lang="es-PE" sz="2800" dirty="0" smtClean="0"/>
               <a:t>Objetivo de la Experimentación</a:t>
             </a:r>
-            <a:endParaRPr lang="es-PE" sz="2800" dirty="0" smtClean="0"/>
           </a:p>
           <a:p>
             <a:pPr marL="550926" indent="-514350">
@@ -6613,7 +7817,6 @@
               <a:rPr lang="es-PE" sz="2800" dirty="0" smtClean="0"/>
               <a:t>Selección del Método Experimental</a:t>
             </a:r>
-            <a:endParaRPr lang="es-PE" sz="2800" dirty="0" smtClean="0"/>
           </a:p>
           <a:p>
             <a:pPr marL="550926" indent="-514350">
@@ -6624,7 +7827,6 @@
               <a:rPr lang="es-PE" sz="2800" dirty="0" smtClean="0"/>
               <a:t>Hipótesis</a:t>
             </a:r>
-            <a:endParaRPr lang="es-PE" sz="2800" dirty="0" smtClean="0"/>
           </a:p>
           <a:p>
             <a:pPr marL="550926" indent="-514350">
@@ -6821,7 +8023,15 @@
           <a:p>
             <a:r>
               <a:rPr lang="es-PE" sz="2800" dirty="0" smtClean="0"/>
-              <a:t>Encontrar el algoritmo mas eficiente para la detección de plagio de documentos.</a:t>
+              <a:t>Encontrar el algoritmo </a:t>
+            </a:r>
+            <a:r>
+              <a:rPr lang="es-PE" sz="2800" dirty="0" smtClean="0"/>
+              <a:t>más </a:t>
+            </a:r>
+            <a:r>
+              <a:rPr lang="es-PE" sz="2800" dirty="0" smtClean="0"/>
+              <a:t>eficiente para la detección de plagio de documentos.</a:t>
             </a:r>
           </a:p>
           <a:p>
@@ -6882,7 +8092,7 @@
           <a:p>
             <a:r>
               <a:rPr lang="es-PE" b="1" dirty="0" smtClean="0"/>
-              <a:t>Solución</a:t>
+              <a:t>Algoritmos a Comparar</a:t>
             </a:r>
             <a:endParaRPr lang="es-PE" b="1" dirty="0"/>
           </a:p>
@@ -6898,33 +8108,41 @@
             <p:ph sz="quarter" idx="1"/>
           </p:nvPr>
         </p:nvSpPr>
-        <p:spPr/>
-        <p:txBody>
-          <a:bodyPr/>
-          <a:lstStyle/>
-          <a:p>
-            <a:r>
-              <a:rPr lang="es-PE" dirty="0" smtClean="0"/>
-              <a:t>ANTIPLAGIUM</a:t>
-            </a:r>
-          </a:p>
-          <a:p>
-            <a:endParaRPr lang="es-PE" dirty="0" smtClean="0"/>
-          </a:p>
-          <a:p>
-            <a:r>
-              <a:rPr lang="es-PE" sz="2000" dirty="0" smtClean="0"/>
-              <a:t>Implementación de algoritmos conocidos, de efectividad comprobada, para detección de plagio.</a:t>
-            </a:r>
-          </a:p>
-          <a:p>
-            <a:endParaRPr lang="es-PE" sz="2000" dirty="0" smtClean="0"/>
-          </a:p>
-          <a:p>
-            <a:r>
-              <a:rPr lang="es-PE" sz="2000" dirty="0" smtClean="0"/>
-              <a:t>Presentación de 3 diferentes opciones:</a:t>
-            </a:r>
+        <p:spPr>
+          <a:xfrm>
+            <a:off x="301752" y="2428868"/>
+            <a:ext cx="8503920" cy="3670180"/>
+          </a:xfrm>
+        </p:spPr>
+        <p:txBody>
+          <a:bodyPr>
+            <a:normAutofit/>
+          </a:bodyPr>
+          <a:lstStyle/>
+          <a:p>
+            <a:r>
+              <a:rPr lang="es-PE" sz="3200" dirty="0" smtClean="0"/>
+              <a:t>Secuencia de </a:t>
+            </a:r>
+            <a:r>
+              <a:rPr lang="es-PE" sz="3200" dirty="0" err="1" smtClean="0"/>
+              <a:t>M</a:t>
+            </a:r>
+            <a:r>
+              <a:rPr lang="es-PE" sz="3200" dirty="0" err="1" smtClean="0"/>
+              <a:t>aximales</a:t>
+            </a:r>
+            <a:endParaRPr lang="es-PE" sz="3200" dirty="0" smtClean="0"/>
+          </a:p>
+          <a:p>
+            <a:endParaRPr lang="es-PE" sz="3200" dirty="0" smtClean="0"/>
+          </a:p>
+          <a:p>
+            <a:r>
+              <a:rPr lang="es-PE" sz="3200" dirty="0" smtClean="0"/>
+              <a:t>Lenguaje Natural</a:t>
+            </a:r>
+            <a:endParaRPr lang="es-PE" sz="3200" dirty="0" smtClean="0"/>
           </a:p>
         </p:txBody>
       </p:sp>
@@ -6988,12 +8206,12 @@
       </p:grpSpPr>
       <p:sp>
         <p:nvSpPr>
-          <p:cNvPr id="3" name="2 Subtítulo"/>
-          <p:cNvSpPr>
-            <a:spLocks noGrp="1"/>
-          </p:cNvSpPr>
-          <p:nvPr>
-            <p:ph type="subTitle" idx="1"/>
+          <p:cNvPr id="2" name="1 Título"/>
+          <p:cNvSpPr>
+            <a:spLocks noGrp="1"/>
+          </p:cNvSpPr>
+          <p:nvPr>
+            <p:ph type="title"/>
           </p:nvPr>
         </p:nvSpPr>
         <p:spPr/>
@@ -7001,32 +8219,30 @@
           <a:bodyPr/>
           <a:lstStyle/>
           <a:p>
-            <a:endParaRPr lang="es-PE"/>
-          </a:p>
-        </p:txBody>
-      </p:sp>
-      <p:sp>
-        <p:nvSpPr>
-          <p:cNvPr id="4" name="3 Título"/>
-          <p:cNvSpPr>
-            <a:spLocks noGrp="1"/>
-          </p:cNvSpPr>
-          <p:nvPr>
-            <p:ph type="ctrTitle"/>
+            <a:r>
+              <a:rPr lang="es-PE" dirty="0" smtClean="0"/>
+              <a:t>Factores Experimentales</a:t>
+            </a:r>
+            <a:endParaRPr lang="es-PE" dirty="0"/>
+          </a:p>
+        </p:txBody>
+      </p:sp>
+      <p:sp>
+        <p:nvSpPr>
+          <p:cNvPr id="3" name="2 Marcador de contenido"/>
+          <p:cNvSpPr>
+            <a:spLocks noGrp="1"/>
+          </p:cNvSpPr>
+          <p:nvPr>
+            <p:ph sz="quarter" idx="1"/>
           </p:nvPr>
         </p:nvSpPr>
         <p:spPr/>
         <p:txBody>
-          <a:bodyPr>
-            <a:normAutofit/>
-          </a:bodyPr>
-          <a:lstStyle/>
-          <a:p>
-            <a:r>
-              <a:rPr lang="es-PE" sz="4800" dirty="0" smtClean="0"/>
-              <a:t>Conclusiones</a:t>
-            </a:r>
-            <a:endParaRPr lang="es-PE" sz="4800" dirty="0"/>
+          <a:bodyPr/>
+          <a:lstStyle/>
+          <a:p>
+            <a:endParaRPr lang="es-PE" dirty="0"/>
           </a:p>
         </p:txBody>
       </p:sp>
@@ -7035,13 +8251,6 @@
   <p:clrMapOvr>
     <a:masterClrMapping/>
   </p:clrMapOvr>
-  <p:timing>
-    <p:tnLst>
-      <p:par>
-        <p:cTn id="1" dur="indefinite" restart="never" nodeType="tmRoot"/>
-      </p:par>
-    </p:tnLst>
-  </p:timing>
 </p:sld>
 </file>
 
@@ -7078,10 +8287,10 @@
           <a:lstStyle/>
           <a:p>
             <a:r>
-              <a:rPr lang="es-ES" b="1" dirty="0" smtClean="0"/>
-              <a:t>Conclusiones</a:t>
-            </a:r>
-            <a:endParaRPr lang="es-ES" b="1" dirty="0"/>
+              <a:rPr lang="es-PE" dirty="0" smtClean="0"/>
+              <a:t>Variables de Respuesta</a:t>
+            </a:r>
+            <a:endParaRPr lang="es-PE" dirty="0"/>
           </a:p>
         </p:txBody>
       </p:sp>
@@ -7097,62 +8306,34 @@
         </p:nvSpPr>
         <p:spPr>
           <a:xfrm>
-            <a:off x="457200" y="1600200"/>
-            <a:ext cx="7467600" cy="1757361"/>
-          </a:xfrm>
-        </p:spPr>
-        <p:txBody>
-          <a:bodyPr>
-            <a:normAutofit/>
-          </a:bodyPr>
-          <a:lstStyle/>
-          <a:p>
-            <a:r>
-              <a:rPr lang="es-ES" sz="1400" dirty="0" err="1" smtClean="0"/>
-              <a:t>xxxxxxxx</a:t>
-            </a:r>
-            <a:endParaRPr lang="es-ES" sz="1400" dirty="0" smtClean="0"/>
-          </a:p>
-        </p:txBody>
-      </p:sp>
-      <p:pic>
-        <p:nvPicPr>
-          <p:cNvPr id="50178" name="Picture 2" descr="C:\Program Files\Microsoft Office\MEDIA\CAGCAT10\j0300840.wmf"/>
-          <p:cNvPicPr>
-            <a:picLocks noChangeAspect="1" noChangeArrowheads="1"/>
-          </p:cNvPicPr>
-          <p:nvPr/>
-        </p:nvPicPr>
-        <p:blipFill>
-          <a:blip r:embed="rId2" cstate="print"/>
-          <a:srcRect/>
-          <a:stretch>
-            <a:fillRect/>
-          </a:stretch>
-        </p:blipFill>
-        <p:spPr bwMode="auto">
-          <a:xfrm>
-            <a:off x="5227638" y="3808413"/>
-            <a:ext cx="1814512" cy="1528762"/>
-          </a:xfrm>
-          <a:prstGeom prst="rect">
-            <a:avLst/>
-          </a:prstGeom>
-          <a:noFill/>
-        </p:spPr>
-      </p:pic>
+            <a:off x="301752" y="2000240"/>
+            <a:ext cx="8503920" cy="4098808"/>
+          </a:xfrm>
+        </p:spPr>
+        <p:txBody>
+          <a:bodyPr/>
+          <a:lstStyle/>
+          <a:p>
+            <a:r>
+              <a:rPr lang="es-ES" dirty="0" smtClean="0"/>
+              <a:t>El porcentaje de plagio de un documento contra los documentos de la base de datos.</a:t>
+            </a:r>
+            <a:endParaRPr lang="es-PE" dirty="0" smtClean="0"/>
+          </a:p>
+          <a:p>
+            <a:r>
+              <a:rPr lang="es-ES" dirty="0" smtClean="0"/>
+              <a:t>El tiempo de ejecución del algoritmo de detección de plagio. </a:t>
+            </a:r>
+            <a:endParaRPr lang="es-PE" dirty="0"/>
+          </a:p>
+        </p:txBody>
+      </p:sp>
     </p:spTree>
   </p:cSld>
   <p:clrMapOvr>
     <a:masterClrMapping/>
   </p:clrMapOvr>
-  <p:timing>
-    <p:tnLst>
-      <p:par>
-        <p:cTn id="1" dur="indefinite" restart="never" nodeType="tmRoot"/>
-      </p:par>
-    </p:tnLst>
-  </p:timing>
 </p:sld>
 </file>
 
@@ -7175,7 +8356,7 @@
       </p:grpSpPr>
       <p:sp>
         <p:nvSpPr>
-          <p:cNvPr id="3" name="2 Subtítulo"/>
+          <p:cNvPr id="5" name="4 Subtítulo"/>
           <p:cNvSpPr>
             <a:spLocks noGrp="1"/>
           </p:cNvSpPr>
@@ -7194,7 +8375,7 @@
       </p:sp>
       <p:sp>
         <p:nvSpPr>
-          <p:cNvPr id="2" name="1 Título"/>
+          <p:cNvPr id="4" name="3 Título"/>
           <p:cNvSpPr>
             <a:spLocks noGrp="1"/>
           </p:cNvSpPr>
@@ -7204,37 +8385,14 @@
         </p:nvSpPr>
         <p:spPr/>
         <p:txBody>
-          <a:bodyPr>
-            <a:normAutofit fontScale="90000"/>
-          </a:bodyPr>
-          <a:lstStyle/>
-          <a:p>
-            <a:r>
-              <a:rPr lang="es-PE" sz="4800" dirty="0" smtClean="0"/>
-              <a:t/>
-            </a:r>
-            <a:br>
-              <a:rPr lang="es-PE" sz="4800" dirty="0" smtClean="0"/>
-            </a:br>
-            <a:r>
-              <a:rPr lang="es-PE" sz="4800" dirty="0" smtClean="0"/>
-              <a:t/>
-            </a:r>
-            <a:br>
-              <a:rPr lang="es-PE" sz="4800" dirty="0" smtClean="0"/>
-            </a:br>
-            <a:r>
-              <a:rPr lang="es-PE" sz="4800" dirty="0" smtClean="0"/>
-              <a:t> Bibliografía </a:t>
-            </a:r>
-            <a:r>
-              <a:rPr lang="es-PE" sz="4800" dirty="0" smtClean="0"/>
-              <a:t/>
-            </a:r>
-            <a:br>
-              <a:rPr lang="es-PE" sz="4800" dirty="0" smtClean="0"/>
-            </a:br>
-            <a:endParaRPr lang="es-PE" sz="4800" dirty="0"/>
+          <a:bodyPr/>
+          <a:lstStyle/>
+          <a:p>
+            <a:r>
+              <a:rPr lang="es-PE" dirty="0" smtClean="0"/>
+              <a:t>Selección del Método Experimental</a:t>
+            </a:r>
+            <a:endParaRPr lang="es-PE" dirty="0"/>
           </a:p>
         </p:txBody>
       </p:sp>
@@ -7243,13 +8401,6 @@
   <p:clrMapOvr>
     <a:masterClrMapping/>
   </p:clrMapOvr>
-  <p:timing>
-    <p:tnLst>
-      <p:par>
-        <p:cTn id="1" dur="indefinite" restart="never" nodeType="tmRoot"/>
-      </p:par>
-    </p:tnLst>
-  </p:timing>
 </p:sld>
 </file>
 

--- a/Lab6/Diapos HIPOTESIS.pptx
+++ b/Lab6/Diapos HIPOTESIS.pptx
@@ -22,10 +22,13 @@
     <p:sldId id="299" r:id="rId16"/>
     <p:sldId id="300" r:id="rId17"/>
     <p:sldId id="301" r:id="rId18"/>
-    <p:sldId id="268" r:id="rId19"/>
-    <p:sldId id="290" r:id="rId20"/>
-    <p:sldId id="269" r:id="rId21"/>
-    <p:sldId id="288" r:id="rId22"/>
+    <p:sldId id="302" r:id="rId19"/>
+    <p:sldId id="303" r:id="rId20"/>
+    <p:sldId id="304" r:id="rId21"/>
+    <p:sldId id="268" r:id="rId22"/>
+    <p:sldId id="290" r:id="rId23"/>
+    <p:sldId id="269" r:id="rId24"/>
+    <p:sldId id="288" r:id="rId25"/>
   </p:sldIdLst>
   <p:sldSz cx="9144000" cy="6858000" type="screen4x3"/>
   <p:notesSz cx="6858000" cy="9144000"/>
@@ -6236,15 +6239,7 @@
           <a:p>
             <a:r>
               <a:rPr lang="es-PE" dirty="0" smtClean="0"/>
-              <a:t>Análisis de las medias con desviación </a:t>
-            </a:r>
-            <a:r>
-              <a:rPr lang="es-PE" dirty="0" smtClean="0"/>
-              <a:t>estándar </a:t>
-            </a:r>
-            <a:r>
-              <a:rPr lang="es-PE" dirty="0" smtClean="0"/>
-              <a:t>conocidas</a:t>
+              <a:t>Análisis de las medias con desviación estándar conocidas</a:t>
             </a:r>
             <a:endParaRPr lang="es-ES" dirty="0" smtClean="0"/>
           </a:p>
@@ -6897,11 +6892,7 @@
             </a:r>
             <a:r>
               <a:rPr lang="es-ES" dirty="0" smtClean="0"/>
-              <a:t> requiere un mayor tiempo  de ejecución que Lenguaje </a:t>
-            </a:r>
-            <a:r>
-              <a:rPr lang="es-ES" dirty="0" smtClean="0"/>
-              <a:t>Natural“</a:t>
+              <a:t> requiere un mayor tiempo  de ejecución que Lenguaje Natural“</a:t>
             </a:r>
           </a:p>
           <a:p>
@@ -6921,11 +6912,7 @@
             </a:r>
             <a:r>
               <a:rPr lang="es-ES" dirty="0" smtClean="0"/>
-              <a:t> </a:t>
-            </a:r>
-            <a:r>
-              <a:rPr lang="es-ES" dirty="0" smtClean="0"/>
-              <a:t>”</a:t>
+              <a:t> ”</a:t>
             </a:r>
           </a:p>
           <a:p>
@@ -6950,15 +6937,7 @@
             </a:pPr>
             <a:r>
               <a:rPr lang="es-ES" sz="2400" dirty="0" smtClean="0"/>
-              <a:t>X1: Media de tiempo de ejecución de Lenguaje </a:t>
-            </a:r>
-            <a:r>
-              <a:rPr lang="es-ES" sz="2400" dirty="0" smtClean="0"/>
-              <a:t>	Natural</a:t>
-            </a:r>
-            <a:r>
-              <a:rPr lang="es-ES" sz="2400" dirty="0" smtClean="0"/>
-              <a:t>.</a:t>
+              <a:t>X1: Media de tiempo de ejecución de Lenguaje 	Natural.</a:t>
             </a:r>
             <a:endParaRPr lang="es-PE" sz="2400" dirty="0" smtClean="0"/>
           </a:p>
@@ -7028,7 +7007,11 @@
           <a:bodyPr/>
           <a:lstStyle/>
           <a:p>
-            <a:endParaRPr lang="es-PE"/>
+            <a:r>
+              <a:rPr lang="es-PE" dirty="0" smtClean="0"/>
+              <a:t>Hipótesis para el porcentaje de plagio</a:t>
+            </a:r>
+            <a:endParaRPr lang="es-PE" dirty="0"/>
           </a:p>
         </p:txBody>
       </p:sp>
@@ -7042,12 +7025,119 @@
             <p:ph sz="quarter" idx="1"/>
           </p:nvPr>
         </p:nvSpPr>
-        <p:spPr/>
-        <p:txBody>
-          <a:bodyPr/>
-          <a:lstStyle/>
-          <a:p>
-            <a:endParaRPr lang="es-PE"/>
+        <p:spPr>
+          <a:xfrm>
+            <a:off x="301752" y="1785926"/>
+            <a:ext cx="8503920" cy="4313122"/>
+          </a:xfrm>
+        </p:spPr>
+        <p:txBody>
+          <a:bodyPr>
+            <a:normAutofit lnSpcReduction="10000"/>
+          </a:bodyPr>
+          <a:lstStyle/>
+          <a:p>
+            <a:r>
+              <a:rPr lang="es-ES" dirty="0" smtClean="0"/>
+              <a:t>H0: X1 &lt; X2 : "Secuencia de </a:t>
+            </a:r>
+            <a:r>
+              <a:rPr lang="es-ES" dirty="0" err="1" smtClean="0"/>
+              <a:t>Maximales</a:t>
+            </a:r>
+            <a:r>
+              <a:rPr lang="es-ES" dirty="0" smtClean="0"/>
+              <a:t> detecta mayor porcentaje de plagio que Lenguaje </a:t>
+            </a:r>
+            <a:r>
+              <a:rPr lang="es-ES" dirty="0" smtClean="0"/>
+              <a:t>Natural“</a:t>
+            </a:r>
+          </a:p>
+          <a:p>
+            <a:pPr>
+              <a:buNone/>
+            </a:pPr>
+            <a:endParaRPr lang="es-PE" dirty="0" smtClean="0"/>
+          </a:p>
+          <a:p>
+            <a:r>
+              <a:rPr lang="es-ES" dirty="0" smtClean="0"/>
+              <a:t>H1: X1 &gt;= X2: " Lenguaje Natural detecta mayor porcentaje de plagio que Secuencia </a:t>
+            </a:r>
+            <a:r>
+              <a:rPr lang="es-ES" dirty="0" err="1" smtClean="0"/>
+              <a:t>Maximales</a:t>
+            </a:r>
+            <a:r>
+              <a:rPr lang="es-ES" dirty="0" smtClean="0"/>
+              <a:t> </a:t>
+            </a:r>
+            <a:r>
+              <a:rPr lang="es-ES" dirty="0" smtClean="0"/>
+              <a:t>”</a:t>
+            </a:r>
+            <a:endParaRPr lang="es-PE" dirty="0" smtClean="0"/>
+          </a:p>
+          <a:p>
+            <a:pPr>
+              <a:buNone/>
+            </a:pPr>
+            <a:endParaRPr lang="es-ES" sz="2400" dirty="0" smtClean="0"/>
+          </a:p>
+          <a:p>
+            <a:pPr>
+              <a:buNone/>
+            </a:pPr>
+            <a:endParaRPr lang="es-ES" sz="2400" dirty="0" smtClean="0"/>
+          </a:p>
+          <a:p>
+            <a:pPr>
+              <a:buNone/>
+            </a:pPr>
+            <a:r>
+              <a:rPr lang="es-ES" sz="2400" dirty="0" smtClean="0"/>
+              <a:t>Siendo</a:t>
+            </a:r>
+            <a:r>
+              <a:rPr lang="es-ES" sz="2400" dirty="0" smtClean="0"/>
+              <a:t>:</a:t>
+            </a:r>
+            <a:endParaRPr lang="es-PE" sz="2400" dirty="0" smtClean="0"/>
+          </a:p>
+          <a:p>
+            <a:pPr>
+              <a:buNone/>
+            </a:pPr>
+            <a:r>
+              <a:rPr lang="es-ES" sz="2400" dirty="0" smtClean="0"/>
+              <a:t>X1: Media de porcentaje de Lenguaje Natural.</a:t>
+            </a:r>
+            <a:endParaRPr lang="es-PE" sz="2400" dirty="0" smtClean="0"/>
+          </a:p>
+          <a:p>
+            <a:pPr>
+              <a:buNone/>
+            </a:pPr>
+            <a:r>
+              <a:rPr lang="es-ES" sz="2400" dirty="0" smtClean="0"/>
+              <a:t>X2: Media de porcentaje de plagio de Secuencia </a:t>
+            </a:r>
+            <a:r>
+              <a:rPr lang="es-ES" sz="2400" dirty="0" err="1" smtClean="0"/>
+              <a:t>Maximales</a:t>
+            </a:r>
+            <a:r>
+              <a:rPr lang="es-ES" sz="2400" dirty="0" smtClean="0"/>
+              <a:t>.</a:t>
+            </a:r>
+            <a:endParaRPr lang="es-PE" sz="2400" dirty="0" smtClean="0"/>
+          </a:p>
+          <a:p>
+            <a:pPr>
+              <a:buNone/>
+            </a:pPr>
+            <a:endParaRPr lang="es-PE" dirty="0"/>
           </a:p>
         </p:txBody>
       </p:sp>
@@ -7078,7 +7168,7 @@
       </p:grpSpPr>
       <p:sp>
         <p:nvSpPr>
-          <p:cNvPr id="3" name="2 Subtítulo"/>
+          <p:cNvPr id="5" name="4 Subtítulo"/>
           <p:cNvSpPr>
             <a:spLocks noGrp="1"/>
           </p:cNvSpPr>
@@ -7107,16 +7197,14 @@
         </p:nvSpPr>
         <p:spPr/>
         <p:txBody>
-          <a:bodyPr>
-            <a:normAutofit/>
-          </a:bodyPr>
-          <a:lstStyle/>
-          <a:p>
-            <a:r>
-              <a:rPr lang="es-PE" sz="4800" dirty="0" smtClean="0"/>
-              <a:t>Conclusiones</a:t>
-            </a:r>
-            <a:endParaRPr lang="es-PE" sz="4800" dirty="0"/>
+          <a:bodyPr/>
+          <a:lstStyle/>
+          <a:p>
+            <a:r>
+              <a:rPr lang="es-PE" dirty="0" smtClean="0"/>
+              <a:t>Ejecución del Experimento</a:t>
+            </a:r>
+            <a:endParaRPr lang="es-PE" dirty="0"/>
           </a:p>
         </p:txBody>
       </p:sp>
@@ -7125,13 +7213,6 @@
   <p:clrMapOvr>
     <a:masterClrMapping/>
   </p:clrMapOvr>
-  <p:timing>
-    <p:tnLst>
-      <p:par>
-        <p:cTn id="1" dur="indefinite" restart="never" nodeType="tmRoot"/>
-      </p:par>
-    </p:tnLst>
-  </p:timing>
 </p:sld>
 </file>
 
@@ -7168,10 +7249,10 @@
           <a:lstStyle/>
           <a:p>
             <a:r>
-              <a:rPr lang="es-ES" b="1" dirty="0" smtClean="0"/>
-              <a:t>Conclusiones</a:t>
-            </a:r>
-            <a:endParaRPr lang="es-ES" b="1" dirty="0"/>
+              <a:rPr lang="es-PE" dirty="0" smtClean="0"/>
+              <a:t>Muestra de ejecución</a:t>
+            </a:r>
+            <a:endParaRPr lang="es-PE" dirty="0"/>
           </a:p>
         </p:txBody>
       </p:sp>
@@ -7185,64 +7266,61 @@
             <p:ph sz="quarter" idx="1"/>
           </p:nvPr>
         </p:nvSpPr>
-        <p:spPr>
-          <a:xfrm>
-            <a:off x="457200" y="1600200"/>
-            <a:ext cx="7467600" cy="1757361"/>
-          </a:xfrm>
-        </p:spPr>
-        <p:txBody>
-          <a:bodyPr>
-            <a:normAutofit/>
-          </a:bodyPr>
-          <a:lstStyle/>
-          <a:p>
-            <a:r>
-              <a:rPr lang="es-ES" sz="1400" dirty="0" err="1" smtClean="0"/>
-              <a:t>xxxxxxxx</a:t>
-            </a:r>
-            <a:endParaRPr lang="es-ES" sz="1400" dirty="0" smtClean="0"/>
-          </a:p>
-        </p:txBody>
-      </p:sp>
-      <p:pic>
-        <p:nvPicPr>
-          <p:cNvPr id="50178" name="Picture 2" descr="C:\Program Files\Microsoft Office\MEDIA\CAGCAT10\j0300840.wmf"/>
-          <p:cNvPicPr>
-            <a:picLocks noChangeAspect="1" noChangeArrowheads="1"/>
-          </p:cNvPicPr>
-          <p:nvPr/>
-        </p:nvPicPr>
-        <p:blipFill>
-          <a:blip r:embed="rId2" cstate="print"/>
-          <a:srcRect/>
-          <a:stretch>
-            <a:fillRect/>
-          </a:stretch>
-        </p:blipFill>
-        <p:spPr bwMode="auto">
-          <a:xfrm>
-            <a:off x="5227638" y="3808413"/>
-            <a:ext cx="1814512" cy="1528762"/>
-          </a:xfrm>
-          <a:prstGeom prst="rect">
-            <a:avLst/>
-          </a:prstGeom>
-          <a:noFill/>
-        </p:spPr>
-      </p:pic>
+        <p:spPr/>
+        <p:txBody>
+          <a:bodyPr/>
+          <a:lstStyle/>
+          <a:p>
+            <a:r>
+              <a:rPr lang="es-PE" dirty="0" smtClean="0"/>
+              <a:t>Datos Utilizados.</a:t>
+            </a:r>
+          </a:p>
+          <a:p>
+            <a:endParaRPr lang="es-PE" dirty="0" smtClean="0"/>
+          </a:p>
+          <a:p>
+            <a:r>
+              <a:rPr lang="es-PE" dirty="0" smtClean="0"/>
+              <a:t>Ejecución del algoritmo </a:t>
+            </a:r>
+            <a:r>
+              <a:rPr lang="es-PE" dirty="0" smtClean="0"/>
+              <a:t>Secuencia </a:t>
+            </a:r>
+            <a:r>
+              <a:rPr lang="es-PE" dirty="0" err="1" smtClean="0"/>
+              <a:t>Maximales</a:t>
+            </a:r>
+            <a:r>
+              <a:rPr lang="es-PE" dirty="0" smtClean="0"/>
+              <a:t>.</a:t>
+            </a:r>
+          </a:p>
+          <a:p>
+            <a:pPr>
+              <a:buNone/>
+            </a:pPr>
+            <a:endParaRPr lang="es-PE" dirty="0" smtClean="0"/>
+          </a:p>
+          <a:p>
+            <a:r>
+              <a:rPr lang="es-PE" dirty="0" smtClean="0"/>
+              <a:t>Ejecución del algoritmo </a:t>
+            </a:r>
+            <a:r>
+              <a:rPr lang="es-PE" dirty="0" smtClean="0"/>
+              <a:t>Lenguaje Natural.</a:t>
+            </a:r>
+            <a:endParaRPr lang="es-PE" dirty="0"/>
+          </a:p>
+        </p:txBody>
+      </p:sp>
     </p:spTree>
   </p:cSld>
   <p:clrMapOvr>
     <a:masterClrMapping/>
   </p:clrMapOvr>
-  <p:timing>
-    <p:tnLst>
-      <p:par>
-        <p:cTn id="1" dur="indefinite" restart="never" nodeType="tmRoot"/>
-      </p:par>
-    </p:tnLst>
-  </p:timing>
 </p:sld>
 </file>
 
@@ -7408,6 +7486,90 @@
       </p:grpSpPr>
       <p:sp>
         <p:nvSpPr>
+          <p:cNvPr id="2" name="1 Título"/>
+          <p:cNvSpPr>
+            <a:spLocks noGrp="1"/>
+          </p:cNvSpPr>
+          <p:nvPr>
+            <p:ph type="title"/>
+          </p:nvPr>
+        </p:nvSpPr>
+        <p:spPr/>
+        <p:txBody>
+          <a:bodyPr/>
+          <a:lstStyle/>
+          <a:p>
+            <a:r>
+              <a:rPr lang="es-PE" dirty="0" smtClean="0"/>
+              <a:t>Datos utilizados</a:t>
+            </a:r>
+            <a:endParaRPr lang="es-PE" dirty="0"/>
+          </a:p>
+        </p:txBody>
+      </p:sp>
+      <p:sp>
+        <p:nvSpPr>
+          <p:cNvPr id="3" name="2 Marcador de contenido"/>
+          <p:cNvSpPr>
+            <a:spLocks noGrp="1"/>
+          </p:cNvSpPr>
+          <p:nvPr>
+            <p:ph sz="quarter" idx="1"/>
+          </p:nvPr>
+        </p:nvSpPr>
+        <p:spPr>
+          <a:xfrm>
+            <a:off x="301752" y="2071678"/>
+            <a:ext cx="8503920" cy="4027370"/>
+          </a:xfrm>
+        </p:spPr>
+        <p:txBody>
+          <a:bodyPr/>
+          <a:lstStyle/>
+          <a:p>
+            <a:r>
+              <a:rPr lang="es-PE" dirty="0" smtClean="0"/>
+              <a:t>50 documentos  de extensión .</a:t>
+            </a:r>
+            <a:r>
+              <a:rPr lang="es-PE" dirty="0" err="1" smtClean="0"/>
+              <a:t>txt</a:t>
+            </a:r>
+            <a:r>
+              <a:rPr lang="es-PE" dirty="0" smtClean="0"/>
+              <a:t> que serán comparados cada uno contra la los 49 restantes.</a:t>
+            </a:r>
+            <a:endParaRPr lang="es-PE" dirty="0"/>
+          </a:p>
+        </p:txBody>
+      </p:sp>
+    </p:spTree>
+  </p:cSld>
+  <p:clrMapOvr>
+    <a:masterClrMapping/>
+  </p:clrMapOvr>
+</p:sld>
+</file>
+
+<file path=ppt/slides/slide21.xml><?xml version="1.0" encoding="utf-8"?>
+<p:sld xmlns:a="http://schemas.openxmlformats.org/drawingml/2006/main" xmlns:r="http://schemas.openxmlformats.org/officeDocument/2006/relationships" xmlns:p="http://schemas.openxmlformats.org/presentationml/2006/main">
+  <p:cSld>
+    <p:spTree>
+      <p:nvGrpSpPr>
+        <p:cNvPr id="1" name=""/>
+        <p:cNvGrpSpPr/>
+        <p:nvPr/>
+      </p:nvGrpSpPr>
+      <p:grpSpPr>
+        <a:xfrm>
+          <a:off x="0" y="0"/>
+          <a:ext cx="0" cy="0"/>
+          <a:chOff x="0" y="0"/>
+          <a:chExt cx="0" cy="0"/>
+        </a:xfrm>
+      </p:grpSpPr>
+      <p:sp>
+        <p:nvSpPr>
           <p:cNvPr id="3" name="2 Subtítulo"/>
           <p:cNvSpPr>
             <a:spLocks noGrp="1"/>
@@ -7427,7 +7589,7 @@
       </p:sp>
       <p:sp>
         <p:nvSpPr>
-          <p:cNvPr id="2" name="1 Título"/>
+          <p:cNvPr id="4" name="3 Título"/>
           <p:cNvSpPr>
             <a:spLocks noGrp="1"/>
           </p:cNvSpPr>
@@ -7438,31 +7600,14 @@
         <p:spPr/>
         <p:txBody>
           <a:bodyPr>
-            <a:normAutofit fontScale="90000"/>
+            <a:normAutofit/>
           </a:bodyPr>
           <a:lstStyle/>
           <a:p>
             <a:r>
               <a:rPr lang="es-PE" sz="4800" dirty="0" smtClean="0"/>
-              <a:t/>
-            </a:r>
-            <a:br>
-              <a:rPr lang="es-PE" sz="4800" dirty="0" smtClean="0"/>
-            </a:br>
-            <a:r>
-              <a:rPr lang="es-PE" sz="4800" dirty="0" smtClean="0"/>
-              <a:t/>
-            </a:r>
-            <a:br>
-              <a:rPr lang="es-PE" sz="4800" dirty="0" smtClean="0"/>
-            </a:br>
-            <a:r>
-              <a:rPr lang="es-PE" sz="4800" dirty="0" smtClean="0"/>
-              <a:t> Bibliografía </a:t>
-            </a:r>
-            <a:br>
-              <a:rPr lang="es-PE" sz="4800" dirty="0" smtClean="0"/>
-            </a:br>
+              <a:t>Conclusiones</a:t>
+            </a:r>
             <a:endParaRPr lang="es-PE" sz="4800" dirty="0"/>
           </a:p>
         </p:txBody>
@@ -7482,7 +7627,211 @@
 </p:sld>
 </file>
 
-<file path=ppt/slides/slide21.xml><?xml version="1.0" encoding="utf-8"?>
+<file path=ppt/slides/slide22.xml><?xml version="1.0" encoding="utf-8"?>
+<p:sld xmlns:a="http://schemas.openxmlformats.org/drawingml/2006/main" xmlns:r="http://schemas.openxmlformats.org/officeDocument/2006/relationships" xmlns:p="http://schemas.openxmlformats.org/presentationml/2006/main">
+  <p:cSld>
+    <p:spTree>
+      <p:nvGrpSpPr>
+        <p:cNvPr id="1" name=""/>
+        <p:cNvGrpSpPr/>
+        <p:nvPr/>
+      </p:nvGrpSpPr>
+      <p:grpSpPr>
+        <a:xfrm>
+          <a:off x="0" y="0"/>
+          <a:ext cx="0" cy="0"/>
+          <a:chOff x="0" y="0"/>
+          <a:chExt cx="0" cy="0"/>
+        </a:xfrm>
+      </p:grpSpPr>
+      <p:sp>
+        <p:nvSpPr>
+          <p:cNvPr id="2" name="1 Título"/>
+          <p:cNvSpPr>
+            <a:spLocks noGrp="1"/>
+          </p:cNvSpPr>
+          <p:nvPr>
+            <p:ph type="title"/>
+          </p:nvPr>
+        </p:nvSpPr>
+        <p:spPr/>
+        <p:txBody>
+          <a:bodyPr/>
+          <a:lstStyle/>
+          <a:p>
+            <a:r>
+              <a:rPr lang="es-ES" b="1" dirty="0" smtClean="0"/>
+              <a:t>Conclusiones</a:t>
+            </a:r>
+            <a:endParaRPr lang="es-ES" b="1" dirty="0"/>
+          </a:p>
+        </p:txBody>
+      </p:sp>
+      <p:sp>
+        <p:nvSpPr>
+          <p:cNvPr id="3" name="2 Marcador de contenido"/>
+          <p:cNvSpPr>
+            <a:spLocks noGrp="1"/>
+          </p:cNvSpPr>
+          <p:nvPr>
+            <p:ph sz="quarter" idx="1"/>
+          </p:nvPr>
+        </p:nvSpPr>
+        <p:spPr>
+          <a:xfrm>
+            <a:off x="457200" y="1600200"/>
+            <a:ext cx="7467600" cy="1757361"/>
+          </a:xfrm>
+        </p:spPr>
+        <p:txBody>
+          <a:bodyPr>
+            <a:normAutofit/>
+          </a:bodyPr>
+          <a:lstStyle/>
+          <a:p>
+            <a:r>
+              <a:rPr lang="es-ES" sz="1400" dirty="0" err="1" smtClean="0"/>
+              <a:t>xxxxxxxx</a:t>
+            </a:r>
+            <a:endParaRPr lang="es-ES" sz="1400" dirty="0" smtClean="0"/>
+          </a:p>
+        </p:txBody>
+      </p:sp>
+      <p:pic>
+        <p:nvPicPr>
+          <p:cNvPr id="50178" name="Picture 2" descr="C:\Program Files\Microsoft Office\MEDIA\CAGCAT10\j0300840.wmf"/>
+          <p:cNvPicPr>
+            <a:picLocks noChangeAspect="1" noChangeArrowheads="1"/>
+          </p:cNvPicPr>
+          <p:nvPr/>
+        </p:nvPicPr>
+        <p:blipFill>
+          <a:blip r:embed="rId2" cstate="print"/>
+          <a:srcRect/>
+          <a:stretch>
+            <a:fillRect/>
+          </a:stretch>
+        </p:blipFill>
+        <p:spPr bwMode="auto">
+          <a:xfrm>
+            <a:off x="5227638" y="3808413"/>
+            <a:ext cx="1814512" cy="1528762"/>
+          </a:xfrm>
+          <a:prstGeom prst="rect">
+            <a:avLst/>
+          </a:prstGeom>
+          <a:noFill/>
+        </p:spPr>
+      </p:pic>
+    </p:spTree>
+  </p:cSld>
+  <p:clrMapOvr>
+    <a:masterClrMapping/>
+  </p:clrMapOvr>
+  <p:timing>
+    <p:tnLst>
+      <p:par>
+        <p:cTn id="1" dur="indefinite" restart="never" nodeType="tmRoot"/>
+      </p:par>
+    </p:tnLst>
+  </p:timing>
+</p:sld>
+</file>
+
+<file path=ppt/slides/slide23.xml><?xml version="1.0" encoding="utf-8"?>
+<p:sld xmlns:a="http://schemas.openxmlformats.org/drawingml/2006/main" xmlns:r="http://schemas.openxmlformats.org/officeDocument/2006/relationships" xmlns:p="http://schemas.openxmlformats.org/presentationml/2006/main">
+  <p:cSld>
+    <p:spTree>
+      <p:nvGrpSpPr>
+        <p:cNvPr id="1" name=""/>
+        <p:cNvGrpSpPr/>
+        <p:nvPr/>
+      </p:nvGrpSpPr>
+      <p:grpSpPr>
+        <a:xfrm>
+          <a:off x="0" y="0"/>
+          <a:ext cx="0" cy="0"/>
+          <a:chOff x="0" y="0"/>
+          <a:chExt cx="0" cy="0"/>
+        </a:xfrm>
+      </p:grpSpPr>
+      <p:sp>
+        <p:nvSpPr>
+          <p:cNvPr id="3" name="2 Subtítulo"/>
+          <p:cNvSpPr>
+            <a:spLocks noGrp="1"/>
+          </p:cNvSpPr>
+          <p:nvPr>
+            <p:ph type="subTitle" idx="1"/>
+          </p:nvPr>
+        </p:nvSpPr>
+        <p:spPr/>
+        <p:txBody>
+          <a:bodyPr/>
+          <a:lstStyle/>
+          <a:p>
+            <a:endParaRPr lang="es-PE"/>
+          </a:p>
+        </p:txBody>
+      </p:sp>
+      <p:sp>
+        <p:nvSpPr>
+          <p:cNvPr id="2" name="1 Título"/>
+          <p:cNvSpPr>
+            <a:spLocks noGrp="1"/>
+          </p:cNvSpPr>
+          <p:nvPr>
+            <p:ph type="ctrTitle"/>
+          </p:nvPr>
+        </p:nvSpPr>
+        <p:spPr/>
+        <p:txBody>
+          <a:bodyPr>
+            <a:normAutofit fontScale="90000"/>
+          </a:bodyPr>
+          <a:lstStyle/>
+          <a:p>
+            <a:r>
+              <a:rPr lang="es-PE" sz="4800" dirty="0" smtClean="0"/>
+              <a:t/>
+            </a:r>
+            <a:br>
+              <a:rPr lang="es-PE" sz="4800" dirty="0" smtClean="0"/>
+            </a:br>
+            <a:r>
+              <a:rPr lang="es-PE" sz="4800" dirty="0" smtClean="0"/>
+              <a:t/>
+            </a:r>
+            <a:br>
+              <a:rPr lang="es-PE" sz="4800" dirty="0" smtClean="0"/>
+            </a:br>
+            <a:r>
+              <a:rPr lang="es-PE" sz="4800" dirty="0" smtClean="0"/>
+              <a:t> Bibliografía </a:t>
+            </a:r>
+            <a:br>
+              <a:rPr lang="es-PE" sz="4800" dirty="0" smtClean="0"/>
+            </a:br>
+            <a:endParaRPr lang="es-PE" sz="4800" dirty="0"/>
+          </a:p>
+        </p:txBody>
+      </p:sp>
+    </p:spTree>
+  </p:cSld>
+  <p:clrMapOvr>
+    <a:masterClrMapping/>
+  </p:clrMapOvr>
+  <p:timing>
+    <p:tnLst>
+      <p:par>
+        <p:cTn id="1" dur="indefinite" restart="never" nodeType="tmRoot"/>
+      </p:par>
+    </p:tnLst>
+  </p:timing>
+</p:sld>
+</file>
+
+<file path=ppt/slides/slide24.xml><?xml version="1.0" encoding="utf-8"?>
 <p:sld xmlns:a="http://schemas.openxmlformats.org/drawingml/2006/main" xmlns:r="http://schemas.openxmlformats.org/officeDocument/2006/relationships" xmlns:p="http://schemas.openxmlformats.org/presentationml/2006/main">
   <p:cSld>
     <p:spTree>
@@ -8023,15 +8372,7 @@
           <a:p>
             <a:r>
               <a:rPr lang="es-PE" sz="2800" dirty="0" smtClean="0"/>
-              <a:t>Encontrar el algoritmo </a:t>
-            </a:r>
-            <a:r>
-              <a:rPr lang="es-PE" sz="2800" dirty="0" smtClean="0"/>
-              <a:t>más </a:t>
-            </a:r>
-            <a:r>
-              <a:rPr lang="es-PE" sz="2800" dirty="0" smtClean="0"/>
-              <a:t>eficiente para la detección de plagio de documentos.</a:t>
+              <a:t>Encontrar el algoritmo más eficiente para la detección de plagio de documentos.</a:t>
             </a:r>
           </a:p>
           <a:p>
@@ -8126,11 +8467,7 @@
             </a:r>
             <a:r>
               <a:rPr lang="es-PE" sz="3200" dirty="0" err="1" smtClean="0"/>
-              <a:t>M</a:t>
-            </a:r>
-            <a:r>
-              <a:rPr lang="es-PE" sz="3200" dirty="0" err="1" smtClean="0"/>
-              <a:t>aximales</a:t>
+              <a:t>Maximales</a:t>
             </a:r>
             <a:endParaRPr lang="es-PE" sz="3200" dirty="0" smtClean="0"/>
           </a:p>
@@ -8142,15 +8479,14 @@
               <a:rPr lang="es-PE" sz="3200" dirty="0" smtClean="0"/>
               <a:t>Lenguaje Natural</a:t>
             </a:r>
-            <a:endParaRPr lang="es-PE" sz="3200" dirty="0" smtClean="0"/>
           </a:p>
         </p:txBody>
       </p:sp>
       <p:pic>
         <p:nvPicPr>
-          <p:cNvPr id="16385" name="Picture 1" descr="C:\Program Files\Microsoft Office\MEDIA\CAGCAT10\j0195812.wmf"/>
+          <p:cNvPr id="19458" name="Picture 2" descr="click to zoom"/>
           <p:cNvPicPr>
-            <a:picLocks noChangeAspect="1" noChangeArrowheads="1"/>
+            <a:picLocks noChangeAspect="1" noChangeArrowheads="1" noCrop="1"/>
           </p:cNvPicPr>
           <p:nvPr/>
         </p:nvPicPr>
@@ -8163,8 +8499,8 @@
         </p:blipFill>
         <p:spPr bwMode="auto">
           <a:xfrm>
-            <a:off x="6372225" y="3927475"/>
-            <a:ext cx="1773238" cy="1824038"/>
+            <a:off x="5072066" y="2786058"/>
+            <a:ext cx="3333750" cy="3333750"/>
           </a:xfrm>
           <a:prstGeom prst="rect">
             <a:avLst/>
@@ -8251,6 +8587,13 @@
   <p:clrMapOvr>
     <a:masterClrMapping/>
   </p:clrMapOvr>
+  <p:timing>
+    <p:tnLst>
+      <p:par>
+        <p:cTn id="1" dur="indefinite" restart="never" nodeType="tmRoot"/>
+      </p:par>
+    </p:tnLst>
+  </p:timing>
 </p:sld>
 </file>
 

--- a/Lab6/Diapos HIPOTESIS.pptx
+++ b/Lab6/Diapos HIPOTESIS.pptx
@@ -32,10 +32,13 @@
     <p:sldId id="309" r:id="rId26"/>
     <p:sldId id="310" r:id="rId27"/>
     <p:sldId id="311" r:id="rId28"/>
-    <p:sldId id="268" r:id="rId29"/>
-    <p:sldId id="290" r:id="rId30"/>
-    <p:sldId id="269" r:id="rId31"/>
-    <p:sldId id="288" r:id="rId32"/>
+    <p:sldId id="312" r:id="rId29"/>
+    <p:sldId id="313" r:id="rId30"/>
+    <p:sldId id="314" r:id="rId31"/>
+    <p:sldId id="268" r:id="rId32"/>
+    <p:sldId id="290" r:id="rId33"/>
+    <p:sldId id="269" r:id="rId34"/>
+    <p:sldId id="288" r:id="rId35"/>
   </p:sldIdLst>
   <p:sldSz cx="9144000" cy="6858000" type="screen4x3"/>
   <p:notesSz cx="6858000" cy="9144000"/>
@@ -139,6 +142,7 @@
 
 <file path=ppt/charts/chart1.xml><?xml version="1.0" encoding="utf-8"?>
 <c:chartSpace xmlns:c="http://schemas.openxmlformats.org/drawingml/2006/chart" xmlns:a="http://schemas.openxmlformats.org/drawingml/2006/main" xmlns:r="http://schemas.openxmlformats.org/officeDocument/2006/relationships">
+  <c:date1904 val="1"/>
   <c:lang val="es-PE"/>
   <c:chart>
     <c:plotArea>
@@ -147,10 +151,10 @@
           <c:layoutTarget val="inner"/>
           <c:xMode val="edge"/>
           <c:yMode val="edge"/>
-          <c:x val="7.2967378884136805E-2"/>
-          <c:y val="1.4957156090782771E-2"/>
+          <c:x val="7.2967378884136819E-2"/>
+          <c:y val="1.4957156090782773E-2"/>
           <c:w val="0.70541981166236833"/>
-          <c:h val="0.42932800679326871"/>
+          <c:h val="0.42932800679326882"/>
         </c:manualLayout>
       </c:layout>
       <c:lineChart>
@@ -1152,24 +1156,24 @@
           </c:val>
         </c:ser>
         <c:marker val="1"/>
-        <c:axId val="105688448"/>
-        <c:axId val="107124608"/>
+        <c:axId val="105672064"/>
+        <c:axId val="105722240"/>
       </c:lineChart>
       <c:catAx>
-        <c:axId val="105688448"/>
+        <c:axId val="105672064"/>
         <c:scaling>
           <c:orientation val="minMax"/>
         </c:scaling>
         <c:axPos val="b"/>
         <c:tickLblPos val="nextTo"/>
-        <c:crossAx val="107124608"/>
+        <c:crossAx val="105722240"/>
         <c:crosses val="autoZero"/>
         <c:auto val="1"/>
         <c:lblAlgn val="ctr"/>
         <c:lblOffset val="100"/>
       </c:catAx>
       <c:valAx>
-        <c:axId val="107124608"/>
+        <c:axId val="105722240"/>
         <c:scaling>
           <c:orientation val="minMax"/>
         </c:scaling>
@@ -1177,7 +1181,7 @@
         <c:majorGridlines/>
         <c:numFmt formatCode="General" sourceLinked="1"/>
         <c:tickLblPos val="nextTo"/>
-        <c:crossAx val="105688448"/>
+        <c:crossAx val="105672064"/>
         <c:crosses val="autoZero"/>
         <c:crossBetween val="between"/>
       </c:valAx>
@@ -1194,6 +1198,7 @@
 
 <file path=ppt/charts/chart2.xml><?xml version="1.0" encoding="utf-8"?>
 <c:chartSpace xmlns:c="http://schemas.openxmlformats.org/drawingml/2006/chart" xmlns:a="http://schemas.openxmlformats.org/drawingml/2006/main" xmlns:r="http://schemas.openxmlformats.org/officeDocument/2006/relationships">
+  <c:date1904 val="1"/>
   <c:lang val="es-PE"/>
   <c:chart>
     <c:plotArea>
@@ -2197,24 +2202,24 @@
           </c:val>
         </c:ser>
         <c:marker val="1"/>
-        <c:axId val="107183488"/>
-        <c:axId val="107608704"/>
+        <c:axId val="106871808"/>
+        <c:axId val="106879616"/>
       </c:lineChart>
       <c:catAx>
-        <c:axId val="107183488"/>
+        <c:axId val="106871808"/>
         <c:scaling>
           <c:orientation val="minMax"/>
         </c:scaling>
         <c:axPos val="b"/>
         <c:tickLblPos val="nextTo"/>
-        <c:crossAx val="107608704"/>
+        <c:crossAx val="106879616"/>
         <c:crosses val="autoZero"/>
         <c:auto val="1"/>
         <c:lblAlgn val="ctr"/>
         <c:lblOffset val="100"/>
       </c:catAx>
       <c:valAx>
-        <c:axId val="107608704"/>
+        <c:axId val="106879616"/>
         <c:scaling>
           <c:orientation val="minMax"/>
         </c:scaling>
@@ -2222,7 +2227,7 @@
         <c:majorGridlines/>
         <c:numFmt formatCode="General" sourceLinked="1"/>
         <c:tickLblPos val="nextTo"/>
-        <c:crossAx val="107183488"/>
+        <c:crossAx val="106871808"/>
         <c:crosses val="autoZero"/>
         <c:crossBetween val="between"/>
       </c:valAx>
@@ -8815,15 +8820,7 @@
             </a:pPr>
             <a:r>
               <a:rPr lang="es-ES" dirty="0" smtClean="0"/>
-              <a:t>y la </a:t>
-            </a:r>
-            <a:r>
-              <a:rPr lang="es-ES" dirty="0" smtClean="0"/>
-              <a:t>fórmula </a:t>
-            </a:r>
-            <a:r>
-              <a:rPr lang="es-ES" dirty="0" smtClean="0"/>
-              <a:t>para hallar el estadístico t:</a:t>
+              <a:t>y la fórmula para hallar el estadístico t:</a:t>
             </a:r>
           </a:p>
         </p:txBody>
@@ -9162,11 +9159,7 @@
             </a:r>
             <a:r>
               <a:rPr lang="es-ES" dirty="0" smtClean="0"/>
-              <a:t> detecta mayor porcentaje de plagio que Lenguaje </a:t>
-            </a:r>
-            <a:r>
-              <a:rPr lang="es-ES" dirty="0" smtClean="0"/>
-              <a:t>Natural“</a:t>
+              <a:t> detecta mayor porcentaje de plagio que Lenguaje Natural“</a:t>
             </a:r>
           </a:p>
           <a:p>
@@ -9186,11 +9179,7 @@
             </a:r>
             <a:r>
               <a:rPr lang="es-ES" dirty="0" smtClean="0"/>
-              <a:t> </a:t>
-            </a:r>
-            <a:r>
-              <a:rPr lang="es-ES" dirty="0" smtClean="0"/>
-              <a:t>”</a:t>
+              <a:t> ”</a:t>
             </a:r>
             <a:endParaRPr lang="es-PE" dirty="0" smtClean="0"/>
           </a:p>
@@ -9212,11 +9201,7 @@
             </a:pPr>
             <a:r>
               <a:rPr lang="es-ES" sz="2400" dirty="0" smtClean="0"/>
-              <a:t>Siendo</a:t>
-            </a:r>
-            <a:r>
-              <a:rPr lang="es-ES" sz="2400" dirty="0" smtClean="0"/>
-              <a:t>:</a:t>
+              <a:t>Siendo:</a:t>
             </a:r>
             <a:endParaRPr lang="es-PE" sz="2400" dirty="0" smtClean="0"/>
           </a:p>
@@ -9397,11 +9382,7 @@
           <a:p>
             <a:r>
               <a:rPr lang="es-PE" dirty="0" smtClean="0"/>
-              <a:t>Ejecución del algoritmo </a:t>
-            </a:r>
-            <a:r>
-              <a:rPr lang="es-PE" dirty="0" smtClean="0"/>
-              <a:t>Secuencia </a:t>
+              <a:t>Ejecución del algoritmo Secuencia </a:t>
             </a:r>
             <a:r>
               <a:rPr lang="es-PE" dirty="0" err="1" smtClean="0"/>
@@ -9421,11 +9402,7 @@
           <a:p>
             <a:r>
               <a:rPr lang="es-PE" dirty="0" smtClean="0"/>
-              <a:t>Ejecución del algoritmo </a:t>
-            </a:r>
-            <a:r>
-              <a:rPr lang="es-PE" dirty="0" smtClean="0"/>
-              <a:t>Lenguaje Natural.</a:t>
+              <a:t>Ejecución del algoritmo Lenguaje Natural.</a:t>
             </a:r>
             <a:endParaRPr lang="es-PE" dirty="0"/>
           </a:p>
@@ -9763,6 +9740,13 @@
   <p:clrMapOvr>
     <a:masterClrMapping/>
   </p:clrMapOvr>
+  <p:timing>
+    <p:tnLst>
+      <p:par>
+        <p:cTn id="1" dur="indefinite" restart="never" nodeType="tmRoot"/>
+      </p:par>
+    </p:tnLst>
+  </p:timing>
 </p:sld>
 </file>
 
@@ -9818,7 +9802,7 @@
         </p:nvGraphicFramePr>
         <p:xfrm>
           <a:off x="1896131" y="1643050"/>
-          <a:ext cx="5315225" cy="4799589"/>
+          <a:ext cx="5315225" cy="5056764"/>
         </p:xfrm>
         <a:graphic>
           <a:graphicData uri="http://schemas.openxmlformats.org/drawingml/2006/table">
@@ -32756,6 +32740,13 @@
   <p:clrMapOvr>
     <a:masterClrMapping/>
   </p:clrMapOvr>
+  <p:timing>
+    <p:tnLst>
+      <p:par>
+        <p:cTn id="1" dur="indefinite" restart="never" nodeType="tmRoot"/>
+      </p:par>
+    </p:tnLst>
+  </p:timing>
 </p:sld>
 </file>
 
@@ -40390,6 +40381,13 @@
   <p:clrMapOvr>
     <a:masterClrMapping/>
   </p:clrMapOvr>
+  <p:timing>
+    <p:tnLst>
+      <p:par>
+        <p:cTn id="1" dur="indefinite" restart="never" nodeType="tmRoot"/>
+      </p:par>
+    </p:tnLst>
+  </p:timing>
 </p:sld>
 </file>
 
@@ -40498,7 +40496,7 @@
       </p:grpSpPr>
       <p:sp>
         <p:nvSpPr>
-          <p:cNvPr id="3" name="2 Subtítulo"/>
+          <p:cNvPr id="4" name="3 Subtítulo"/>
           <p:cNvSpPr>
             <a:spLocks noGrp="1"/>
           </p:cNvSpPr>
@@ -40517,7 +40515,7 @@
       </p:sp>
       <p:sp>
         <p:nvSpPr>
-          <p:cNvPr id="4" name="3 Título"/>
+          <p:cNvPr id="2" name="1 Título"/>
           <p:cNvSpPr>
             <a:spLocks noGrp="1"/>
           </p:cNvSpPr>
@@ -40533,10 +40531,10 @@
           <a:lstStyle/>
           <a:p>
             <a:r>
-              <a:rPr lang="es-PE" sz="4800" dirty="0" smtClean="0"/>
-              <a:t>Conclusiones</a:t>
+              <a:rPr lang="es-PE" dirty="0" smtClean="0"/>
+              <a:t>Resultados</a:t>
             </a:r>
-            <a:endParaRPr lang="es-PE" sz="4800" dirty="0"/>
+            <a:endParaRPr lang="es-PE" dirty="0"/>
           </a:p>
         </p:txBody>
       </p:sp>
@@ -40588,69 +40586,1516 @@
           <a:lstStyle/>
           <a:p>
             <a:r>
-              <a:rPr lang="es-ES" b="1" dirty="0" smtClean="0"/>
-              <a:t>Conclusiones</a:t>
+              <a:rPr lang="es-PE" dirty="0" smtClean="0"/>
+              <a:t>Resultados para el tiempo de ejecución</a:t>
             </a:r>
-            <a:endParaRPr lang="es-ES" b="1" dirty="0"/>
+            <a:endParaRPr lang="es-PE" dirty="0"/>
           </a:p>
         </p:txBody>
       </p:sp>
+      <p:graphicFrame>
+        <p:nvGraphicFramePr>
+          <p:cNvPr id="8" name="7 Tabla"/>
+          <p:cNvGraphicFramePr>
+            <a:graphicFrameLocks noGrp="1"/>
+          </p:cNvGraphicFramePr>
+          <p:nvPr/>
+        </p:nvGraphicFramePr>
+        <p:xfrm>
+          <a:off x="1571604" y="1928802"/>
+          <a:ext cx="6072229" cy="1071572"/>
+        </p:xfrm>
+        <a:graphic>
+          <a:graphicData uri="http://schemas.openxmlformats.org/drawingml/2006/table">
+            <a:tbl>
+              <a:tblPr/>
+              <a:tblGrid>
+                <a:gridCol w="987488"/>
+                <a:gridCol w="156352"/>
+                <a:gridCol w="1944529"/>
+                <a:gridCol w="156352"/>
+                <a:gridCol w="1840020"/>
+                <a:gridCol w="987488"/>
+              </a:tblGrid>
+              <a:tr h="267893">
+                <a:tc>
+                  <a:txBody>
+                    <a:bodyPr/>
+                    <a:lstStyle/>
+                    <a:p>
+                      <a:pPr>
+                        <a:lnSpc>
+                          <a:spcPct val="115000"/>
+                        </a:lnSpc>
+                      </a:pPr>
+                      <a:endParaRPr lang="es-PE" sz="1100">
+                        <a:latin typeface="Calibri"/>
+                        <a:ea typeface="Times New Roman"/>
+                      </a:endParaRPr>
+                    </a:p>
+                  </a:txBody>
+                  <a:tcPr marL="44450" marR="44450" marT="0" marB="0" anchor="b">
+                    <a:lnL>
+                      <a:noFill/>
+                    </a:lnL>
+                    <a:lnR w="12700" cap="flat" cmpd="sng" algn="ctr">
+                      <a:solidFill>
+                        <a:srgbClr val="000000"/>
+                      </a:solidFill>
+                      <a:prstDash val="solid"/>
+                      <a:round/>
+                      <a:headEnd type="none" w="med" len="med"/>
+                      <a:tailEnd type="none" w="med" len="med"/>
+                    </a:lnR>
+                    <a:lnT>
+                      <a:noFill/>
+                    </a:lnT>
+                    <a:lnB w="12700" cap="flat" cmpd="sng" algn="ctr">
+                      <a:solidFill>
+                        <a:srgbClr val="000000"/>
+                      </a:solidFill>
+                      <a:prstDash val="solid"/>
+                      <a:round/>
+                      <a:headEnd type="none" w="med" len="med"/>
+                      <a:tailEnd type="none" w="med" len="med"/>
+                    </a:lnB>
+                  </a:tcPr>
+                </a:tc>
+                <a:tc gridSpan="2">
+                  <a:txBody>
+                    <a:bodyPr/>
+                    <a:lstStyle/>
+                    <a:p>
+                      <a:pPr algn="ctr">
+                        <a:lnSpc>
+                          <a:spcPct val="115000"/>
+                        </a:lnSpc>
+                        <a:spcAft>
+                          <a:spcPts val="0"/>
+                        </a:spcAft>
+                      </a:pPr>
+                      <a:r>
+                        <a:rPr lang="es-PE" sz="1100" b="1">
+                          <a:solidFill>
+                            <a:srgbClr val="000000"/>
+                          </a:solidFill>
+                          <a:latin typeface="Calibri"/>
+                          <a:ea typeface="Times New Roman"/>
+                          <a:cs typeface="Times New Roman"/>
+                        </a:rPr>
+                        <a:t>SECUENCIA MAXIMALES</a:t>
+                      </a:r>
+                      <a:endParaRPr lang="es-PE" sz="1200">
+                        <a:latin typeface="Arial"/>
+                        <a:ea typeface="Times New Roman"/>
+                        <a:cs typeface="Times New Roman"/>
+                      </a:endParaRPr>
+                    </a:p>
+                  </a:txBody>
+                  <a:tcPr marL="44450" marR="44450" marT="0" marB="0" anchor="b">
+                    <a:lnL w="12700" cap="flat" cmpd="sng" algn="ctr">
+                      <a:solidFill>
+                        <a:srgbClr val="000000"/>
+                      </a:solidFill>
+                      <a:prstDash val="solid"/>
+                      <a:round/>
+                      <a:headEnd type="none" w="med" len="med"/>
+                      <a:tailEnd type="none" w="med" len="med"/>
+                    </a:lnL>
+                    <a:lnR w="12700" cap="flat" cmpd="sng" algn="ctr">
+                      <a:solidFill>
+                        <a:srgbClr val="000000"/>
+                      </a:solidFill>
+                      <a:prstDash val="solid"/>
+                      <a:round/>
+                      <a:headEnd type="none" w="med" len="med"/>
+                      <a:tailEnd type="none" w="med" len="med"/>
+                    </a:lnR>
+                    <a:lnT w="12700" cap="flat" cmpd="sng" algn="ctr">
+                      <a:solidFill>
+                        <a:srgbClr val="000000"/>
+                      </a:solidFill>
+                      <a:prstDash val="solid"/>
+                      <a:round/>
+                      <a:headEnd type="none" w="med" len="med"/>
+                      <a:tailEnd type="none" w="med" len="med"/>
+                    </a:lnT>
+                    <a:lnB w="12700" cap="flat" cmpd="sng" algn="ctr">
+                      <a:solidFill>
+                        <a:srgbClr val="000000"/>
+                      </a:solidFill>
+                      <a:prstDash val="solid"/>
+                      <a:round/>
+                      <a:headEnd type="none" w="med" len="med"/>
+                      <a:tailEnd type="none" w="med" len="med"/>
+                    </a:lnB>
+                    <a:solidFill>
+                      <a:srgbClr val="DBEEF3"/>
+                    </a:solidFill>
+                  </a:tcPr>
+                </a:tc>
+                <a:tc hMerge="1">
+                  <a:txBody>
+                    <a:bodyPr/>
+                    <a:lstStyle/>
+                    <a:p>
+                      <a:endParaRPr lang="es-PE"/>
+                    </a:p>
+                  </a:txBody>
+                  <a:tcPr/>
+                </a:tc>
+                <a:tc gridSpan="2">
+                  <a:txBody>
+                    <a:bodyPr/>
+                    <a:lstStyle/>
+                    <a:p>
+                      <a:pPr algn="ctr">
+                        <a:lnSpc>
+                          <a:spcPct val="115000"/>
+                        </a:lnSpc>
+                        <a:spcAft>
+                          <a:spcPts val="0"/>
+                        </a:spcAft>
+                      </a:pPr>
+                      <a:r>
+                        <a:rPr lang="es-PE" sz="1100" b="1">
+                          <a:solidFill>
+                            <a:srgbClr val="000000"/>
+                          </a:solidFill>
+                          <a:latin typeface="Calibri"/>
+                          <a:ea typeface="Times New Roman"/>
+                          <a:cs typeface="Times New Roman"/>
+                        </a:rPr>
+                        <a:t>LENGUAJE NATURAL</a:t>
+                      </a:r>
+                      <a:endParaRPr lang="es-PE" sz="1200">
+                        <a:latin typeface="Arial"/>
+                        <a:ea typeface="Times New Roman"/>
+                        <a:cs typeface="Times New Roman"/>
+                      </a:endParaRPr>
+                    </a:p>
+                  </a:txBody>
+                  <a:tcPr marL="44450" marR="44450" marT="0" marB="0" anchor="b">
+                    <a:lnL w="12700" cap="flat" cmpd="sng" algn="ctr">
+                      <a:solidFill>
+                        <a:srgbClr val="000000"/>
+                      </a:solidFill>
+                      <a:prstDash val="solid"/>
+                      <a:round/>
+                      <a:headEnd type="none" w="med" len="med"/>
+                      <a:tailEnd type="none" w="med" len="med"/>
+                    </a:lnL>
+                    <a:lnR w="12700" cap="flat" cmpd="sng" algn="ctr">
+                      <a:solidFill>
+                        <a:srgbClr val="000000"/>
+                      </a:solidFill>
+                      <a:prstDash val="solid"/>
+                      <a:round/>
+                      <a:headEnd type="none" w="med" len="med"/>
+                      <a:tailEnd type="none" w="med" len="med"/>
+                    </a:lnR>
+                    <a:lnT w="12700" cap="flat" cmpd="sng" algn="ctr">
+                      <a:solidFill>
+                        <a:srgbClr val="000000"/>
+                      </a:solidFill>
+                      <a:prstDash val="solid"/>
+                      <a:round/>
+                      <a:headEnd type="none" w="med" len="med"/>
+                      <a:tailEnd type="none" w="med" len="med"/>
+                    </a:lnT>
+                    <a:lnB w="12700" cap="flat" cmpd="sng" algn="ctr">
+                      <a:solidFill>
+                        <a:srgbClr val="000000"/>
+                      </a:solidFill>
+                      <a:prstDash val="solid"/>
+                      <a:round/>
+                      <a:headEnd type="none" w="med" len="med"/>
+                      <a:tailEnd type="none" w="med" len="med"/>
+                    </a:lnB>
+                    <a:solidFill>
+                      <a:srgbClr val="DBEEF3"/>
+                    </a:solidFill>
+                  </a:tcPr>
+                </a:tc>
+                <a:tc hMerge="1">
+                  <a:txBody>
+                    <a:bodyPr/>
+                    <a:lstStyle/>
+                    <a:p>
+                      <a:endParaRPr lang="es-PE"/>
+                    </a:p>
+                  </a:txBody>
+                  <a:tcPr/>
+                </a:tc>
+                <a:tc>
+                  <a:txBody>
+                    <a:bodyPr/>
+                    <a:lstStyle/>
+                    <a:p>
+                      <a:pPr algn="ctr">
+                        <a:lnSpc>
+                          <a:spcPct val="115000"/>
+                        </a:lnSpc>
+                        <a:spcAft>
+                          <a:spcPts val="0"/>
+                        </a:spcAft>
+                      </a:pPr>
+                      <a:r>
+                        <a:rPr lang="es-PE" sz="1100">
+                          <a:solidFill>
+                            <a:srgbClr val="000000"/>
+                          </a:solidFill>
+                          <a:latin typeface="Calibri"/>
+                          <a:ea typeface="Times New Roman"/>
+                          <a:cs typeface="Times New Roman"/>
+                        </a:rPr>
+                        <a:t>gl</a:t>
+                      </a:r>
+                      <a:endParaRPr lang="es-PE" sz="1200">
+                        <a:latin typeface="Arial"/>
+                        <a:ea typeface="Times New Roman"/>
+                        <a:cs typeface="Times New Roman"/>
+                      </a:endParaRPr>
+                    </a:p>
+                  </a:txBody>
+                  <a:tcPr marL="44450" marR="44450" marT="0" marB="0" anchor="b">
+                    <a:lnL w="12700" cap="flat" cmpd="sng" algn="ctr">
+                      <a:solidFill>
+                        <a:srgbClr val="000000"/>
+                      </a:solidFill>
+                      <a:prstDash val="solid"/>
+                      <a:round/>
+                      <a:headEnd type="none" w="med" len="med"/>
+                      <a:tailEnd type="none" w="med" len="med"/>
+                    </a:lnL>
+                    <a:lnR w="12700" cap="flat" cmpd="sng" algn="ctr">
+                      <a:solidFill>
+                        <a:srgbClr val="000000"/>
+                      </a:solidFill>
+                      <a:prstDash val="solid"/>
+                      <a:round/>
+                      <a:headEnd type="none" w="med" len="med"/>
+                      <a:tailEnd type="none" w="med" len="med"/>
+                    </a:lnR>
+                    <a:lnT w="12700" cap="flat" cmpd="sng" algn="ctr">
+                      <a:solidFill>
+                        <a:srgbClr val="000000"/>
+                      </a:solidFill>
+                      <a:prstDash val="solid"/>
+                      <a:round/>
+                      <a:headEnd type="none" w="med" len="med"/>
+                      <a:tailEnd type="none" w="med" len="med"/>
+                    </a:lnT>
+                    <a:lnB w="12700" cap="flat" cmpd="sng" algn="ctr">
+                      <a:solidFill>
+                        <a:srgbClr val="000000"/>
+                      </a:solidFill>
+                      <a:prstDash val="solid"/>
+                      <a:round/>
+                      <a:headEnd type="none" w="med" len="med"/>
+                      <a:tailEnd type="none" w="med" len="med"/>
+                    </a:lnB>
+                  </a:tcPr>
+                </a:tc>
+              </a:tr>
+              <a:tr h="267893">
+                <a:tc>
+                  <a:txBody>
+                    <a:bodyPr/>
+                    <a:lstStyle/>
+                    <a:p>
+                      <a:pPr algn="l">
+                        <a:lnSpc>
+                          <a:spcPct val="115000"/>
+                        </a:lnSpc>
+                        <a:spcAft>
+                          <a:spcPts val="0"/>
+                        </a:spcAft>
+                      </a:pPr>
+                      <a:r>
+                        <a:rPr lang="es-PE" sz="1100">
+                          <a:solidFill>
+                            <a:srgbClr val="000000"/>
+                          </a:solidFill>
+                          <a:latin typeface="Calibri"/>
+                          <a:ea typeface="Times New Roman"/>
+                          <a:cs typeface="Times New Roman"/>
+                        </a:rPr>
+                        <a:t>n</a:t>
+                      </a:r>
+                      <a:endParaRPr lang="es-PE" sz="1200">
+                        <a:latin typeface="Arial"/>
+                        <a:ea typeface="Times New Roman"/>
+                        <a:cs typeface="Times New Roman"/>
+                      </a:endParaRPr>
+                    </a:p>
+                  </a:txBody>
+                  <a:tcPr marL="44450" marR="44450" marT="0" marB="0" anchor="b">
+                    <a:lnL w="12700" cap="flat" cmpd="sng" algn="ctr">
+                      <a:solidFill>
+                        <a:srgbClr val="000000"/>
+                      </a:solidFill>
+                      <a:prstDash val="solid"/>
+                      <a:round/>
+                      <a:headEnd type="none" w="med" len="med"/>
+                      <a:tailEnd type="none" w="med" len="med"/>
+                    </a:lnL>
+                    <a:lnR w="12700" cap="flat" cmpd="sng" algn="ctr">
+                      <a:solidFill>
+                        <a:srgbClr val="000000"/>
+                      </a:solidFill>
+                      <a:prstDash val="solid"/>
+                      <a:round/>
+                      <a:headEnd type="none" w="med" len="med"/>
+                      <a:tailEnd type="none" w="med" len="med"/>
+                    </a:lnR>
+                    <a:lnT w="12700" cap="flat" cmpd="sng" algn="ctr">
+                      <a:solidFill>
+                        <a:srgbClr val="000000"/>
+                      </a:solidFill>
+                      <a:prstDash val="solid"/>
+                      <a:round/>
+                      <a:headEnd type="none" w="med" len="med"/>
+                      <a:tailEnd type="none" w="med" len="med"/>
+                    </a:lnT>
+                    <a:lnB w="12700" cap="flat" cmpd="sng" algn="ctr">
+                      <a:solidFill>
+                        <a:srgbClr val="000000"/>
+                      </a:solidFill>
+                      <a:prstDash val="solid"/>
+                      <a:round/>
+                      <a:headEnd type="none" w="med" len="med"/>
+                      <a:tailEnd type="none" w="med" len="med"/>
+                    </a:lnB>
+                  </a:tcPr>
+                </a:tc>
+                <a:tc>
+                  <a:txBody>
+                    <a:bodyPr/>
+                    <a:lstStyle/>
+                    <a:p>
+                      <a:pPr algn="l">
+                        <a:lnSpc>
+                          <a:spcPct val="115000"/>
+                        </a:lnSpc>
+                        <a:spcAft>
+                          <a:spcPts val="0"/>
+                        </a:spcAft>
+                      </a:pPr>
+                      <a:r>
+                        <a:rPr lang="es-PE" sz="1100">
+                          <a:solidFill>
+                            <a:srgbClr val="000000"/>
+                          </a:solidFill>
+                          <a:latin typeface="Calibri"/>
+                          <a:ea typeface="Times New Roman"/>
+                          <a:cs typeface="Times New Roman"/>
+                        </a:rPr>
+                        <a:t> </a:t>
+                      </a:r>
+                      <a:endParaRPr lang="es-PE" sz="1200">
+                        <a:latin typeface="Arial"/>
+                        <a:ea typeface="Times New Roman"/>
+                        <a:cs typeface="Times New Roman"/>
+                      </a:endParaRPr>
+                    </a:p>
+                  </a:txBody>
+                  <a:tcPr marL="44450" marR="44450" marT="0" marB="0" anchor="b">
+                    <a:lnL w="12700" cap="flat" cmpd="sng" algn="ctr">
+                      <a:solidFill>
+                        <a:srgbClr val="000000"/>
+                      </a:solidFill>
+                      <a:prstDash val="solid"/>
+                      <a:round/>
+                      <a:headEnd type="none" w="med" len="med"/>
+                      <a:tailEnd type="none" w="med" len="med"/>
+                    </a:lnL>
+                    <a:lnR>
+                      <a:noFill/>
+                    </a:lnR>
+                    <a:lnT w="12700" cap="flat" cmpd="sng" algn="ctr">
+                      <a:solidFill>
+                        <a:srgbClr val="000000"/>
+                      </a:solidFill>
+                      <a:prstDash val="solid"/>
+                      <a:round/>
+                      <a:headEnd type="none" w="med" len="med"/>
+                      <a:tailEnd type="none" w="med" len="med"/>
+                    </a:lnT>
+                    <a:lnB w="12700" cap="flat" cmpd="sng" algn="ctr">
+                      <a:solidFill>
+                        <a:srgbClr val="000000"/>
+                      </a:solidFill>
+                      <a:prstDash val="solid"/>
+                      <a:round/>
+                      <a:headEnd type="none" w="med" len="med"/>
+                      <a:tailEnd type="none" w="med" len="med"/>
+                    </a:lnB>
+                  </a:tcPr>
+                </a:tc>
+                <a:tc>
+                  <a:txBody>
+                    <a:bodyPr/>
+                    <a:lstStyle/>
+                    <a:p>
+                      <a:pPr algn="r">
+                        <a:lnSpc>
+                          <a:spcPct val="115000"/>
+                        </a:lnSpc>
+                        <a:spcAft>
+                          <a:spcPts val="0"/>
+                        </a:spcAft>
+                      </a:pPr>
+                      <a:r>
+                        <a:rPr lang="es-PE" sz="1100">
+                          <a:solidFill>
+                            <a:srgbClr val="000000"/>
+                          </a:solidFill>
+                          <a:latin typeface="Calibri"/>
+                          <a:ea typeface="Times New Roman"/>
+                          <a:cs typeface="Times New Roman"/>
+                        </a:rPr>
+                        <a:t>50</a:t>
+                      </a:r>
+                      <a:endParaRPr lang="es-PE" sz="1200">
+                        <a:latin typeface="Arial"/>
+                        <a:ea typeface="Times New Roman"/>
+                        <a:cs typeface="Times New Roman"/>
+                      </a:endParaRPr>
+                    </a:p>
+                  </a:txBody>
+                  <a:tcPr marL="44450" marR="44450" marT="0" marB="0" anchor="b">
+                    <a:lnL>
+                      <a:noFill/>
+                    </a:lnL>
+                    <a:lnR w="12700" cap="flat" cmpd="sng" algn="ctr">
+                      <a:solidFill>
+                        <a:srgbClr val="000000"/>
+                      </a:solidFill>
+                      <a:prstDash val="solid"/>
+                      <a:round/>
+                      <a:headEnd type="none" w="med" len="med"/>
+                      <a:tailEnd type="none" w="med" len="med"/>
+                    </a:lnR>
+                    <a:lnT w="12700" cap="flat" cmpd="sng" algn="ctr">
+                      <a:solidFill>
+                        <a:srgbClr val="000000"/>
+                      </a:solidFill>
+                      <a:prstDash val="solid"/>
+                      <a:round/>
+                      <a:headEnd type="none" w="med" len="med"/>
+                      <a:tailEnd type="none" w="med" len="med"/>
+                    </a:lnT>
+                    <a:lnB w="12700" cap="flat" cmpd="sng" algn="ctr">
+                      <a:solidFill>
+                        <a:srgbClr val="000000"/>
+                      </a:solidFill>
+                      <a:prstDash val="solid"/>
+                      <a:round/>
+                      <a:headEnd type="none" w="med" len="med"/>
+                      <a:tailEnd type="none" w="med" len="med"/>
+                    </a:lnB>
+                  </a:tcPr>
+                </a:tc>
+                <a:tc>
+                  <a:txBody>
+                    <a:bodyPr/>
+                    <a:lstStyle/>
+                    <a:p>
+                      <a:pPr algn="l">
+                        <a:lnSpc>
+                          <a:spcPct val="115000"/>
+                        </a:lnSpc>
+                        <a:spcAft>
+                          <a:spcPts val="0"/>
+                        </a:spcAft>
+                      </a:pPr>
+                      <a:r>
+                        <a:rPr lang="es-PE" sz="1100">
+                          <a:solidFill>
+                            <a:srgbClr val="000000"/>
+                          </a:solidFill>
+                          <a:latin typeface="Calibri"/>
+                          <a:ea typeface="Times New Roman"/>
+                          <a:cs typeface="Times New Roman"/>
+                        </a:rPr>
+                        <a:t> </a:t>
+                      </a:r>
+                      <a:endParaRPr lang="es-PE" sz="1200">
+                        <a:latin typeface="Arial"/>
+                        <a:ea typeface="Times New Roman"/>
+                        <a:cs typeface="Times New Roman"/>
+                      </a:endParaRPr>
+                    </a:p>
+                  </a:txBody>
+                  <a:tcPr marL="44450" marR="44450" marT="0" marB="0" anchor="b">
+                    <a:lnL w="12700" cap="flat" cmpd="sng" algn="ctr">
+                      <a:solidFill>
+                        <a:srgbClr val="000000"/>
+                      </a:solidFill>
+                      <a:prstDash val="solid"/>
+                      <a:round/>
+                      <a:headEnd type="none" w="med" len="med"/>
+                      <a:tailEnd type="none" w="med" len="med"/>
+                    </a:lnL>
+                    <a:lnR>
+                      <a:noFill/>
+                    </a:lnR>
+                    <a:lnT w="12700" cap="flat" cmpd="sng" algn="ctr">
+                      <a:solidFill>
+                        <a:srgbClr val="000000"/>
+                      </a:solidFill>
+                      <a:prstDash val="solid"/>
+                      <a:round/>
+                      <a:headEnd type="none" w="med" len="med"/>
+                      <a:tailEnd type="none" w="med" len="med"/>
+                    </a:lnT>
+                    <a:lnB w="12700" cap="flat" cmpd="sng" algn="ctr">
+                      <a:solidFill>
+                        <a:srgbClr val="000000"/>
+                      </a:solidFill>
+                      <a:prstDash val="solid"/>
+                      <a:round/>
+                      <a:headEnd type="none" w="med" len="med"/>
+                      <a:tailEnd type="none" w="med" len="med"/>
+                    </a:lnB>
+                  </a:tcPr>
+                </a:tc>
+                <a:tc>
+                  <a:txBody>
+                    <a:bodyPr/>
+                    <a:lstStyle/>
+                    <a:p>
+                      <a:pPr algn="r">
+                        <a:lnSpc>
+                          <a:spcPct val="115000"/>
+                        </a:lnSpc>
+                        <a:spcAft>
+                          <a:spcPts val="0"/>
+                        </a:spcAft>
+                      </a:pPr>
+                      <a:r>
+                        <a:rPr lang="es-PE" sz="1100">
+                          <a:solidFill>
+                            <a:srgbClr val="000000"/>
+                          </a:solidFill>
+                          <a:latin typeface="Calibri"/>
+                          <a:ea typeface="Times New Roman"/>
+                          <a:cs typeface="Times New Roman"/>
+                        </a:rPr>
+                        <a:t>50</a:t>
+                      </a:r>
+                      <a:endParaRPr lang="es-PE" sz="1200">
+                        <a:latin typeface="Arial"/>
+                        <a:ea typeface="Times New Roman"/>
+                        <a:cs typeface="Times New Roman"/>
+                      </a:endParaRPr>
+                    </a:p>
+                  </a:txBody>
+                  <a:tcPr marL="44450" marR="44450" marT="0" marB="0" anchor="b">
+                    <a:lnL>
+                      <a:noFill/>
+                    </a:lnL>
+                    <a:lnR w="12700" cap="flat" cmpd="sng" algn="ctr">
+                      <a:solidFill>
+                        <a:srgbClr val="000000"/>
+                      </a:solidFill>
+                      <a:prstDash val="solid"/>
+                      <a:round/>
+                      <a:headEnd type="none" w="med" len="med"/>
+                      <a:tailEnd type="none" w="med" len="med"/>
+                    </a:lnR>
+                    <a:lnT w="12700" cap="flat" cmpd="sng" algn="ctr">
+                      <a:solidFill>
+                        <a:srgbClr val="000000"/>
+                      </a:solidFill>
+                      <a:prstDash val="solid"/>
+                      <a:round/>
+                      <a:headEnd type="none" w="med" len="med"/>
+                      <a:tailEnd type="none" w="med" len="med"/>
+                    </a:lnT>
+                    <a:lnB w="12700" cap="flat" cmpd="sng" algn="ctr">
+                      <a:solidFill>
+                        <a:srgbClr val="000000"/>
+                      </a:solidFill>
+                      <a:prstDash val="solid"/>
+                      <a:round/>
+                      <a:headEnd type="none" w="med" len="med"/>
+                      <a:tailEnd type="none" w="med" len="med"/>
+                    </a:lnB>
+                  </a:tcPr>
+                </a:tc>
+                <a:tc>
+                  <a:txBody>
+                    <a:bodyPr/>
+                    <a:lstStyle/>
+                    <a:p>
+                      <a:pPr algn="r">
+                        <a:lnSpc>
+                          <a:spcPct val="115000"/>
+                        </a:lnSpc>
+                        <a:spcAft>
+                          <a:spcPts val="0"/>
+                        </a:spcAft>
+                      </a:pPr>
+                      <a:r>
+                        <a:rPr lang="es-PE" sz="1100">
+                          <a:solidFill>
+                            <a:srgbClr val="000000"/>
+                          </a:solidFill>
+                          <a:latin typeface="Calibri"/>
+                          <a:ea typeface="Times New Roman"/>
+                          <a:cs typeface="Times New Roman"/>
+                        </a:rPr>
+                        <a:t>98</a:t>
+                      </a:r>
+                      <a:endParaRPr lang="es-PE" sz="1200">
+                        <a:latin typeface="Arial"/>
+                        <a:ea typeface="Times New Roman"/>
+                        <a:cs typeface="Times New Roman"/>
+                      </a:endParaRPr>
+                    </a:p>
+                  </a:txBody>
+                  <a:tcPr marL="44450" marR="44450" marT="0" marB="0" anchor="b">
+                    <a:lnL w="12700" cap="flat" cmpd="sng" algn="ctr">
+                      <a:solidFill>
+                        <a:srgbClr val="000000"/>
+                      </a:solidFill>
+                      <a:prstDash val="solid"/>
+                      <a:round/>
+                      <a:headEnd type="none" w="med" len="med"/>
+                      <a:tailEnd type="none" w="med" len="med"/>
+                    </a:lnL>
+                    <a:lnR w="12700" cap="flat" cmpd="sng" algn="ctr">
+                      <a:solidFill>
+                        <a:srgbClr val="000000"/>
+                      </a:solidFill>
+                      <a:prstDash val="solid"/>
+                      <a:round/>
+                      <a:headEnd type="none" w="med" len="med"/>
+                      <a:tailEnd type="none" w="med" len="med"/>
+                    </a:lnR>
+                    <a:lnT w="12700" cap="flat" cmpd="sng" algn="ctr">
+                      <a:solidFill>
+                        <a:srgbClr val="000000"/>
+                      </a:solidFill>
+                      <a:prstDash val="solid"/>
+                      <a:round/>
+                      <a:headEnd type="none" w="med" len="med"/>
+                      <a:tailEnd type="none" w="med" len="med"/>
+                    </a:lnT>
+                    <a:lnB w="12700" cap="flat" cmpd="sng" algn="ctr">
+                      <a:solidFill>
+                        <a:srgbClr val="000000"/>
+                      </a:solidFill>
+                      <a:prstDash val="solid"/>
+                      <a:round/>
+                      <a:headEnd type="none" w="med" len="med"/>
+                      <a:tailEnd type="none" w="med" len="med"/>
+                    </a:lnB>
+                  </a:tcPr>
+                </a:tc>
+              </a:tr>
+              <a:tr h="267893">
+                <a:tc>
+                  <a:txBody>
+                    <a:bodyPr/>
+                    <a:lstStyle/>
+                    <a:p>
+                      <a:pPr algn="l">
+                        <a:lnSpc>
+                          <a:spcPct val="115000"/>
+                        </a:lnSpc>
+                        <a:spcAft>
+                          <a:spcPts val="0"/>
+                        </a:spcAft>
+                      </a:pPr>
+                      <a:r>
+                        <a:rPr lang="es-PE" sz="1100">
+                          <a:solidFill>
+                            <a:srgbClr val="000000"/>
+                          </a:solidFill>
+                          <a:latin typeface="Calibri"/>
+                          <a:ea typeface="Times New Roman"/>
+                          <a:cs typeface="Times New Roman"/>
+                        </a:rPr>
+                        <a:t>Media</a:t>
+                      </a:r>
+                      <a:endParaRPr lang="es-PE" sz="1200">
+                        <a:latin typeface="Arial"/>
+                        <a:ea typeface="Times New Roman"/>
+                        <a:cs typeface="Times New Roman"/>
+                      </a:endParaRPr>
+                    </a:p>
+                  </a:txBody>
+                  <a:tcPr marL="44450" marR="44450" marT="0" marB="0" anchor="b">
+                    <a:lnL w="12700" cap="flat" cmpd="sng" algn="ctr">
+                      <a:solidFill>
+                        <a:srgbClr val="000000"/>
+                      </a:solidFill>
+                      <a:prstDash val="solid"/>
+                      <a:round/>
+                      <a:headEnd type="none" w="med" len="med"/>
+                      <a:tailEnd type="none" w="med" len="med"/>
+                    </a:lnL>
+                    <a:lnR w="12700" cap="flat" cmpd="sng" algn="ctr">
+                      <a:solidFill>
+                        <a:srgbClr val="000000"/>
+                      </a:solidFill>
+                      <a:prstDash val="solid"/>
+                      <a:round/>
+                      <a:headEnd type="none" w="med" len="med"/>
+                      <a:tailEnd type="none" w="med" len="med"/>
+                    </a:lnR>
+                    <a:lnT w="12700" cap="flat" cmpd="sng" algn="ctr">
+                      <a:solidFill>
+                        <a:srgbClr val="000000"/>
+                      </a:solidFill>
+                      <a:prstDash val="solid"/>
+                      <a:round/>
+                      <a:headEnd type="none" w="med" len="med"/>
+                      <a:tailEnd type="none" w="med" len="med"/>
+                    </a:lnT>
+                    <a:lnB w="12700" cap="flat" cmpd="sng" algn="ctr">
+                      <a:solidFill>
+                        <a:srgbClr val="000000"/>
+                      </a:solidFill>
+                      <a:prstDash val="solid"/>
+                      <a:round/>
+                      <a:headEnd type="none" w="med" len="med"/>
+                      <a:tailEnd type="none" w="med" len="med"/>
+                    </a:lnB>
+                  </a:tcPr>
+                </a:tc>
+                <a:tc>
+                  <a:txBody>
+                    <a:bodyPr/>
+                    <a:lstStyle/>
+                    <a:p>
+                      <a:pPr algn="l">
+                        <a:lnSpc>
+                          <a:spcPct val="115000"/>
+                        </a:lnSpc>
+                        <a:spcAft>
+                          <a:spcPts val="0"/>
+                        </a:spcAft>
+                      </a:pPr>
+                      <a:r>
+                        <a:rPr lang="es-PE" sz="1100">
+                          <a:solidFill>
+                            <a:srgbClr val="000000"/>
+                          </a:solidFill>
+                          <a:latin typeface="Calibri"/>
+                          <a:ea typeface="Times New Roman"/>
+                          <a:cs typeface="Times New Roman"/>
+                        </a:rPr>
+                        <a:t> </a:t>
+                      </a:r>
+                      <a:endParaRPr lang="es-PE" sz="1200">
+                        <a:latin typeface="Arial"/>
+                        <a:ea typeface="Times New Roman"/>
+                        <a:cs typeface="Times New Roman"/>
+                      </a:endParaRPr>
+                    </a:p>
+                  </a:txBody>
+                  <a:tcPr marL="44450" marR="44450" marT="0" marB="0" anchor="b">
+                    <a:lnL w="12700" cap="flat" cmpd="sng" algn="ctr">
+                      <a:solidFill>
+                        <a:srgbClr val="000000"/>
+                      </a:solidFill>
+                      <a:prstDash val="solid"/>
+                      <a:round/>
+                      <a:headEnd type="none" w="med" len="med"/>
+                      <a:tailEnd type="none" w="med" len="med"/>
+                    </a:lnL>
+                    <a:lnR>
+                      <a:noFill/>
+                    </a:lnR>
+                    <a:lnT w="12700" cap="flat" cmpd="sng" algn="ctr">
+                      <a:solidFill>
+                        <a:srgbClr val="000000"/>
+                      </a:solidFill>
+                      <a:prstDash val="solid"/>
+                      <a:round/>
+                      <a:headEnd type="none" w="med" len="med"/>
+                      <a:tailEnd type="none" w="med" len="med"/>
+                    </a:lnT>
+                    <a:lnB w="12700" cap="flat" cmpd="sng" algn="ctr">
+                      <a:solidFill>
+                        <a:srgbClr val="000000"/>
+                      </a:solidFill>
+                      <a:prstDash val="solid"/>
+                      <a:round/>
+                      <a:headEnd type="none" w="med" len="med"/>
+                      <a:tailEnd type="none" w="med" len="med"/>
+                    </a:lnB>
+                  </a:tcPr>
+                </a:tc>
+                <a:tc>
+                  <a:txBody>
+                    <a:bodyPr/>
+                    <a:lstStyle/>
+                    <a:p>
+                      <a:pPr algn="r">
+                        <a:lnSpc>
+                          <a:spcPct val="115000"/>
+                        </a:lnSpc>
+                        <a:spcAft>
+                          <a:spcPts val="0"/>
+                        </a:spcAft>
+                      </a:pPr>
+                      <a:r>
+                        <a:rPr lang="es-PE" sz="1100" i="1">
+                          <a:solidFill>
+                            <a:srgbClr val="000000"/>
+                          </a:solidFill>
+                          <a:latin typeface="Calibri"/>
+                          <a:ea typeface="Times New Roman"/>
+                          <a:cs typeface="Times New Roman"/>
+                        </a:rPr>
+                        <a:t>41165.04</a:t>
+                      </a:r>
+                      <a:endParaRPr lang="es-PE" sz="1200">
+                        <a:latin typeface="Arial"/>
+                        <a:ea typeface="Times New Roman"/>
+                        <a:cs typeface="Times New Roman"/>
+                      </a:endParaRPr>
+                    </a:p>
+                  </a:txBody>
+                  <a:tcPr marL="44450" marR="44450" marT="0" marB="0" anchor="b">
+                    <a:lnL>
+                      <a:noFill/>
+                    </a:lnL>
+                    <a:lnR w="12700" cap="flat" cmpd="sng" algn="ctr">
+                      <a:solidFill>
+                        <a:srgbClr val="000000"/>
+                      </a:solidFill>
+                      <a:prstDash val="solid"/>
+                      <a:round/>
+                      <a:headEnd type="none" w="med" len="med"/>
+                      <a:tailEnd type="none" w="med" len="med"/>
+                    </a:lnR>
+                    <a:lnT w="12700" cap="flat" cmpd="sng" algn="ctr">
+                      <a:solidFill>
+                        <a:srgbClr val="000000"/>
+                      </a:solidFill>
+                      <a:prstDash val="solid"/>
+                      <a:round/>
+                      <a:headEnd type="none" w="med" len="med"/>
+                      <a:tailEnd type="none" w="med" len="med"/>
+                    </a:lnT>
+                    <a:lnB w="12700" cap="flat" cmpd="sng" algn="ctr">
+                      <a:solidFill>
+                        <a:srgbClr val="000000"/>
+                      </a:solidFill>
+                      <a:prstDash val="solid"/>
+                      <a:round/>
+                      <a:headEnd type="none" w="med" len="med"/>
+                      <a:tailEnd type="none" w="med" len="med"/>
+                    </a:lnB>
+                  </a:tcPr>
+                </a:tc>
+                <a:tc>
+                  <a:txBody>
+                    <a:bodyPr/>
+                    <a:lstStyle/>
+                    <a:p>
+                      <a:pPr algn="l">
+                        <a:lnSpc>
+                          <a:spcPct val="115000"/>
+                        </a:lnSpc>
+                        <a:spcAft>
+                          <a:spcPts val="0"/>
+                        </a:spcAft>
+                      </a:pPr>
+                      <a:r>
+                        <a:rPr lang="es-PE" sz="1100">
+                          <a:solidFill>
+                            <a:srgbClr val="000000"/>
+                          </a:solidFill>
+                          <a:latin typeface="Calibri"/>
+                          <a:ea typeface="Times New Roman"/>
+                          <a:cs typeface="Times New Roman"/>
+                        </a:rPr>
+                        <a:t> </a:t>
+                      </a:r>
+                      <a:endParaRPr lang="es-PE" sz="1200">
+                        <a:latin typeface="Arial"/>
+                        <a:ea typeface="Times New Roman"/>
+                        <a:cs typeface="Times New Roman"/>
+                      </a:endParaRPr>
+                    </a:p>
+                  </a:txBody>
+                  <a:tcPr marL="44450" marR="44450" marT="0" marB="0" anchor="b">
+                    <a:lnL w="12700" cap="flat" cmpd="sng" algn="ctr">
+                      <a:solidFill>
+                        <a:srgbClr val="000000"/>
+                      </a:solidFill>
+                      <a:prstDash val="solid"/>
+                      <a:round/>
+                      <a:headEnd type="none" w="med" len="med"/>
+                      <a:tailEnd type="none" w="med" len="med"/>
+                    </a:lnL>
+                    <a:lnR>
+                      <a:noFill/>
+                    </a:lnR>
+                    <a:lnT w="12700" cap="flat" cmpd="sng" algn="ctr">
+                      <a:solidFill>
+                        <a:srgbClr val="000000"/>
+                      </a:solidFill>
+                      <a:prstDash val="solid"/>
+                      <a:round/>
+                      <a:headEnd type="none" w="med" len="med"/>
+                      <a:tailEnd type="none" w="med" len="med"/>
+                    </a:lnT>
+                    <a:lnB w="12700" cap="flat" cmpd="sng" algn="ctr">
+                      <a:solidFill>
+                        <a:srgbClr val="000000"/>
+                      </a:solidFill>
+                      <a:prstDash val="solid"/>
+                      <a:round/>
+                      <a:headEnd type="none" w="med" len="med"/>
+                      <a:tailEnd type="none" w="med" len="med"/>
+                    </a:lnB>
+                  </a:tcPr>
+                </a:tc>
+                <a:tc>
+                  <a:txBody>
+                    <a:bodyPr/>
+                    <a:lstStyle/>
+                    <a:p>
+                      <a:pPr algn="r">
+                        <a:lnSpc>
+                          <a:spcPct val="115000"/>
+                        </a:lnSpc>
+                        <a:spcAft>
+                          <a:spcPts val="0"/>
+                        </a:spcAft>
+                      </a:pPr>
+                      <a:r>
+                        <a:rPr lang="es-PE" sz="1100">
+                          <a:solidFill>
+                            <a:srgbClr val="000000"/>
+                          </a:solidFill>
+                          <a:latin typeface="Calibri"/>
+                          <a:ea typeface="Times New Roman"/>
+                          <a:cs typeface="Times New Roman"/>
+                        </a:rPr>
+                        <a:t>1566.32</a:t>
+                      </a:r>
+                      <a:endParaRPr lang="es-PE" sz="1200">
+                        <a:latin typeface="Arial"/>
+                        <a:ea typeface="Times New Roman"/>
+                        <a:cs typeface="Times New Roman"/>
+                      </a:endParaRPr>
+                    </a:p>
+                  </a:txBody>
+                  <a:tcPr marL="44450" marR="44450" marT="0" marB="0" anchor="b">
+                    <a:lnL>
+                      <a:noFill/>
+                    </a:lnL>
+                    <a:lnR w="12700" cap="flat" cmpd="sng" algn="ctr">
+                      <a:solidFill>
+                        <a:srgbClr val="000000"/>
+                      </a:solidFill>
+                      <a:prstDash val="solid"/>
+                      <a:round/>
+                      <a:headEnd type="none" w="med" len="med"/>
+                      <a:tailEnd type="none" w="med" len="med"/>
+                    </a:lnR>
+                    <a:lnT w="12700" cap="flat" cmpd="sng" algn="ctr">
+                      <a:solidFill>
+                        <a:srgbClr val="000000"/>
+                      </a:solidFill>
+                      <a:prstDash val="solid"/>
+                      <a:round/>
+                      <a:headEnd type="none" w="med" len="med"/>
+                      <a:tailEnd type="none" w="med" len="med"/>
+                    </a:lnT>
+                    <a:lnB w="12700" cap="flat" cmpd="sng" algn="ctr">
+                      <a:solidFill>
+                        <a:srgbClr val="000000"/>
+                      </a:solidFill>
+                      <a:prstDash val="solid"/>
+                      <a:round/>
+                      <a:headEnd type="none" w="med" len="med"/>
+                      <a:tailEnd type="none" w="med" len="med"/>
+                    </a:lnB>
+                  </a:tcPr>
+                </a:tc>
+                <a:tc>
+                  <a:txBody>
+                    <a:bodyPr/>
+                    <a:lstStyle/>
+                    <a:p>
+                      <a:pPr>
+                        <a:lnSpc>
+                          <a:spcPct val="115000"/>
+                        </a:lnSpc>
+                      </a:pPr>
+                      <a:endParaRPr lang="es-PE" sz="1100">
+                        <a:latin typeface="Calibri"/>
+                        <a:ea typeface="Times New Roman"/>
+                      </a:endParaRPr>
+                    </a:p>
+                  </a:txBody>
+                  <a:tcPr marL="44450" marR="44450" marT="0" marB="0" anchor="b">
+                    <a:lnL w="12700" cap="flat" cmpd="sng" algn="ctr">
+                      <a:solidFill>
+                        <a:srgbClr val="000000"/>
+                      </a:solidFill>
+                      <a:prstDash val="solid"/>
+                      <a:round/>
+                      <a:headEnd type="none" w="med" len="med"/>
+                      <a:tailEnd type="none" w="med" len="med"/>
+                    </a:lnL>
+                    <a:lnR>
+                      <a:noFill/>
+                    </a:lnR>
+                    <a:lnT w="12700" cap="flat" cmpd="sng" algn="ctr">
+                      <a:solidFill>
+                        <a:srgbClr val="000000"/>
+                      </a:solidFill>
+                      <a:prstDash val="solid"/>
+                      <a:round/>
+                      <a:headEnd type="none" w="med" len="med"/>
+                      <a:tailEnd type="none" w="med" len="med"/>
+                    </a:lnT>
+                    <a:lnB>
+                      <a:noFill/>
+                    </a:lnB>
+                  </a:tcPr>
+                </a:tc>
+              </a:tr>
+              <a:tr h="267893">
+                <a:tc>
+                  <a:txBody>
+                    <a:bodyPr/>
+                    <a:lstStyle/>
+                    <a:p>
+                      <a:pPr algn="l">
+                        <a:lnSpc>
+                          <a:spcPct val="115000"/>
+                        </a:lnSpc>
+                        <a:spcAft>
+                          <a:spcPts val="0"/>
+                        </a:spcAft>
+                      </a:pPr>
+                      <a:r>
+                        <a:rPr lang="es-PE" sz="1100">
+                          <a:solidFill>
+                            <a:srgbClr val="000000"/>
+                          </a:solidFill>
+                          <a:latin typeface="Calibri"/>
+                          <a:ea typeface="Times New Roman"/>
+                          <a:cs typeface="Times New Roman"/>
+                        </a:rPr>
+                        <a:t>S</a:t>
+                      </a:r>
+                      <a:endParaRPr lang="es-PE" sz="1200">
+                        <a:latin typeface="Arial"/>
+                        <a:ea typeface="Times New Roman"/>
+                        <a:cs typeface="Times New Roman"/>
+                      </a:endParaRPr>
+                    </a:p>
+                  </a:txBody>
+                  <a:tcPr marL="44450" marR="44450" marT="0" marB="0" anchor="b">
+                    <a:lnL w="12700" cap="flat" cmpd="sng" algn="ctr">
+                      <a:solidFill>
+                        <a:srgbClr val="000000"/>
+                      </a:solidFill>
+                      <a:prstDash val="solid"/>
+                      <a:round/>
+                      <a:headEnd type="none" w="med" len="med"/>
+                      <a:tailEnd type="none" w="med" len="med"/>
+                    </a:lnL>
+                    <a:lnR w="12700" cap="flat" cmpd="sng" algn="ctr">
+                      <a:solidFill>
+                        <a:srgbClr val="000000"/>
+                      </a:solidFill>
+                      <a:prstDash val="solid"/>
+                      <a:round/>
+                      <a:headEnd type="none" w="med" len="med"/>
+                      <a:tailEnd type="none" w="med" len="med"/>
+                    </a:lnR>
+                    <a:lnT w="12700" cap="flat" cmpd="sng" algn="ctr">
+                      <a:solidFill>
+                        <a:srgbClr val="000000"/>
+                      </a:solidFill>
+                      <a:prstDash val="solid"/>
+                      <a:round/>
+                      <a:headEnd type="none" w="med" len="med"/>
+                      <a:tailEnd type="none" w="med" len="med"/>
+                    </a:lnT>
+                    <a:lnB w="12700" cap="flat" cmpd="sng" algn="ctr">
+                      <a:solidFill>
+                        <a:srgbClr val="000000"/>
+                      </a:solidFill>
+                      <a:prstDash val="solid"/>
+                      <a:round/>
+                      <a:headEnd type="none" w="med" len="med"/>
+                      <a:tailEnd type="none" w="med" len="med"/>
+                    </a:lnB>
+                  </a:tcPr>
+                </a:tc>
+                <a:tc>
+                  <a:txBody>
+                    <a:bodyPr/>
+                    <a:lstStyle/>
+                    <a:p>
+                      <a:pPr algn="l">
+                        <a:lnSpc>
+                          <a:spcPct val="115000"/>
+                        </a:lnSpc>
+                        <a:spcAft>
+                          <a:spcPts val="0"/>
+                        </a:spcAft>
+                      </a:pPr>
+                      <a:r>
+                        <a:rPr lang="es-PE" sz="1100">
+                          <a:solidFill>
+                            <a:srgbClr val="000000"/>
+                          </a:solidFill>
+                          <a:latin typeface="Calibri"/>
+                          <a:ea typeface="Times New Roman"/>
+                          <a:cs typeface="Times New Roman"/>
+                        </a:rPr>
+                        <a:t> </a:t>
+                      </a:r>
+                      <a:endParaRPr lang="es-PE" sz="1200">
+                        <a:latin typeface="Arial"/>
+                        <a:ea typeface="Times New Roman"/>
+                        <a:cs typeface="Times New Roman"/>
+                      </a:endParaRPr>
+                    </a:p>
+                  </a:txBody>
+                  <a:tcPr marL="44450" marR="44450" marT="0" marB="0" anchor="b">
+                    <a:lnL w="12700" cap="flat" cmpd="sng" algn="ctr">
+                      <a:solidFill>
+                        <a:srgbClr val="000000"/>
+                      </a:solidFill>
+                      <a:prstDash val="solid"/>
+                      <a:round/>
+                      <a:headEnd type="none" w="med" len="med"/>
+                      <a:tailEnd type="none" w="med" len="med"/>
+                    </a:lnL>
+                    <a:lnR>
+                      <a:noFill/>
+                    </a:lnR>
+                    <a:lnT w="12700" cap="flat" cmpd="sng" algn="ctr">
+                      <a:solidFill>
+                        <a:srgbClr val="000000"/>
+                      </a:solidFill>
+                      <a:prstDash val="solid"/>
+                      <a:round/>
+                      <a:headEnd type="none" w="med" len="med"/>
+                      <a:tailEnd type="none" w="med" len="med"/>
+                    </a:lnT>
+                    <a:lnB w="12700" cap="flat" cmpd="sng" algn="ctr">
+                      <a:solidFill>
+                        <a:srgbClr val="000000"/>
+                      </a:solidFill>
+                      <a:prstDash val="solid"/>
+                      <a:round/>
+                      <a:headEnd type="none" w="med" len="med"/>
+                      <a:tailEnd type="none" w="med" len="med"/>
+                    </a:lnB>
+                  </a:tcPr>
+                </a:tc>
+                <a:tc>
+                  <a:txBody>
+                    <a:bodyPr/>
+                    <a:lstStyle/>
+                    <a:p>
+                      <a:pPr algn="r">
+                        <a:lnSpc>
+                          <a:spcPct val="115000"/>
+                        </a:lnSpc>
+                        <a:spcAft>
+                          <a:spcPts val="0"/>
+                        </a:spcAft>
+                      </a:pPr>
+                      <a:r>
+                        <a:rPr lang="es-PE" sz="1100" i="1">
+                          <a:solidFill>
+                            <a:srgbClr val="000000"/>
+                          </a:solidFill>
+                          <a:latin typeface="Calibri"/>
+                          <a:ea typeface="Times New Roman"/>
+                          <a:cs typeface="Times New Roman"/>
+                        </a:rPr>
+                        <a:t>32052.89694</a:t>
+                      </a:r>
+                      <a:endParaRPr lang="es-PE" sz="1200">
+                        <a:latin typeface="Arial"/>
+                        <a:ea typeface="Times New Roman"/>
+                        <a:cs typeface="Times New Roman"/>
+                      </a:endParaRPr>
+                    </a:p>
+                  </a:txBody>
+                  <a:tcPr marL="44450" marR="44450" marT="0" marB="0" anchor="b">
+                    <a:lnL>
+                      <a:noFill/>
+                    </a:lnL>
+                    <a:lnR w="12700" cap="flat" cmpd="sng" algn="ctr">
+                      <a:solidFill>
+                        <a:srgbClr val="000000"/>
+                      </a:solidFill>
+                      <a:prstDash val="solid"/>
+                      <a:round/>
+                      <a:headEnd type="none" w="med" len="med"/>
+                      <a:tailEnd type="none" w="med" len="med"/>
+                    </a:lnR>
+                    <a:lnT w="12700" cap="flat" cmpd="sng" algn="ctr">
+                      <a:solidFill>
+                        <a:srgbClr val="000000"/>
+                      </a:solidFill>
+                      <a:prstDash val="solid"/>
+                      <a:round/>
+                      <a:headEnd type="none" w="med" len="med"/>
+                      <a:tailEnd type="none" w="med" len="med"/>
+                    </a:lnT>
+                    <a:lnB w="12700" cap="flat" cmpd="sng" algn="ctr">
+                      <a:solidFill>
+                        <a:srgbClr val="000000"/>
+                      </a:solidFill>
+                      <a:prstDash val="solid"/>
+                      <a:round/>
+                      <a:headEnd type="none" w="med" len="med"/>
+                      <a:tailEnd type="none" w="med" len="med"/>
+                    </a:lnB>
+                  </a:tcPr>
+                </a:tc>
+                <a:tc>
+                  <a:txBody>
+                    <a:bodyPr/>
+                    <a:lstStyle/>
+                    <a:p>
+                      <a:pPr algn="l">
+                        <a:lnSpc>
+                          <a:spcPct val="115000"/>
+                        </a:lnSpc>
+                        <a:spcAft>
+                          <a:spcPts val="0"/>
+                        </a:spcAft>
+                      </a:pPr>
+                      <a:r>
+                        <a:rPr lang="es-PE" sz="1100">
+                          <a:solidFill>
+                            <a:srgbClr val="000000"/>
+                          </a:solidFill>
+                          <a:latin typeface="Calibri"/>
+                          <a:ea typeface="Times New Roman"/>
+                          <a:cs typeface="Times New Roman"/>
+                        </a:rPr>
+                        <a:t> </a:t>
+                      </a:r>
+                      <a:endParaRPr lang="es-PE" sz="1200">
+                        <a:latin typeface="Arial"/>
+                        <a:ea typeface="Times New Roman"/>
+                        <a:cs typeface="Times New Roman"/>
+                      </a:endParaRPr>
+                    </a:p>
+                  </a:txBody>
+                  <a:tcPr marL="44450" marR="44450" marT="0" marB="0" anchor="b">
+                    <a:lnL w="12700" cap="flat" cmpd="sng" algn="ctr">
+                      <a:solidFill>
+                        <a:srgbClr val="000000"/>
+                      </a:solidFill>
+                      <a:prstDash val="solid"/>
+                      <a:round/>
+                      <a:headEnd type="none" w="med" len="med"/>
+                      <a:tailEnd type="none" w="med" len="med"/>
+                    </a:lnL>
+                    <a:lnR>
+                      <a:noFill/>
+                    </a:lnR>
+                    <a:lnT w="12700" cap="flat" cmpd="sng" algn="ctr">
+                      <a:solidFill>
+                        <a:srgbClr val="000000"/>
+                      </a:solidFill>
+                      <a:prstDash val="solid"/>
+                      <a:round/>
+                      <a:headEnd type="none" w="med" len="med"/>
+                      <a:tailEnd type="none" w="med" len="med"/>
+                    </a:lnT>
+                    <a:lnB w="12700" cap="flat" cmpd="sng" algn="ctr">
+                      <a:solidFill>
+                        <a:srgbClr val="000000"/>
+                      </a:solidFill>
+                      <a:prstDash val="solid"/>
+                      <a:round/>
+                      <a:headEnd type="none" w="med" len="med"/>
+                      <a:tailEnd type="none" w="med" len="med"/>
+                    </a:lnB>
+                  </a:tcPr>
+                </a:tc>
+                <a:tc>
+                  <a:txBody>
+                    <a:bodyPr/>
+                    <a:lstStyle/>
+                    <a:p>
+                      <a:pPr algn="r">
+                        <a:lnSpc>
+                          <a:spcPct val="115000"/>
+                        </a:lnSpc>
+                        <a:spcAft>
+                          <a:spcPts val="0"/>
+                        </a:spcAft>
+                      </a:pPr>
+                      <a:r>
+                        <a:rPr lang="es-PE" sz="1100">
+                          <a:solidFill>
+                            <a:srgbClr val="000000"/>
+                          </a:solidFill>
+                          <a:latin typeface="Calibri"/>
+                          <a:ea typeface="Times New Roman"/>
+                          <a:cs typeface="Times New Roman"/>
+                        </a:rPr>
+                        <a:t>1310.19272</a:t>
+                      </a:r>
+                      <a:endParaRPr lang="es-PE" sz="1200">
+                        <a:latin typeface="Arial"/>
+                        <a:ea typeface="Times New Roman"/>
+                        <a:cs typeface="Times New Roman"/>
+                      </a:endParaRPr>
+                    </a:p>
+                  </a:txBody>
+                  <a:tcPr marL="44450" marR="44450" marT="0" marB="0" anchor="b">
+                    <a:lnL>
+                      <a:noFill/>
+                    </a:lnL>
+                    <a:lnR w="12700" cap="flat" cmpd="sng" algn="ctr">
+                      <a:solidFill>
+                        <a:srgbClr val="000000"/>
+                      </a:solidFill>
+                      <a:prstDash val="solid"/>
+                      <a:round/>
+                      <a:headEnd type="none" w="med" len="med"/>
+                      <a:tailEnd type="none" w="med" len="med"/>
+                    </a:lnR>
+                    <a:lnT w="12700" cap="flat" cmpd="sng" algn="ctr">
+                      <a:solidFill>
+                        <a:srgbClr val="000000"/>
+                      </a:solidFill>
+                      <a:prstDash val="solid"/>
+                      <a:round/>
+                      <a:headEnd type="none" w="med" len="med"/>
+                      <a:tailEnd type="none" w="med" len="med"/>
+                    </a:lnT>
+                    <a:lnB w="12700" cap="flat" cmpd="sng" algn="ctr">
+                      <a:solidFill>
+                        <a:srgbClr val="000000"/>
+                      </a:solidFill>
+                      <a:prstDash val="solid"/>
+                      <a:round/>
+                      <a:headEnd type="none" w="med" len="med"/>
+                      <a:tailEnd type="none" w="med" len="med"/>
+                    </a:lnB>
+                  </a:tcPr>
+                </a:tc>
+                <a:tc>
+                  <a:txBody>
+                    <a:bodyPr/>
+                    <a:lstStyle/>
+                    <a:p>
+                      <a:pPr>
+                        <a:lnSpc>
+                          <a:spcPct val="115000"/>
+                        </a:lnSpc>
+                      </a:pPr>
+                      <a:endParaRPr lang="es-PE" sz="1100" dirty="0">
+                        <a:latin typeface="Calibri"/>
+                        <a:ea typeface="Times New Roman"/>
+                      </a:endParaRPr>
+                    </a:p>
+                  </a:txBody>
+                  <a:tcPr marL="44450" marR="44450" marT="0" marB="0" anchor="b">
+                    <a:lnL w="12700" cap="flat" cmpd="sng" algn="ctr">
+                      <a:solidFill>
+                        <a:srgbClr val="000000"/>
+                      </a:solidFill>
+                      <a:prstDash val="solid"/>
+                      <a:round/>
+                      <a:headEnd type="none" w="med" len="med"/>
+                      <a:tailEnd type="none" w="med" len="med"/>
+                    </a:lnL>
+                    <a:lnR>
+                      <a:noFill/>
+                    </a:lnR>
+                    <a:lnT>
+                      <a:noFill/>
+                    </a:lnT>
+                    <a:lnB>
+                      <a:noFill/>
+                    </a:lnB>
+                  </a:tcPr>
+                </a:tc>
+              </a:tr>
+            </a:tbl>
+          </a:graphicData>
+        </a:graphic>
+      </p:graphicFrame>
       <p:sp>
         <p:nvSpPr>
-          <p:cNvPr id="3" name="2 Marcador de contenido"/>
-          <p:cNvSpPr>
-            <a:spLocks noGrp="1"/>
-          </p:cNvSpPr>
-          <p:nvPr>
-            <p:ph sz="quarter" idx="1"/>
-          </p:nvPr>
+          <p:cNvPr id="9" name="8 CuadroTexto"/>
+          <p:cNvSpPr txBox="1"/>
+          <p:nvPr/>
         </p:nvSpPr>
         <p:spPr>
           <a:xfrm>
-            <a:off x="457200" y="1600200"/>
-            <a:ext cx="7467600" cy="1757361"/>
-          </a:xfrm>
-        </p:spPr>
-        <p:txBody>
-          <a:bodyPr>
-            <a:normAutofit/>
-          </a:bodyPr>
-          <a:lstStyle/>
-          <a:p>
-            <a:r>
-              <a:rPr lang="es-ES" sz="1400" dirty="0" err="1" smtClean="0"/>
-              <a:t>xxxxxxxx</a:t>
-            </a:r>
-            <a:endParaRPr lang="es-ES" sz="1400" dirty="0" smtClean="0"/>
-          </a:p>
-        </p:txBody>
-      </p:sp>
-      <p:pic>
-        <p:nvPicPr>
-          <p:cNvPr id="50178" name="Picture 2" descr="C:\Program Files\Microsoft Office\MEDIA\CAGCAT10\j0300840.wmf"/>
-          <p:cNvPicPr>
-            <a:picLocks noChangeAspect="1" noChangeArrowheads="1"/>
-          </p:cNvPicPr>
-          <p:nvPr/>
-        </p:nvPicPr>
-        <p:blipFill>
-          <a:blip r:embed="rId2" cstate="print"/>
-          <a:srcRect/>
-          <a:stretch>
-            <a:fillRect/>
-          </a:stretch>
-        </p:blipFill>
-        <p:spPr bwMode="auto">
-          <a:xfrm>
-            <a:off x="5227638" y="3808413"/>
-            <a:ext cx="1814512" cy="1528762"/>
+            <a:off x="1071538" y="3714752"/>
+            <a:ext cx="7215238" cy="1754326"/>
           </a:xfrm>
           <a:prstGeom prst="rect">
             <a:avLst/>
           </a:prstGeom>
           <a:noFill/>
         </p:spPr>
-      </p:pic>
+        <p:txBody>
+          <a:bodyPr wrap="square" rtlCol="0">
+            <a:spAutoFit/>
+          </a:bodyPr>
+          <a:lstStyle/>
+          <a:p>
+            <a:r>
+              <a:rPr lang="es-PE" b="1" dirty="0" smtClean="0"/>
+              <a:t> t = -8.7274</a:t>
+            </a:r>
+            <a:endParaRPr lang="es-PE" dirty="0" smtClean="0"/>
+          </a:p>
+          <a:p>
+            <a:r>
+              <a:rPr lang="es-PE" b="1" dirty="0" smtClean="0"/>
+              <a:t> </a:t>
+            </a:r>
+            <a:endParaRPr lang="es-PE" dirty="0" smtClean="0"/>
+          </a:p>
+          <a:p>
+            <a:r>
+              <a:rPr lang="es-PE" b="1" dirty="0" smtClean="0"/>
+              <a:t>Rechazo Ho Si t &gt; 1.9845</a:t>
+            </a:r>
+            <a:endParaRPr lang="es-PE" dirty="0" smtClean="0"/>
+          </a:p>
+          <a:p>
+            <a:r>
+              <a:rPr lang="es-PE" dirty="0" smtClean="0"/>
+              <a:t> </a:t>
+            </a:r>
+          </a:p>
+          <a:p>
+            <a:r>
+              <a:rPr lang="es-ES" b="1" dirty="0" smtClean="0"/>
+              <a:t>"Como t = -8.7274 &lt; 1.9845 se acepta Ho"</a:t>
+            </a:r>
+            <a:endParaRPr lang="es-PE" dirty="0" smtClean="0"/>
+          </a:p>
+          <a:p>
+            <a:endParaRPr lang="es-PE" dirty="0"/>
+          </a:p>
+        </p:txBody>
+      </p:sp>
     </p:spTree>
   </p:cSld>
   <p:clrMapOvr>
@@ -40855,6 +42300,1795 @@
       </p:grpSpPr>
       <p:sp>
         <p:nvSpPr>
+          <p:cNvPr id="2" name="1 Título"/>
+          <p:cNvSpPr>
+            <a:spLocks noGrp="1"/>
+          </p:cNvSpPr>
+          <p:nvPr>
+            <p:ph type="title"/>
+          </p:nvPr>
+        </p:nvSpPr>
+        <p:spPr/>
+        <p:txBody>
+          <a:bodyPr/>
+          <a:lstStyle/>
+          <a:p>
+            <a:r>
+              <a:rPr lang="es-PE" dirty="0" smtClean="0"/>
+              <a:t>Resultados para porcentaje de plagio</a:t>
+            </a:r>
+            <a:endParaRPr lang="es-PE" dirty="0"/>
+          </a:p>
+        </p:txBody>
+      </p:sp>
+      <p:graphicFrame>
+        <p:nvGraphicFramePr>
+          <p:cNvPr id="4" name="3 Tabla"/>
+          <p:cNvGraphicFramePr>
+            <a:graphicFrameLocks noGrp="1"/>
+          </p:cNvGraphicFramePr>
+          <p:nvPr/>
+        </p:nvGraphicFramePr>
+        <p:xfrm>
+          <a:off x="1643042" y="2071678"/>
+          <a:ext cx="6143666" cy="1071569"/>
+        </p:xfrm>
+        <a:graphic>
+          <a:graphicData uri="http://schemas.openxmlformats.org/drawingml/2006/table">
+            <a:tbl>
+              <a:tblPr/>
+              <a:tblGrid>
+                <a:gridCol w="999106"/>
+                <a:gridCol w="158191"/>
+                <a:gridCol w="1967405"/>
+                <a:gridCol w="158191"/>
+                <a:gridCol w="1861667"/>
+                <a:gridCol w="999106"/>
+              </a:tblGrid>
+              <a:tr h="275366">
+                <a:tc>
+                  <a:txBody>
+                    <a:bodyPr/>
+                    <a:lstStyle/>
+                    <a:p>
+                      <a:pPr>
+                        <a:lnSpc>
+                          <a:spcPct val="115000"/>
+                        </a:lnSpc>
+                      </a:pPr>
+                      <a:endParaRPr lang="es-PE" sz="1100">
+                        <a:latin typeface="Calibri"/>
+                        <a:ea typeface="Times New Roman"/>
+                      </a:endParaRPr>
+                    </a:p>
+                  </a:txBody>
+                  <a:tcPr marL="44450" marR="44450" marT="0" marB="0" anchor="b">
+                    <a:lnL>
+                      <a:noFill/>
+                    </a:lnL>
+                    <a:lnR w="12700" cap="flat" cmpd="sng" algn="ctr">
+                      <a:solidFill>
+                        <a:srgbClr val="000000"/>
+                      </a:solidFill>
+                      <a:prstDash val="solid"/>
+                      <a:round/>
+                      <a:headEnd type="none" w="med" len="med"/>
+                      <a:tailEnd type="none" w="med" len="med"/>
+                    </a:lnR>
+                    <a:lnT>
+                      <a:noFill/>
+                    </a:lnT>
+                    <a:lnB w="12700" cap="flat" cmpd="sng" algn="ctr">
+                      <a:solidFill>
+                        <a:srgbClr val="000000"/>
+                      </a:solidFill>
+                      <a:prstDash val="solid"/>
+                      <a:round/>
+                      <a:headEnd type="none" w="med" len="med"/>
+                      <a:tailEnd type="none" w="med" len="med"/>
+                    </a:lnB>
+                  </a:tcPr>
+                </a:tc>
+                <a:tc gridSpan="2">
+                  <a:txBody>
+                    <a:bodyPr/>
+                    <a:lstStyle/>
+                    <a:p>
+                      <a:pPr algn="ctr">
+                        <a:lnSpc>
+                          <a:spcPct val="115000"/>
+                        </a:lnSpc>
+                        <a:spcAft>
+                          <a:spcPts val="0"/>
+                        </a:spcAft>
+                      </a:pPr>
+                      <a:r>
+                        <a:rPr lang="es-PE" sz="1100" b="1">
+                          <a:solidFill>
+                            <a:srgbClr val="000000"/>
+                          </a:solidFill>
+                          <a:latin typeface="Calibri"/>
+                          <a:ea typeface="Times New Roman"/>
+                          <a:cs typeface="Times New Roman"/>
+                        </a:rPr>
+                        <a:t>SECUENCIA MAXIMALES</a:t>
+                      </a:r>
+                      <a:endParaRPr lang="es-PE" sz="1200">
+                        <a:latin typeface="Arial"/>
+                        <a:ea typeface="Times New Roman"/>
+                        <a:cs typeface="Times New Roman"/>
+                      </a:endParaRPr>
+                    </a:p>
+                  </a:txBody>
+                  <a:tcPr marL="44450" marR="44450" marT="0" marB="0" anchor="b">
+                    <a:lnL w="12700" cap="flat" cmpd="sng" algn="ctr">
+                      <a:solidFill>
+                        <a:srgbClr val="000000"/>
+                      </a:solidFill>
+                      <a:prstDash val="solid"/>
+                      <a:round/>
+                      <a:headEnd type="none" w="med" len="med"/>
+                      <a:tailEnd type="none" w="med" len="med"/>
+                    </a:lnL>
+                    <a:lnR w="12700" cap="flat" cmpd="sng" algn="ctr">
+                      <a:solidFill>
+                        <a:srgbClr val="000000"/>
+                      </a:solidFill>
+                      <a:prstDash val="solid"/>
+                      <a:round/>
+                      <a:headEnd type="none" w="med" len="med"/>
+                      <a:tailEnd type="none" w="med" len="med"/>
+                    </a:lnR>
+                    <a:lnT w="12700" cap="flat" cmpd="sng" algn="ctr">
+                      <a:solidFill>
+                        <a:srgbClr val="000000"/>
+                      </a:solidFill>
+                      <a:prstDash val="solid"/>
+                      <a:round/>
+                      <a:headEnd type="none" w="med" len="med"/>
+                      <a:tailEnd type="none" w="med" len="med"/>
+                    </a:lnT>
+                    <a:lnB w="12700" cap="flat" cmpd="sng" algn="ctr">
+                      <a:solidFill>
+                        <a:srgbClr val="000000"/>
+                      </a:solidFill>
+                      <a:prstDash val="solid"/>
+                      <a:round/>
+                      <a:headEnd type="none" w="med" len="med"/>
+                      <a:tailEnd type="none" w="med" len="med"/>
+                    </a:lnB>
+                    <a:solidFill>
+                      <a:srgbClr val="DBEEF3"/>
+                    </a:solidFill>
+                  </a:tcPr>
+                </a:tc>
+                <a:tc hMerge="1">
+                  <a:txBody>
+                    <a:bodyPr/>
+                    <a:lstStyle/>
+                    <a:p>
+                      <a:endParaRPr lang="es-PE"/>
+                    </a:p>
+                  </a:txBody>
+                  <a:tcPr/>
+                </a:tc>
+                <a:tc gridSpan="2">
+                  <a:txBody>
+                    <a:bodyPr/>
+                    <a:lstStyle/>
+                    <a:p>
+                      <a:pPr algn="ctr">
+                        <a:lnSpc>
+                          <a:spcPct val="115000"/>
+                        </a:lnSpc>
+                        <a:spcAft>
+                          <a:spcPts val="0"/>
+                        </a:spcAft>
+                      </a:pPr>
+                      <a:r>
+                        <a:rPr lang="es-PE" sz="1100" b="1">
+                          <a:solidFill>
+                            <a:srgbClr val="000000"/>
+                          </a:solidFill>
+                          <a:latin typeface="Calibri"/>
+                          <a:ea typeface="Times New Roman"/>
+                          <a:cs typeface="Times New Roman"/>
+                        </a:rPr>
+                        <a:t>LENGUAJE NATURAL</a:t>
+                      </a:r>
+                      <a:endParaRPr lang="es-PE" sz="1200">
+                        <a:latin typeface="Arial"/>
+                        <a:ea typeface="Times New Roman"/>
+                        <a:cs typeface="Times New Roman"/>
+                      </a:endParaRPr>
+                    </a:p>
+                  </a:txBody>
+                  <a:tcPr marL="44450" marR="44450" marT="0" marB="0" anchor="b">
+                    <a:lnL w="12700" cap="flat" cmpd="sng" algn="ctr">
+                      <a:solidFill>
+                        <a:srgbClr val="000000"/>
+                      </a:solidFill>
+                      <a:prstDash val="solid"/>
+                      <a:round/>
+                      <a:headEnd type="none" w="med" len="med"/>
+                      <a:tailEnd type="none" w="med" len="med"/>
+                    </a:lnL>
+                    <a:lnR w="12700" cap="flat" cmpd="sng" algn="ctr">
+                      <a:solidFill>
+                        <a:srgbClr val="000000"/>
+                      </a:solidFill>
+                      <a:prstDash val="solid"/>
+                      <a:round/>
+                      <a:headEnd type="none" w="med" len="med"/>
+                      <a:tailEnd type="none" w="med" len="med"/>
+                    </a:lnR>
+                    <a:lnT w="12700" cap="flat" cmpd="sng" algn="ctr">
+                      <a:solidFill>
+                        <a:srgbClr val="000000"/>
+                      </a:solidFill>
+                      <a:prstDash val="solid"/>
+                      <a:round/>
+                      <a:headEnd type="none" w="med" len="med"/>
+                      <a:tailEnd type="none" w="med" len="med"/>
+                    </a:lnT>
+                    <a:lnB w="12700" cap="flat" cmpd="sng" algn="ctr">
+                      <a:solidFill>
+                        <a:srgbClr val="000000"/>
+                      </a:solidFill>
+                      <a:prstDash val="solid"/>
+                      <a:round/>
+                      <a:headEnd type="none" w="med" len="med"/>
+                      <a:tailEnd type="none" w="med" len="med"/>
+                    </a:lnB>
+                    <a:solidFill>
+                      <a:srgbClr val="DBEEF3"/>
+                    </a:solidFill>
+                  </a:tcPr>
+                </a:tc>
+                <a:tc hMerge="1">
+                  <a:txBody>
+                    <a:bodyPr/>
+                    <a:lstStyle/>
+                    <a:p>
+                      <a:endParaRPr lang="es-PE"/>
+                    </a:p>
+                  </a:txBody>
+                  <a:tcPr/>
+                </a:tc>
+                <a:tc>
+                  <a:txBody>
+                    <a:bodyPr/>
+                    <a:lstStyle/>
+                    <a:p>
+                      <a:pPr algn="ctr">
+                        <a:lnSpc>
+                          <a:spcPct val="115000"/>
+                        </a:lnSpc>
+                        <a:spcAft>
+                          <a:spcPts val="0"/>
+                        </a:spcAft>
+                      </a:pPr>
+                      <a:r>
+                        <a:rPr lang="es-PE" sz="1100">
+                          <a:solidFill>
+                            <a:srgbClr val="000000"/>
+                          </a:solidFill>
+                          <a:latin typeface="Calibri"/>
+                          <a:ea typeface="Times New Roman"/>
+                          <a:cs typeface="Times New Roman"/>
+                        </a:rPr>
+                        <a:t>gl</a:t>
+                      </a:r>
+                      <a:endParaRPr lang="es-PE" sz="1200">
+                        <a:latin typeface="Arial"/>
+                        <a:ea typeface="Times New Roman"/>
+                        <a:cs typeface="Times New Roman"/>
+                      </a:endParaRPr>
+                    </a:p>
+                  </a:txBody>
+                  <a:tcPr marL="44450" marR="44450" marT="0" marB="0" anchor="b">
+                    <a:lnL w="12700" cap="flat" cmpd="sng" algn="ctr">
+                      <a:solidFill>
+                        <a:srgbClr val="000000"/>
+                      </a:solidFill>
+                      <a:prstDash val="solid"/>
+                      <a:round/>
+                      <a:headEnd type="none" w="med" len="med"/>
+                      <a:tailEnd type="none" w="med" len="med"/>
+                    </a:lnL>
+                    <a:lnR w="12700" cap="flat" cmpd="sng" algn="ctr">
+                      <a:solidFill>
+                        <a:srgbClr val="000000"/>
+                      </a:solidFill>
+                      <a:prstDash val="solid"/>
+                      <a:round/>
+                      <a:headEnd type="none" w="med" len="med"/>
+                      <a:tailEnd type="none" w="med" len="med"/>
+                    </a:lnR>
+                    <a:lnT w="12700" cap="flat" cmpd="sng" algn="ctr">
+                      <a:solidFill>
+                        <a:srgbClr val="000000"/>
+                      </a:solidFill>
+                      <a:prstDash val="solid"/>
+                      <a:round/>
+                      <a:headEnd type="none" w="med" len="med"/>
+                      <a:tailEnd type="none" w="med" len="med"/>
+                    </a:lnT>
+                    <a:lnB w="12700" cap="flat" cmpd="sng" algn="ctr">
+                      <a:solidFill>
+                        <a:srgbClr val="000000"/>
+                      </a:solidFill>
+                      <a:prstDash val="solid"/>
+                      <a:round/>
+                      <a:headEnd type="none" w="med" len="med"/>
+                      <a:tailEnd type="none" w="med" len="med"/>
+                    </a:lnB>
+                  </a:tcPr>
+                </a:tc>
+              </a:tr>
+              <a:tr h="265401">
+                <a:tc>
+                  <a:txBody>
+                    <a:bodyPr/>
+                    <a:lstStyle/>
+                    <a:p>
+                      <a:pPr algn="l">
+                        <a:lnSpc>
+                          <a:spcPct val="115000"/>
+                        </a:lnSpc>
+                        <a:spcAft>
+                          <a:spcPts val="0"/>
+                        </a:spcAft>
+                      </a:pPr>
+                      <a:r>
+                        <a:rPr lang="es-PE" sz="1100">
+                          <a:solidFill>
+                            <a:srgbClr val="000000"/>
+                          </a:solidFill>
+                          <a:latin typeface="Calibri"/>
+                          <a:ea typeface="Times New Roman"/>
+                          <a:cs typeface="Times New Roman"/>
+                        </a:rPr>
+                        <a:t>n</a:t>
+                      </a:r>
+                      <a:endParaRPr lang="es-PE" sz="1200">
+                        <a:latin typeface="Arial"/>
+                        <a:ea typeface="Times New Roman"/>
+                        <a:cs typeface="Times New Roman"/>
+                      </a:endParaRPr>
+                    </a:p>
+                  </a:txBody>
+                  <a:tcPr marL="44450" marR="44450" marT="0" marB="0" anchor="b">
+                    <a:lnL w="12700" cap="flat" cmpd="sng" algn="ctr">
+                      <a:solidFill>
+                        <a:srgbClr val="000000"/>
+                      </a:solidFill>
+                      <a:prstDash val="solid"/>
+                      <a:round/>
+                      <a:headEnd type="none" w="med" len="med"/>
+                      <a:tailEnd type="none" w="med" len="med"/>
+                    </a:lnL>
+                    <a:lnR w="12700" cap="flat" cmpd="sng" algn="ctr">
+                      <a:solidFill>
+                        <a:srgbClr val="000000"/>
+                      </a:solidFill>
+                      <a:prstDash val="solid"/>
+                      <a:round/>
+                      <a:headEnd type="none" w="med" len="med"/>
+                      <a:tailEnd type="none" w="med" len="med"/>
+                    </a:lnR>
+                    <a:lnT w="12700" cap="flat" cmpd="sng" algn="ctr">
+                      <a:solidFill>
+                        <a:srgbClr val="000000"/>
+                      </a:solidFill>
+                      <a:prstDash val="solid"/>
+                      <a:round/>
+                      <a:headEnd type="none" w="med" len="med"/>
+                      <a:tailEnd type="none" w="med" len="med"/>
+                    </a:lnT>
+                    <a:lnB w="12700" cap="flat" cmpd="sng" algn="ctr">
+                      <a:solidFill>
+                        <a:srgbClr val="000000"/>
+                      </a:solidFill>
+                      <a:prstDash val="solid"/>
+                      <a:round/>
+                      <a:headEnd type="none" w="med" len="med"/>
+                      <a:tailEnd type="none" w="med" len="med"/>
+                    </a:lnB>
+                  </a:tcPr>
+                </a:tc>
+                <a:tc>
+                  <a:txBody>
+                    <a:bodyPr/>
+                    <a:lstStyle/>
+                    <a:p>
+                      <a:pPr algn="l">
+                        <a:lnSpc>
+                          <a:spcPct val="115000"/>
+                        </a:lnSpc>
+                        <a:spcAft>
+                          <a:spcPts val="0"/>
+                        </a:spcAft>
+                      </a:pPr>
+                      <a:r>
+                        <a:rPr lang="es-PE" sz="1100">
+                          <a:solidFill>
+                            <a:srgbClr val="000000"/>
+                          </a:solidFill>
+                          <a:latin typeface="Calibri"/>
+                          <a:ea typeface="Times New Roman"/>
+                          <a:cs typeface="Times New Roman"/>
+                        </a:rPr>
+                        <a:t> </a:t>
+                      </a:r>
+                      <a:endParaRPr lang="es-PE" sz="1200">
+                        <a:latin typeface="Arial"/>
+                        <a:ea typeface="Times New Roman"/>
+                        <a:cs typeface="Times New Roman"/>
+                      </a:endParaRPr>
+                    </a:p>
+                  </a:txBody>
+                  <a:tcPr marL="44450" marR="44450" marT="0" marB="0" anchor="b">
+                    <a:lnL w="12700" cap="flat" cmpd="sng" algn="ctr">
+                      <a:solidFill>
+                        <a:srgbClr val="000000"/>
+                      </a:solidFill>
+                      <a:prstDash val="solid"/>
+                      <a:round/>
+                      <a:headEnd type="none" w="med" len="med"/>
+                      <a:tailEnd type="none" w="med" len="med"/>
+                    </a:lnL>
+                    <a:lnR>
+                      <a:noFill/>
+                    </a:lnR>
+                    <a:lnT w="12700" cap="flat" cmpd="sng" algn="ctr">
+                      <a:solidFill>
+                        <a:srgbClr val="000000"/>
+                      </a:solidFill>
+                      <a:prstDash val="solid"/>
+                      <a:round/>
+                      <a:headEnd type="none" w="med" len="med"/>
+                      <a:tailEnd type="none" w="med" len="med"/>
+                    </a:lnT>
+                    <a:lnB w="12700" cap="flat" cmpd="sng" algn="ctr">
+                      <a:solidFill>
+                        <a:srgbClr val="000000"/>
+                      </a:solidFill>
+                      <a:prstDash val="solid"/>
+                      <a:round/>
+                      <a:headEnd type="none" w="med" len="med"/>
+                      <a:tailEnd type="none" w="med" len="med"/>
+                    </a:lnB>
+                  </a:tcPr>
+                </a:tc>
+                <a:tc>
+                  <a:txBody>
+                    <a:bodyPr/>
+                    <a:lstStyle/>
+                    <a:p>
+                      <a:pPr algn="r">
+                        <a:lnSpc>
+                          <a:spcPct val="115000"/>
+                        </a:lnSpc>
+                        <a:spcAft>
+                          <a:spcPts val="0"/>
+                        </a:spcAft>
+                      </a:pPr>
+                      <a:r>
+                        <a:rPr lang="es-PE" sz="1100">
+                          <a:solidFill>
+                            <a:srgbClr val="000000"/>
+                          </a:solidFill>
+                          <a:latin typeface="Calibri"/>
+                          <a:ea typeface="Times New Roman"/>
+                          <a:cs typeface="Times New Roman"/>
+                        </a:rPr>
+                        <a:t>50</a:t>
+                      </a:r>
+                      <a:endParaRPr lang="es-PE" sz="1200">
+                        <a:latin typeface="Arial"/>
+                        <a:ea typeface="Times New Roman"/>
+                        <a:cs typeface="Times New Roman"/>
+                      </a:endParaRPr>
+                    </a:p>
+                  </a:txBody>
+                  <a:tcPr marL="44450" marR="44450" marT="0" marB="0" anchor="b">
+                    <a:lnL>
+                      <a:noFill/>
+                    </a:lnL>
+                    <a:lnR w="12700" cap="flat" cmpd="sng" algn="ctr">
+                      <a:solidFill>
+                        <a:srgbClr val="000000"/>
+                      </a:solidFill>
+                      <a:prstDash val="solid"/>
+                      <a:round/>
+                      <a:headEnd type="none" w="med" len="med"/>
+                      <a:tailEnd type="none" w="med" len="med"/>
+                    </a:lnR>
+                    <a:lnT w="12700" cap="flat" cmpd="sng" algn="ctr">
+                      <a:solidFill>
+                        <a:srgbClr val="000000"/>
+                      </a:solidFill>
+                      <a:prstDash val="solid"/>
+                      <a:round/>
+                      <a:headEnd type="none" w="med" len="med"/>
+                      <a:tailEnd type="none" w="med" len="med"/>
+                    </a:lnT>
+                    <a:lnB w="12700" cap="flat" cmpd="sng" algn="ctr">
+                      <a:solidFill>
+                        <a:srgbClr val="000000"/>
+                      </a:solidFill>
+                      <a:prstDash val="solid"/>
+                      <a:round/>
+                      <a:headEnd type="none" w="med" len="med"/>
+                      <a:tailEnd type="none" w="med" len="med"/>
+                    </a:lnB>
+                  </a:tcPr>
+                </a:tc>
+                <a:tc>
+                  <a:txBody>
+                    <a:bodyPr/>
+                    <a:lstStyle/>
+                    <a:p>
+                      <a:pPr algn="l">
+                        <a:lnSpc>
+                          <a:spcPct val="115000"/>
+                        </a:lnSpc>
+                        <a:spcAft>
+                          <a:spcPts val="0"/>
+                        </a:spcAft>
+                      </a:pPr>
+                      <a:r>
+                        <a:rPr lang="es-PE" sz="1100">
+                          <a:solidFill>
+                            <a:srgbClr val="000000"/>
+                          </a:solidFill>
+                          <a:latin typeface="Calibri"/>
+                          <a:ea typeface="Times New Roman"/>
+                          <a:cs typeface="Times New Roman"/>
+                        </a:rPr>
+                        <a:t> </a:t>
+                      </a:r>
+                      <a:endParaRPr lang="es-PE" sz="1200">
+                        <a:latin typeface="Arial"/>
+                        <a:ea typeface="Times New Roman"/>
+                        <a:cs typeface="Times New Roman"/>
+                      </a:endParaRPr>
+                    </a:p>
+                  </a:txBody>
+                  <a:tcPr marL="44450" marR="44450" marT="0" marB="0" anchor="b">
+                    <a:lnL w="12700" cap="flat" cmpd="sng" algn="ctr">
+                      <a:solidFill>
+                        <a:srgbClr val="000000"/>
+                      </a:solidFill>
+                      <a:prstDash val="solid"/>
+                      <a:round/>
+                      <a:headEnd type="none" w="med" len="med"/>
+                      <a:tailEnd type="none" w="med" len="med"/>
+                    </a:lnL>
+                    <a:lnR>
+                      <a:noFill/>
+                    </a:lnR>
+                    <a:lnT w="12700" cap="flat" cmpd="sng" algn="ctr">
+                      <a:solidFill>
+                        <a:srgbClr val="000000"/>
+                      </a:solidFill>
+                      <a:prstDash val="solid"/>
+                      <a:round/>
+                      <a:headEnd type="none" w="med" len="med"/>
+                      <a:tailEnd type="none" w="med" len="med"/>
+                    </a:lnT>
+                    <a:lnB w="12700" cap="flat" cmpd="sng" algn="ctr">
+                      <a:solidFill>
+                        <a:srgbClr val="000000"/>
+                      </a:solidFill>
+                      <a:prstDash val="solid"/>
+                      <a:round/>
+                      <a:headEnd type="none" w="med" len="med"/>
+                      <a:tailEnd type="none" w="med" len="med"/>
+                    </a:lnB>
+                  </a:tcPr>
+                </a:tc>
+                <a:tc>
+                  <a:txBody>
+                    <a:bodyPr/>
+                    <a:lstStyle/>
+                    <a:p>
+                      <a:pPr algn="r">
+                        <a:lnSpc>
+                          <a:spcPct val="115000"/>
+                        </a:lnSpc>
+                        <a:spcAft>
+                          <a:spcPts val="0"/>
+                        </a:spcAft>
+                      </a:pPr>
+                      <a:r>
+                        <a:rPr lang="es-PE" sz="1100">
+                          <a:solidFill>
+                            <a:srgbClr val="000000"/>
+                          </a:solidFill>
+                          <a:latin typeface="Calibri"/>
+                          <a:ea typeface="Times New Roman"/>
+                          <a:cs typeface="Times New Roman"/>
+                        </a:rPr>
+                        <a:t>50</a:t>
+                      </a:r>
+                      <a:endParaRPr lang="es-PE" sz="1200">
+                        <a:latin typeface="Arial"/>
+                        <a:ea typeface="Times New Roman"/>
+                        <a:cs typeface="Times New Roman"/>
+                      </a:endParaRPr>
+                    </a:p>
+                  </a:txBody>
+                  <a:tcPr marL="44450" marR="44450" marT="0" marB="0" anchor="b">
+                    <a:lnL>
+                      <a:noFill/>
+                    </a:lnL>
+                    <a:lnR w="12700" cap="flat" cmpd="sng" algn="ctr">
+                      <a:solidFill>
+                        <a:srgbClr val="000000"/>
+                      </a:solidFill>
+                      <a:prstDash val="solid"/>
+                      <a:round/>
+                      <a:headEnd type="none" w="med" len="med"/>
+                      <a:tailEnd type="none" w="med" len="med"/>
+                    </a:lnR>
+                    <a:lnT w="12700" cap="flat" cmpd="sng" algn="ctr">
+                      <a:solidFill>
+                        <a:srgbClr val="000000"/>
+                      </a:solidFill>
+                      <a:prstDash val="solid"/>
+                      <a:round/>
+                      <a:headEnd type="none" w="med" len="med"/>
+                      <a:tailEnd type="none" w="med" len="med"/>
+                    </a:lnT>
+                    <a:lnB w="12700" cap="flat" cmpd="sng" algn="ctr">
+                      <a:solidFill>
+                        <a:srgbClr val="000000"/>
+                      </a:solidFill>
+                      <a:prstDash val="solid"/>
+                      <a:round/>
+                      <a:headEnd type="none" w="med" len="med"/>
+                      <a:tailEnd type="none" w="med" len="med"/>
+                    </a:lnB>
+                  </a:tcPr>
+                </a:tc>
+                <a:tc>
+                  <a:txBody>
+                    <a:bodyPr/>
+                    <a:lstStyle/>
+                    <a:p>
+                      <a:pPr algn="r">
+                        <a:lnSpc>
+                          <a:spcPct val="115000"/>
+                        </a:lnSpc>
+                        <a:spcAft>
+                          <a:spcPts val="0"/>
+                        </a:spcAft>
+                      </a:pPr>
+                      <a:r>
+                        <a:rPr lang="es-PE" sz="1100">
+                          <a:solidFill>
+                            <a:srgbClr val="000000"/>
+                          </a:solidFill>
+                          <a:latin typeface="Calibri"/>
+                          <a:ea typeface="Times New Roman"/>
+                          <a:cs typeface="Times New Roman"/>
+                        </a:rPr>
+                        <a:t>98</a:t>
+                      </a:r>
+                      <a:endParaRPr lang="es-PE" sz="1200">
+                        <a:latin typeface="Arial"/>
+                        <a:ea typeface="Times New Roman"/>
+                        <a:cs typeface="Times New Roman"/>
+                      </a:endParaRPr>
+                    </a:p>
+                  </a:txBody>
+                  <a:tcPr marL="44450" marR="44450" marT="0" marB="0" anchor="b">
+                    <a:lnL w="12700" cap="flat" cmpd="sng" algn="ctr">
+                      <a:solidFill>
+                        <a:srgbClr val="000000"/>
+                      </a:solidFill>
+                      <a:prstDash val="solid"/>
+                      <a:round/>
+                      <a:headEnd type="none" w="med" len="med"/>
+                      <a:tailEnd type="none" w="med" len="med"/>
+                    </a:lnL>
+                    <a:lnR w="12700" cap="flat" cmpd="sng" algn="ctr">
+                      <a:solidFill>
+                        <a:srgbClr val="000000"/>
+                      </a:solidFill>
+                      <a:prstDash val="solid"/>
+                      <a:round/>
+                      <a:headEnd type="none" w="med" len="med"/>
+                      <a:tailEnd type="none" w="med" len="med"/>
+                    </a:lnR>
+                    <a:lnT w="12700" cap="flat" cmpd="sng" algn="ctr">
+                      <a:solidFill>
+                        <a:srgbClr val="000000"/>
+                      </a:solidFill>
+                      <a:prstDash val="solid"/>
+                      <a:round/>
+                      <a:headEnd type="none" w="med" len="med"/>
+                      <a:tailEnd type="none" w="med" len="med"/>
+                    </a:lnT>
+                    <a:lnB w="12700" cap="flat" cmpd="sng" algn="ctr">
+                      <a:solidFill>
+                        <a:srgbClr val="000000"/>
+                      </a:solidFill>
+                      <a:prstDash val="solid"/>
+                      <a:round/>
+                      <a:headEnd type="none" w="med" len="med"/>
+                      <a:tailEnd type="none" w="med" len="med"/>
+                    </a:lnB>
+                  </a:tcPr>
+                </a:tc>
+              </a:tr>
+              <a:tr h="265401">
+                <a:tc>
+                  <a:txBody>
+                    <a:bodyPr/>
+                    <a:lstStyle/>
+                    <a:p>
+                      <a:pPr algn="l">
+                        <a:lnSpc>
+                          <a:spcPct val="115000"/>
+                        </a:lnSpc>
+                        <a:spcAft>
+                          <a:spcPts val="0"/>
+                        </a:spcAft>
+                      </a:pPr>
+                      <a:r>
+                        <a:rPr lang="es-PE" sz="1100">
+                          <a:solidFill>
+                            <a:srgbClr val="000000"/>
+                          </a:solidFill>
+                          <a:latin typeface="Calibri"/>
+                          <a:ea typeface="Times New Roman"/>
+                          <a:cs typeface="Times New Roman"/>
+                        </a:rPr>
+                        <a:t>Media</a:t>
+                      </a:r>
+                      <a:endParaRPr lang="es-PE" sz="1200">
+                        <a:latin typeface="Arial"/>
+                        <a:ea typeface="Times New Roman"/>
+                        <a:cs typeface="Times New Roman"/>
+                      </a:endParaRPr>
+                    </a:p>
+                  </a:txBody>
+                  <a:tcPr marL="44450" marR="44450" marT="0" marB="0" anchor="b">
+                    <a:lnL w="12700" cap="flat" cmpd="sng" algn="ctr">
+                      <a:solidFill>
+                        <a:srgbClr val="000000"/>
+                      </a:solidFill>
+                      <a:prstDash val="solid"/>
+                      <a:round/>
+                      <a:headEnd type="none" w="med" len="med"/>
+                      <a:tailEnd type="none" w="med" len="med"/>
+                    </a:lnL>
+                    <a:lnR w="12700" cap="flat" cmpd="sng" algn="ctr">
+                      <a:solidFill>
+                        <a:srgbClr val="000000"/>
+                      </a:solidFill>
+                      <a:prstDash val="solid"/>
+                      <a:round/>
+                      <a:headEnd type="none" w="med" len="med"/>
+                      <a:tailEnd type="none" w="med" len="med"/>
+                    </a:lnR>
+                    <a:lnT w="12700" cap="flat" cmpd="sng" algn="ctr">
+                      <a:solidFill>
+                        <a:srgbClr val="000000"/>
+                      </a:solidFill>
+                      <a:prstDash val="solid"/>
+                      <a:round/>
+                      <a:headEnd type="none" w="med" len="med"/>
+                      <a:tailEnd type="none" w="med" len="med"/>
+                    </a:lnT>
+                    <a:lnB w="12700" cap="flat" cmpd="sng" algn="ctr">
+                      <a:solidFill>
+                        <a:srgbClr val="000000"/>
+                      </a:solidFill>
+                      <a:prstDash val="solid"/>
+                      <a:round/>
+                      <a:headEnd type="none" w="med" len="med"/>
+                      <a:tailEnd type="none" w="med" len="med"/>
+                    </a:lnB>
+                  </a:tcPr>
+                </a:tc>
+                <a:tc>
+                  <a:txBody>
+                    <a:bodyPr/>
+                    <a:lstStyle/>
+                    <a:p>
+                      <a:pPr algn="l">
+                        <a:lnSpc>
+                          <a:spcPct val="115000"/>
+                        </a:lnSpc>
+                        <a:spcAft>
+                          <a:spcPts val="0"/>
+                        </a:spcAft>
+                      </a:pPr>
+                      <a:r>
+                        <a:rPr lang="es-PE" sz="1100">
+                          <a:solidFill>
+                            <a:srgbClr val="000000"/>
+                          </a:solidFill>
+                          <a:latin typeface="Calibri"/>
+                          <a:ea typeface="Times New Roman"/>
+                          <a:cs typeface="Times New Roman"/>
+                        </a:rPr>
+                        <a:t> </a:t>
+                      </a:r>
+                      <a:endParaRPr lang="es-PE" sz="1200">
+                        <a:latin typeface="Arial"/>
+                        <a:ea typeface="Times New Roman"/>
+                        <a:cs typeface="Times New Roman"/>
+                      </a:endParaRPr>
+                    </a:p>
+                  </a:txBody>
+                  <a:tcPr marL="44450" marR="44450" marT="0" marB="0" anchor="b">
+                    <a:lnL w="12700" cap="flat" cmpd="sng" algn="ctr">
+                      <a:solidFill>
+                        <a:srgbClr val="000000"/>
+                      </a:solidFill>
+                      <a:prstDash val="solid"/>
+                      <a:round/>
+                      <a:headEnd type="none" w="med" len="med"/>
+                      <a:tailEnd type="none" w="med" len="med"/>
+                    </a:lnL>
+                    <a:lnR>
+                      <a:noFill/>
+                    </a:lnR>
+                    <a:lnT w="12700" cap="flat" cmpd="sng" algn="ctr">
+                      <a:solidFill>
+                        <a:srgbClr val="000000"/>
+                      </a:solidFill>
+                      <a:prstDash val="solid"/>
+                      <a:round/>
+                      <a:headEnd type="none" w="med" len="med"/>
+                      <a:tailEnd type="none" w="med" len="med"/>
+                    </a:lnT>
+                    <a:lnB w="12700" cap="flat" cmpd="sng" algn="ctr">
+                      <a:solidFill>
+                        <a:srgbClr val="000000"/>
+                      </a:solidFill>
+                      <a:prstDash val="solid"/>
+                      <a:round/>
+                      <a:headEnd type="none" w="med" len="med"/>
+                      <a:tailEnd type="none" w="med" len="med"/>
+                    </a:lnB>
+                  </a:tcPr>
+                </a:tc>
+                <a:tc>
+                  <a:txBody>
+                    <a:bodyPr/>
+                    <a:lstStyle/>
+                    <a:p>
+                      <a:pPr algn="r">
+                        <a:lnSpc>
+                          <a:spcPct val="115000"/>
+                        </a:lnSpc>
+                        <a:spcAft>
+                          <a:spcPts val="0"/>
+                        </a:spcAft>
+                      </a:pPr>
+                      <a:r>
+                        <a:rPr lang="es-PE" sz="1100" i="1">
+                          <a:solidFill>
+                            <a:srgbClr val="000000"/>
+                          </a:solidFill>
+                          <a:latin typeface="Calibri"/>
+                          <a:ea typeface="Times New Roman"/>
+                          <a:cs typeface="Times New Roman"/>
+                        </a:rPr>
+                        <a:t>72</a:t>
+                      </a:r>
+                      <a:endParaRPr lang="es-PE" sz="1200">
+                        <a:latin typeface="Arial"/>
+                        <a:ea typeface="Times New Roman"/>
+                        <a:cs typeface="Times New Roman"/>
+                      </a:endParaRPr>
+                    </a:p>
+                  </a:txBody>
+                  <a:tcPr marL="44450" marR="44450" marT="0" marB="0" anchor="b">
+                    <a:lnL>
+                      <a:noFill/>
+                    </a:lnL>
+                    <a:lnR w="12700" cap="flat" cmpd="sng" algn="ctr">
+                      <a:solidFill>
+                        <a:srgbClr val="000000"/>
+                      </a:solidFill>
+                      <a:prstDash val="solid"/>
+                      <a:round/>
+                      <a:headEnd type="none" w="med" len="med"/>
+                      <a:tailEnd type="none" w="med" len="med"/>
+                    </a:lnR>
+                    <a:lnT w="12700" cap="flat" cmpd="sng" algn="ctr">
+                      <a:solidFill>
+                        <a:srgbClr val="000000"/>
+                      </a:solidFill>
+                      <a:prstDash val="solid"/>
+                      <a:round/>
+                      <a:headEnd type="none" w="med" len="med"/>
+                      <a:tailEnd type="none" w="med" len="med"/>
+                    </a:lnT>
+                    <a:lnB w="12700" cap="flat" cmpd="sng" algn="ctr">
+                      <a:solidFill>
+                        <a:srgbClr val="000000"/>
+                      </a:solidFill>
+                      <a:prstDash val="solid"/>
+                      <a:round/>
+                      <a:headEnd type="none" w="med" len="med"/>
+                      <a:tailEnd type="none" w="med" len="med"/>
+                    </a:lnB>
+                  </a:tcPr>
+                </a:tc>
+                <a:tc>
+                  <a:txBody>
+                    <a:bodyPr/>
+                    <a:lstStyle/>
+                    <a:p>
+                      <a:pPr algn="l">
+                        <a:lnSpc>
+                          <a:spcPct val="115000"/>
+                        </a:lnSpc>
+                        <a:spcAft>
+                          <a:spcPts val="0"/>
+                        </a:spcAft>
+                      </a:pPr>
+                      <a:r>
+                        <a:rPr lang="es-PE" sz="1100">
+                          <a:solidFill>
+                            <a:srgbClr val="000000"/>
+                          </a:solidFill>
+                          <a:latin typeface="Calibri"/>
+                          <a:ea typeface="Times New Roman"/>
+                          <a:cs typeface="Times New Roman"/>
+                        </a:rPr>
+                        <a:t> </a:t>
+                      </a:r>
+                      <a:endParaRPr lang="es-PE" sz="1200">
+                        <a:latin typeface="Arial"/>
+                        <a:ea typeface="Times New Roman"/>
+                        <a:cs typeface="Times New Roman"/>
+                      </a:endParaRPr>
+                    </a:p>
+                  </a:txBody>
+                  <a:tcPr marL="44450" marR="44450" marT="0" marB="0" anchor="b">
+                    <a:lnL w="12700" cap="flat" cmpd="sng" algn="ctr">
+                      <a:solidFill>
+                        <a:srgbClr val="000000"/>
+                      </a:solidFill>
+                      <a:prstDash val="solid"/>
+                      <a:round/>
+                      <a:headEnd type="none" w="med" len="med"/>
+                      <a:tailEnd type="none" w="med" len="med"/>
+                    </a:lnL>
+                    <a:lnR>
+                      <a:noFill/>
+                    </a:lnR>
+                    <a:lnT w="12700" cap="flat" cmpd="sng" algn="ctr">
+                      <a:solidFill>
+                        <a:srgbClr val="000000"/>
+                      </a:solidFill>
+                      <a:prstDash val="solid"/>
+                      <a:round/>
+                      <a:headEnd type="none" w="med" len="med"/>
+                      <a:tailEnd type="none" w="med" len="med"/>
+                    </a:lnT>
+                    <a:lnB w="12700" cap="flat" cmpd="sng" algn="ctr">
+                      <a:solidFill>
+                        <a:srgbClr val="000000"/>
+                      </a:solidFill>
+                      <a:prstDash val="solid"/>
+                      <a:round/>
+                      <a:headEnd type="none" w="med" len="med"/>
+                      <a:tailEnd type="none" w="med" len="med"/>
+                    </a:lnB>
+                  </a:tcPr>
+                </a:tc>
+                <a:tc>
+                  <a:txBody>
+                    <a:bodyPr/>
+                    <a:lstStyle/>
+                    <a:p>
+                      <a:pPr algn="r">
+                        <a:lnSpc>
+                          <a:spcPct val="115000"/>
+                        </a:lnSpc>
+                        <a:spcAft>
+                          <a:spcPts val="0"/>
+                        </a:spcAft>
+                      </a:pPr>
+                      <a:r>
+                        <a:rPr lang="es-PE" sz="1100">
+                          <a:solidFill>
+                            <a:srgbClr val="000000"/>
+                          </a:solidFill>
+                          <a:latin typeface="Calibri"/>
+                          <a:ea typeface="Times New Roman"/>
+                          <a:cs typeface="Times New Roman"/>
+                        </a:rPr>
+                        <a:t>52.96</a:t>
+                      </a:r>
+                      <a:endParaRPr lang="es-PE" sz="1200">
+                        <a:latin typeface="Arial"/>
+                        <a:ea typeface="Times New Roman"/>
+                        <a:cs typeface="Times New Roman"/>
+                      </a:endParaRPr>
+                    </a:p>
+                  </a:txBody>
+                  <a:tcPr marL="44450" marR="44450" marT="0" marB="0" anchor="b">
+                    <a:lnL>
+                      <a:noFill/>
+                    </a:lnL>
+                    <a:lnR w="12700" cap="flat" cmpd="sng" algn="ctr">
+                      <a:solidFill>
+                        <a:srgbClr val="000000"/>
+                      </a:solidFill>
+                      <a:prstDash val="solid"/>
+                      <a:round/>
+                      <a:headEnd type="none" w="med" len="med"/>
+                      <a:tailEnd type="none" w="med" len="med"/>
+                    </a:lnR>
+                    <a:lnT w="12700" cap="flat" cmpd="sng" algn="ctr">
+                      <a:solidFill>
+                        <a:srgbClr val="000000"/>
+                      </a:solidFill>
+                      <a:prstDash val="solid"/>
+                      <a:round/>
+                      <a:headEnd type="none" w="med" len="med"/>
+                      <a:tailEnd type="none" w="med" len="med"/>
+                    </a:lnT>
+                    <a:lnB w="12700" cap="flat" cmpd="sng" algn="ctr">
+                      <a:solidFill>
+                        <a:srgbClr val="000000"/>
+                      </a:solidFill>
+                      <a:prstDash val="solid"/>
+                      <a:round/>
+                      <a:headEnd type="none" w="med" len="med"/>
+                      <a:tailEnd type="none" w="med" len="med"/>
+                    </a:lnB>
+                  </a:tcPr>
+                </a:tc>
+                <a:tc>
+                  <a:txBody>
+                    <a:bodyPr/>
+                    <a:lstStyle/>
+                    <a:p>
+                      <a:pPr>
+                        <a:lnSpc>
+                          <a:spcPct val="115000"/>
+                        </a:lnSpc>
+                      </a:pPr>
+                      <a:endParaRPr lang="es-PE" sz="1100">
+                        <a:latin typeface="Calibri"/>
+                        <a:ea typeface="Times New Roman"/>
+                      </a:endParaRPr>
+                    </a:p>
+                  </a:txBody>
+                  <a:tcPr marL="44450" marR="44450" marT="0" marB="0" anchor="b">
+                    <a:lnL w="12700" cap="flat" cmpd="sng" algn="ctr">
+                      <a:solidFill>
+                        <a:srgbClr val="000000"/>
+                      </a:solidFill>
+                      <a:prstDash val="solid"/>
+                      <a:round/>
+                      <a:headEnd type="none" w="med" len="med"/>
+                      <a:tailEnd type="none" w="med" len="med"/>
+                    </a:lnL>
+                    <a:lnR>
+                      <a:noFill/>
+                    </a:lnR>
+                    <a:lnT w="12700" cap="flat" cmpd="sng" algn="ctr">
+                      <a:solidFill>
+                        <a:srgbClr val="000000"/>
+                      </a:solidFill>
+                      <a:prstDash val="solid"/>
+                      <a:round/>
+                      <a:headEnd type="none" w="med" len="med"/>
+                      <a:tailEnd type="none" w="med" len="med"/>
+                    </a:lnT>
+                    <a:lnB>
+                      <a:noFill/>
+                    </a:lnB>
+                  </a:tcPr>
+                </a:tc>
+              </a:tr>
+              <a:tr h="265401">
+                <a:tc>
+                  <a:txBody>
+                    <a:bodyPr/>
+                    <a:lstStyle/>
+                    <a:p>
+                      <a:pPr algn="l">
+                        <a:lnSpc>
+                          <a:spcPct val="115000"/>
+                        </a:lnSpc>
+                        <a:spcAft>
+                          <a:spcPts val="0"/>
+                        </a:spcAft>
+                      </a:pPr>
+                      <a:r>
+                        <a:rPr lang="es-PE" sz="1100">
+                          <a:solidFill>
+                            <a:srgbClr val="000000"/>
+                          </a:solidFill>
+                          <a:latin typeface="Calibri"/>
+                          <a:ea typeface="Times New Roman"/>
+                          <a:cs typeface="Times New Roman"/>
+                        </a:rPr>
+                        <a:t>S</a:t>
+                      </a:r>
+                      <a:endParaRPr lang="es-PE" sz="1200">
+                        <a:latin typeface="Arial"/>
+                        <a:ea typeface="Times New Roman"/>
+                        <a:cs typeface="Times New Roman"/>
+                      </a:endParaRPr>
+                    </a:p>
+                  </a:txBody>
+                  <a:tcPr marL="44450" marR="44450" marT="0" marB="0" anchor="b">
+                    <a:lnL w="12700" cap="flat" cmpd="sng" algn="ctr">
+                      <a:solidFill>
+                        <a:srgbClr val="000000"/>
+                      </a:solidFill>
+                      <a:prstDash val="solid"/>
+                      <a:round/>
+                      <a:headEnd type="none" w="med" len="med"/>
+                      <a:tailEnd type="none" w="med" len="med"/>
+                    </a:lnL>
+                    <a:lnR w="12700" cap="flat" cmpd="sng" algn="ctr">
+                      <a:solidFill>
+                        <a:srgbClr val="000000"/>
+                      </a:solidFill>
+                      <a:prstDash val="solid"/>
+                      <a:round/>
+                      <a:headEnd type="none" w="med" len="med"/>
+                      <a:tailEnd type="none" w="med" len="med"/>
+                    </a:lnR>
+                    <a:lnT w="12700" cap="flat" cmpd="sng" algn="ctr">
+                      <a:solidFill>
+                        <a:srgbClr val="000000"/>
+                      </a:solidFill>
+                      <a:prstDash val="solid"/>
+                      <a:round/>
+                      <a:headEnd type="none" w="med" len="med"/>
+                      <a:tailEnd type="none" w="med" len="med"/>
+                    </a:lnT>
+                    <a:lnB w="12700" cap="flat" cmpd="sng" algn="ctr">
+                      <a:solidFill>
+                        <a:srgbClr val="000000"/>
+                      </a:solidFill>
+                      <a:prstDash val="solid"/>
+                      <a:round/>
+                      <a:headEnd type="none" w="med" len="med"/>
+                      <a:tailEnd type="none" w="med" len="med"/>
+                    </a:lnB>
+                  </a:tcPr>
+                </a:tc>
+                <a:tc>
+                  <a:txBody>
+                    <a:bodyPr/>
+                    <a:lstStyle/>
+                    <a:p>
+                      <a:pPr algn="l">
+                        <a:lnSpc>
+                          <a:spcPct val="115000"/>
+                        </a:lnSpc>
+                        <a:spcAft>
+                          <a:spcPts val="0"/>
+                        </a:spcAft>
+                      </a:pPr>
+                      <a:r>
+                        <a:rPr lang="es-PE" sz="1100">
+                          <a:solidFill>
+                            <a:srgbClr val="000000"/>
+                          </a:solidFill>
+                          <a:latin typeface="Calibri"/>
+                          <a:ea typeface="Times New Roman"/>
+                          <a:cs typeface="Times New Roman"/>
+                        </a:rPr>
+                        <a:t> </a:t>
+                      </a:r>
+                      <a:endParaRPr lang="es-PE" sz="1200">
+                        <a:latin typeface="Arial"/>
+                        <a:ea typeface="Times New Roman"/>
+                        <a:cs typeface="Times New Roman"/>
+                      </a:endParaRPr>
+                    </a:p>
+                  </a:txBody>
+                  <a:tcPr marL="44450" marR="44450" marT="0" marB="0" anchor="b">
+                    <a:lnL w="12700" cap="flat" cmpd="sng" algn="ctr">
+                      <a:solidFill>
+                        <a:srgbClr val="000000"/>
+                      </a:solidFill>
+                      <a:prstDash val="solid"/>
+                      <a:round/>
+                      <a:headEnd type="none" w="med" len="med"/>
+                      <a:tailEnd type="none" w="med" len="med"/>
+                    </a:lnL>
+                    <a:lnR>
+                      <a:noFill/>
+                    </a:lnR>
+                    <a:lnT w="12700" cap="flat" cmpd="sng" algn="ctr">
+                      <a:solidFill>
+                        <a:srgbClr val="000000"/>
+                      </a:solidFill>
+                      <a:prstDash val="solid"/>
+                      <a:round/>
+                      <a:headEnd type="none" w="med" len="med"/>
+                      <a:tailEnd type="none" w="med" len="med"/>
+                    </a:lnT>
+                    <a:lnB w="12700" cap="flat" cmpd="sng" algn="ctr">
+                      <a:solidFill>
+                        <a:srgbClr val="000000"/>
+                      </a:solidFill>
+                      <a:prstDash val="solid"/>
+                      <a:round/>
+                      <a:headEnd type="none" w="med" len="med"/>
+                      <a:tailEnd type="none" w="med" len="med"/>
+                    </a:lnB>
+                  </a:tcPr>
+                </a:tc>
+                <a:tc>
+                  <a:txBody>
+                    <a:bodyPr/>
+                    <a:lstStyle/>
+                    <a:p>
+                      <a:pPr algn="r">
+                        <a:lnSpc>
+                          <a:spcPct val="115000"/>
+                        </a:lnSpc>
+                        <a:spcAft>
+                          <a:spcPts val="0"/>
+                        </a:spcAft>
+                      </a:pPr>
+                      <a:r>
+                        <a:rPr lang="es-PE" sz="1100" i="1">
+                          <a:solidFill>
+                            <a:srgbClr val="000000"/>
+                          </a:solidFill>
+                          <a:latin typeface="Calibri"/>
+                          <a:ea typeface="Times New Roman"/>
+                          <a:cs typeface="Times New Roman"/>
+                        </a:rPr>
+                        <a:t>27.34436479</a:t>
+                      </a:r>
+                      <a:endParaRPr lang="es-PE" sz="1200">
+                        <a:latin typeface="Arial"/>
+                        <a:ea typeface="Times New Roman"/>
+                        <a:cs typeface="Times New Roman"/>
+                      </a:endParaRPr>
+                    </a:p>
+                  </a:txBody>
+                  <a:tcPr marL="44450" marR="44450" marT="0" marB="0" anchor="b">
+                    <a:lnL>
+                      <a:noFill/>
+                    </a:lnL>
+                    <a:lnR w="12700" cap="flat" cmpd="sng" algn="ctr">
+                      <a:solidFill>
+                        <a:srgbClr val="000000"/>
+                      </a:solidFill>
+                      <a:prstDash val="solid"/>
+                      <a:round/>
+                      <a:headEnd type="none" w="med" len="med"/>
+                      <a:tailEnd type="none" w="med" len="med"/>
+                    </a:lnR>
+                    <a:lnT w="12700" cap="flat" cmpd="sng" algn="ctr">
+                      <a:solidFill>
+                        <a:srgbClr val="000000"/>
+                      </a:solidFill>
+                      <a:prstDash val="solid"/>
+                      <a:round/>
+                      <a:headEnd type="none" w="med" len="med"/>
+                      <a:tailEnd type="none" w="med" len="med"/>
+                    </a:lnT>
+                    <a:lnB w="12700" cap="flat" cmpd="sng" algn="ctr">
+                      <a:solidFill>
+                        <a:srgbClr val="000000"/>
+                      </a:solidFill>
+                      <a:prstDash val="solid"/>
+                      <a:round/>
+                      <a:headEnd type="none" w="med" len="med"/>
+                      <a:tailEnd type="none" w="med" len="med"/>
+                    </a:lnB>
+                  </a:tcPr>
+                </a:tc>
+                <a:tc>
+                  <a:txBody>
+                    <a:bodyPr/>
+                    <a:lstStyle/>
+                    <a:p>
+                      <a:pPr algn="l">
+                        <a:lnSpc>
+                          <a:spcPct val="115000"/>
+                        </a:lnSpc>
+                        <a:spcAft>
+                          <a:spcPts val="0"/>
+                        </a:spcAft>
+                      </a:pPr>
+                      <a:r>
+                        <a:rPr lang="es-PE" sz="1100">
+                          <a:solidFill>
+                            <a:srgbClr val="000000"/>
+                          </a:solidFill>
+                          <a:latin typeface="Calibri"/>
+                          <a:ea typeface="Times New Roman"/>
+                          <a:cs typeface="Times New Roman"/>
+                        </a:rPr>
+                        <a:t> </a:t>
+                      </a:r>
+                      <a:endParaRPr lang="es-PE" sz="1200">
+                        <a:latin typeface="Arial"/>
+                        <a:ea typeface="Times New Roman"/>
+                        <a:cs typeface="Times New Roman"/>
+                      </a:endParaRPr>
+                    </a:p>
+                  </a:txBody>
+                  <a:tcPr marL="44450" marR="44450" marT="0" marB="0" anchor="b">
+                    <a:lnL w="12700" cap="flat" cmpd="sng" algn="ctr">
+                      <a:solidFill>
+                        <a:srgbClr val="000000"/>
+                      </a:solidFill>
+                      <a:prstDash val="solid"/>
+                      <a:round/>
+                      <a:headEnd type="none" w="med" len="med"/>
+                      <a:tailEnd type="none" w="med" len="med"/>
+                    </a:lnL>
+                    <a:lnR>
+                      <a:noFill/>
+                    </a:lnR>
+                    <a:lnT w="12700" cap="flat" cmpd="sng" algn="ctr">
+                      <a:solidFill>
+                        <a:srgbClr val="000000"/>
+                      </a:solidFill>
+                      <a:prstDash val="solid"/>
+                      <a:round/>
+                      <a:headEnd type="none" w="med" len="med"/>
+                      <a:tailEnd type="none" w="med" len="med"/>
+                    </a:lnT>
+                    <a:lnB w="12700" cap="flat" cmpd="sng" algn="ctr">
+                      <a:solidFill>
+                        <a:srgbClr val="000000"/>
+                      </a:solidFill>
+                      <a:prstDash val="solid"/>
+                      <a:round/>
+                      <a:headEnd type="none" w="med" len="med"/>
+                      <a:tailEnd type="none" w="med" len="med"/>
+                    </a:lnB>
+                  </a:tcPr>
+                </a:tc>
+                <a:tc>
+                  <a:txBody>
+                    <a:bodyPr/>
+                    <a:lstStyle/>
+                    <a:p>
+                      <a:pPr algn="r">
+                        <a:lnSpc>
+                          <a:spcPct val="115000"/>
+                        </a:lnSpc>
+                        <a:spcAft>
+                          <a:spcPts val="0"/>
+                        </a:spcAft>
+                      </a:pPr>
+                      <a:r>
+                        <a:rPr lang="es-PE" sz="1100">
+                          <a:solidFill>
+                            <a:srgbClr val="000000"/>
+                          </a:solidFill>
+                          <a:latin typeface="Calibri"/>
+                          <a:ea typeface="Times New Roman"/>
+                          <a:cs typeface="Times New Roman"/>
+                        </a:rPr>
+                        <a:t>40.8870819</a:t>
+                      </a:r>
+                      <a:endParaRPr lang="es-PE" sz="1200">
+                        <a:latin typeface="Arial"/>
+                        <a:ea typeface="Times New Roman"/>
+                        <a:cs typeface="Times New Roman"/>
+                      </a:endParaRPr>
+                    </a:p>
+                  </a:txBody>
+                  <a:tcPr marL="44450" marR="44450" marT="0" marB="0" anchor="b">
+                    <a:lnL>
+                      <a:noFill/>
+                    </a:lnL>
+                    <a:lnR w="12700" cap="flat" cmpd="sng" algn="ctr">
+                      <a:solidFill>
+                        <a:srgbClr val="000000"/>
+                      </a:solidFill>
+                      <a:prstDash val="solid"/>
+                      <a:round/>
+                      <a:headEnd type="none" w="med" len="med"/>
+                      <a:tailEnd type="none" w="med" len="med"/>
+                    </a:lnR>
+                    <a:lnT w="12700" cap="flat" cmpd="sng" algn="ctr">
+                      <a:solidFill>
+                        <a:srgbClr val="000000"/>
+                      </a:solidFill>
+                      <a:prstDash val="solid"/>
+                      <a:round/>
+                      <a:headEnd type="none" w="med" len="med"/>
+                      <a:tailEnd type="none" w="med" len="med"/>
+                    </a:lnT>
+                    <a:lnB w="12700" cap="flat" cmpd="sng" algn="ctr">
+                      <a:solidFill>
+                        <a:srgbClr val="000000"/>
+                      </a:solidFill>
+                      <a:prstDash val="solid"/>
+                      <a:round/>
+                      <a:headEnd type="none" w="med" len="med"/>
+                      <a:tailEnd type="none" w="med" len="med"/>
+                    </a:lnB>
+                  </a:tcPr>
+                </a:tc>
+                <a:tc>
+                  <a:txBody>
+                    <a:bodyPr/>
+                    <a:lstStyle/>
+                    <a:p>
+                      <a:pPr>
+                        <a:lnSpc>
+                          <a:spcPct val="115000"/>
+                        </a:lnSpc>
+                      </a:pPr>
+                      <a:endParaRPr lang="es-PE" sz="1100" dirty="0">
+                        <a:latin typeface="Calibri"/>
+                        <a:ea typeface="Times New Roman"/>
+                      </a:endParaRPr>
+                    </a:p>
+                  </a:txBody>
+                  <a:tcPr marL="44450" marR="44450" marT="0" marB="0" anchor="b">
+                    <a:lnL w="12700" cap="flat" cmpd="sng" algn="ctr">
+                      <a:solidFill>
+                        <a:srgbClr val="000000"/>
+                      </a:solidFill>
+                      <a:prstDash val="solid"/>
+                      <a:round/>
+                      <a:headEnd type="none" w="med" len="med"/>
+                      <a:tailEnd type="none" w="med" len="med"/>
+                    </a:lnL>
+                    <a:lnR>
+                      <a:noFill/>
+                    </a:lnR>
+                    <a:lnT>
+                      <a:noFill/>
+                    </a:lnT>
+                    <a:lnB>
+                      <a:noFill/>
+                    </a:lnB>
+                  </a:tcPr>
+                </a:tc>
+              </a:tr>
+            </a:tbl>
+          </a:graphicData>
+        </a:graphic>
+      </p:graphicFrame>
+      <p:sp>
+        <p:nvSpPr>
+          <p:cNvPr id="5" name="4 CuadroTexto"/>
+          <p:cNvSpPr txBox="1"/>
+          <p:nvPr/>
+        </p:nvSpPr>
+        <p:spPr>
+          <a:xfrm>
+            <a:off x="785786" y="3714752"/>
+            <a:ext cx="7643866" cy="1754326"/>
+          </a:xfrm>
+          <a:prstGeom prst="rect">
+            <a:avLst/>
+          </a:prstGeom>
+          <a:noFill/>
+        </p:spPr>
+        <p:txBody>
+          <a:bodyPr wrap="square" rtlCol="0">
+            <a:spAutoFit/>
+          </a:bodyPr>
+          <a:lstStyle/>
+          <a:p>
+            <a:r>
+              <a:rPr lang="es-PE" b="1" dirty="0" smtClean="0"/>
+              <a:t> t = -2.7371</a:t>
+            </a:r>
+            <a:endParaRPr lang="es-PE" dirty="0" smtClean="0"/>
+          </a:p>
+          <a:p>
+            <a:r>
+              <a:rPr lang="es-PE" b="1" dirty="0" smtClean="0"/>
+              <a:t> </a:t>
+            </a:r>
+            <a:endParaRPr lang="es-PE" dirty="0" smtClean="0"/>
+          </a:p>
+          <a:p>
+            <a:r>
+              <a:rPr lang="es-PE" b="1" dirty="0" smtClean="0"/>
+              <a:t>Rechazo Ho Si t &gt; </a:t>
+            </a:r>
+            <a:r>
+              <a:rPr lang="es-PE" b="1" dirty="0" smtClean="0"/>
+              <a:t>1.9845</a:t>
+            </a:r>
+          </a:p>
+          <a:p>
+            <a:endParaRPr lang="es-PE" b="1" dirty="0" smtClean="0"/>
+          </a:p>
+          <a:p>
+            <a:r>
+              <a:rPr lang="es-ES" b="1" dirty="0" smtClean="0"/>
+              <a:t>"Como t = -2.731 &lt; 1.9845 se acepta Ho"</a:t>
+            </a:r>
+            <a:endParaRPr lang="es-PE" dirty="0" smtClean="0"/>
+          </a:p>
+          <a:p>
+            <a:endParaRPr lang="es-PE" dirty="0"/>
+          </a:p>
+        </p:txBody>
+      </p:sp>
+    </p:spTree>
+  </p:cSld>
+  <p:clrMapOvr>
+    <a:masterClrMapping/>
+  </p:clrMapOvr>
+  <p:timing>
+    <p:tnLst>
+      <p:par>
+        <p:cTn id="1" dur="indefinite" restart="never" nodeType="tmRoot"/>
+      </p:par>
+    </p:tnLst>
+  </p:timing>
+</p:sld>
+</file>
+
+<file path=ppt/slides/slide31.xml><?xml version="1.0" encoding="utf-8"?>
+<p:sld xmlns:a="http://schemas.openxmlformats.org/drawingml/2006/main" xmlns:r="http://schemas.openxmlformats.org/officeDocument/2006/relationships" xmlns:p="http://schemas.openxmlformats.org/presentationml/2006/main">
+  <p:cSld>
+    <p:spTree>
+      <p:nvGrpSpPr>
+        <p:cNvPr id="1" name=""/>
+        <p:cNvGrpSpPr/>
+        <p:nvPr/>
+      </p:nvGrpSpPr>
+      <p:grpSpPr>
+        <a:xfrm>
+          <a:off x="0" y="0"/>
+          <a:ext cx="0" cy="0"/>
+          <a:chOff x="0" y="0"/>
+          <a:chExt cx="0" cy="0"/>
+        </a:xfrm>
+      </p:grpSpPr>
+      <p:sp>
+        <p:nvSpPr>
+          <p:cNvPr id="3" name="2 Subtítulo"/>
+          <p:cNvSpPr>
+            <a:spLocks noGrp="1"/>
+          </p:cNvSpPr>
+          <p:nvPr>
+            <p:ph type="subTitle" idx="1"/>
+          </p:nvPr>
+        </p:nvSpPr>
+        <p:spPr/>
+        <p:txBody>
+          <a:bodyPr/>
+          <a:lstStyle/>
+          <a:p>
+            <a:endParaRPr lang="es-PE"/>
+          </a:p>
+        </p:txBody>
+      </p:sp>
+      <p:sp>
+        <p:nvSpPr>
+          <p:cNvPr id="4" name="3 Título"/>
+          <p:cNvSpPr>
+            <a:spLocks noGrp="1"/>
+          </p:cNvSpPr>
+          <p:nvPr>
+            <p:ph type="ctrTitle"/>
+          </p:nvPr>
+        </p:nvSpPr>
+        <p:spPr/>
+        <p:txBody>
+          <a:bodyPr>
+            <a:normAutofit/>
+          </a:bodyPr>
+          <a:lstStyle/>
+          <a:p>
+            <a:r>
+              <a:rPr lang="es-PE" sz="4800" dirty="0" smtClean="0"/>
+              <a:t>Conclusiones</a:t>
+            </a:r>
+            <a:endParaRPr lang="es-PE" sz="4800" dirty="0"/>
+          </a:p>
+        </p:txBody>
+      </p:sp>
+    </p:spTree>
+  </p:cSld>
+  <p:clrMapOvr>
+    <a:masterClrMapping/>
+  </p:clrMapOvr>
+  <p:timing>
+    <p:tnLst>
+      <p:par>
+        <p:cTn id="1" dur="indefinite" restart="never" nodeType="tmRoot"/>
+      </p:par>
+    </p:tnLst>
+  </p:timing>
+</p:sld>
+</file>
+
+<file path=ppt/slides/slide32.xml><?xml version="1.0" encoding="utf-8"?>
+<p:sld xmlns:a="http://schemas.openxmlformats.org/drawingml/2006/main" xmlns:r="http://schemas.openxmlformats.org/officeDocument/2006/relationships" xmlns:p="http://schemas.openxmlformats.org/presentationml/2006/main">
+  <p:cSld>
+    <p:spTree>
+      <p:nvGrpSpPr>
+        <p:cNvPr id="1" name=""/>
+        <p:cNvGrpSpPr/>
+        <p:nvPr/>
+      </p:nvGrpSpPr>
+      <p:grpSpPr>
+        <a:xfrm>
+          <a:off x="0" y="0"/>
+          <a:ext cx="0" cy="0"/>
+          <a:chOff x="0" y="0"/>
+          <a:chExt cx="0" cy="0"/>
+        </a:xfrm>
+      </p:grpSpPr>
+      <p:sp>
+        <p:nvSpPr>
+          <p:cNvPr id="2" name="1 Título"/>
+          <p:cNvSpPr>
+            <a:spLocks noGrp="1"/>
+          </p:cNvSpPr>
+          <p:nvPr>
+            <p:ph type="title"/>
+          </p:nvPr>
+        </p:nvSpPr>
+        <p:spPr/>
+        <p:txBody>
+          <a:bodyPr/>
+          <a:lstStyle/>
+          <a:p>
+            <a:r>
+              <a:rPr lang="es-ES" b="1" dirty="0" smtClean="0"/>
+              <a:t>Conclusiones</a:t>
+            </a:r>
+            <a:endParaRPr lang="es-ES" b="1" dirty="0"/>
+          </a:p>
+        </p:txBody>
+      </p:sp>
+      <p:sp>
+        <p:nvSpPr>
+          <p:cNvPr id="3" name="2 Marcador de contenido"/>
+          <p:cNvSpPr>
+            <a:spLocks noGrp="1"/>
+          </p:cNvSpPr>
+          <p:nvPr>
+            <p:ph sz="quarter" idx="1"/>
+          </p:nvPr>
+        </p:nvSpPr>
+        <p:spPr>
+          <a:xfrm>
+            <a:off x="457200" y="1600200"/>
+            <a:ext cx="8186766" cy="4043378"/>
+          </a:xfrm>
+        </p:spPr>
+        <p:txBody>
+          <a:bodyPr>
+            <a:normAutofit/>
+          </a:bodyPr>
+          <a:lstStyle/>
+          <a:p>
+            <a:r>
+              <a:rPr lang="es-ES" sz="2400" dirty="0" smtClean="0"/>
+              <a:t>Se acepta la Hipótesis nula para el tiempo de ejecución, es decir el algoritmo de Secuencias </a:t>
+            </a:r>
+            <a:r>
+              <a:rPr lang="es-ES" sz="2400" dirty="0" err="1" smtClean="0"/>
+              <a:t>Maximales</a:t>
+            </a:r>
+            <a:r>
+              <a:rPr lang="es-ES" sz="2400" dirty="0" smtClean="0"/>
+              <a:t> requiere de un </a:t>
+            </a:r>
+            <a:r>
+              <a:rPr lang="es-ES" sz="2400" b="1" dirty="0" smtClean="0"/>
+              <a:t>mayor tiempo de ejecución </a:t>
+            </a:r>
+            <a:r>
+              <a:rPr lang="es-ES" sz="2400" dirty="0" smtClean="0"/>
+              <a:t>que el algoritmo Lenguaje Natural</a:t>
+            </a:r>
+          </a:p>
+          <a:p>
+            <a:r>
+              <a:rPr lang="es-ES" sz="2400" dirty="0" smtClean="0"/>
+              <a:t>Se acepta la Hipótesis nula para el porcentaje de detección de plagio, es decir el algoritmo de Secuencias </a:t>
+            </a:r>
+            <a:r>
+              <a:rPr lang="es-ES" sz="2400" dirty="0" err="1" smtClean="0"/>
+              <a:t>M</a:t>
+            </a:r>
+            <a:r>
+              <a:rPr lang="es-ES" sz="2400" dirty="0" err="1" smtClean="0"/>
+              <a:t>aximales</a:t>
+            </a:r>
+            <a:r>
+              <a:rPr lang="es-ES" sz="2400" dirty="0" smtClean="0"/>
+              <a:t> detecta </a:t>
+            </a:r>
+            <a:r>
+              <a:rPr lang="es-ES" sz="2400" b="1" dirty="0" smtClean="0"/>
+              <a:t>mayor porcentaje de plagio </a:t>
+            </a:r>
+            <a:r>
+              <a:rPr lang="es-ES" sz="2400" dirty="0" smtClean="0"/>
+              <a:t>frente al algoritmo de Lenguaje Natural.</a:t>
+            </a:r>
+          </a:p>
+          <a:p>
+            <a:endParaRPr lang="es-ES" sz="2400" dirty="0" smtClean="0"/>
+          </a:p>
+        </p:txBody>
+      </p:sp>
+      <p:pic>
+        <p:nvPicPr>
+          <p:cNvPr id="50178" name="Picture 2" descr="C:\Program Files\Microsoft Office\MEDIA\CAGCAT10\j0300840.wmf"/>
+          <p:cNvPicPr>
+            <a:picLocks noChangeAspect="1" noChangeArrowheads="1"/>
+          </p:cNvPicPr>
+          <p:nvPr/>
+        </p:nvPicPr>
+        <p:blipFill>
+          <a:blip r:embed="rId2" cstate="print"/>
+          <a:srcRect/>
+          <a:stretch>
+            <a:fillRect/>
+          </a:stretch>
+        </p:blipFill>
+        <p:spPr bwMode="auto">
+          <a:xfrm>
+            <a:off x="6715140" y="4714884"/>
+            <a:ext cx="1814512" cy="1528762"/>
+          </a:xfrm>
+          <a:prstGeom prst="rect">
+            <a:avLst/>
+          </a:prstGeom>
+          <a:noFill/>
+        </p:spPr>
+      </p:pic>
+    </p:spTree>
+  </p:cSld>
+  <p:clrMapOvr>
+    <a:masterClrMapping/>
+  </p:clrMapOvr>
+  <p:timing>
+    <p:tnLst>
+      <p:par>
+        <p:cTn id="1" dur="indefinite" restart="never" nodeType="tmRoot"/>
+      </p:par>
+    </p:tnLst>
+  </p:timing>
+</p:sld>
+</file>
+
+<file path=ppt/slides/slide33.xml><?xml version="1.0" encoding="utf-8"?>
+<p:sld xmlns:a="http://schemas.openxmlformats.org/drawingml/2006/main" xmlns:r="http://schemas.openxmlformats.org/officeDocument/2006/relationships" xmlns:p="http://schemas.openxmlformats.org/presentationml/2006/main">
+  <p:cSld>
+    <p:spTree>
+      <p:nvGrpSpPr>
+        <p:cNvPr id="1" name=""/>
+        <p:cNvGrpSpPr/>
+        <p:nvPr/>
+      </p:nvGrpSpPr>
+      <p:grpSpPr>
+        <a:xfrm>
+          <a:off x="0" y="0"/>
+          <a:ext cx="0" cy="0"/>
+          <a:chOff x="0" y="0"/>
+          <a:chExt cx="0" cy="0"/>
+        </a:xfrm>
+      </p:grpSpPr>
+      <p:sp>
+        <p:nvSpPr>
           <p:cNvPr id="3" name="2 Subtítulo"/>
           <p:cNvSpPr>
             <a:spLocks noGrp="1"/>
@@ -40929,7 +44163,7 @@
 </p:sld>
 </file>
 
-<file path=ppt/slides/slide31.xml><?xml version="1.0" encoding="utf-8"?>
+<file path=ppt/slides/slide34.xml><?xml version="1.0" encoding="utf-8"?>
 <p:sld xmlns:a="http://schemas.openxmlformats.org/drawingml/2006/main" xmlns:r="http://schemas.openxmlformats.org/officeDocument/2006/relationships" xmlns:p="http://schemas.openxmlformats.org/presentationml/2006/main">
   <p:cSld>
     <p:spTree>
@@ -40992,168 +44226,34 @@
           <a:lstStyle/>
           <a:p>
             <a:r>
-              <a:rPr lang="es-ES" sz="2400" dirty="0" smtClean="0"/>
-              <a:t>ACM </a:t>
+              <a:rPr lang="es-PE" sz="2400" dirty="0" smtClean="0"/>
+              <a:t>Estadística Descriptiva e </a:t>
             </a:r>
             <a:r>
-              <a:rPr lang="es-ES" sz="2400" dirty="0" err="1" smtClean="0"/>
-              <a:t>Journal</a:t>
+              <a:rPr lang="es-PE" sz="2400" dirty="0" err="1" smtClean="0"/>
+              <a:t>Inferencial</a:t>
             </a:r>
             <a:r>
-              <a:rPr lang="es-ES" sz="2400" dirty="0" smtClean="0"/>
+              <a:rPr lang="es-PE" sz="2400" dirty="0" smtClean="0"/>
               <a:t> </a:t>
-            </a:r>
-            <a:r>
-              <a:rPr lang="es-ES" sz="2400" dirty="0" err="1" smtClean="0"/>
-              <a:t>on</a:t>
-            </a:r>
-            <a:r>
-              <a:rPr lang="es-ES" sz="2400" dirty="0" smtClean="0"/>
-              <a:t> </a:t>
-            </a:r>
-            <a:r>
-              <a:rPr lang="es-ES" sz="2400" dirty="0" err="1" smtClean="0"/>
-              <a:t>Educational</a:t>
-            </a:r>
-            <a:r>
-              <a:rPr lang="es-ES" sz="2400" dirty="0" smtClean="0"/>
-              <a:t> </a:t>
-            </a:r>
-            <a:r>
-              <a:rPr lang="es-ES" sz="2400" dirty="0" err="1" smtClean="0"/>
-              <a:t>Resources</a:t>
-            </a:r>
-            <a:r>
-              <a:rPr lang="es-ES" sz="2400" dirty="0" smtClean="0"/>
-              <a:t> in Computing Vol. 4 No. 4, </a:t>
-            </a:r>
-            <a:r>
-              <a:rPr lang="es-ES" sz="2400" dirty="0" err="1" smtClean="0"/>
-              <a:t>December</a:t>
-            </a:r>
-            <a:r>
-              <a:rPr lang="es-ES" sz="2400" dirty="0" smtClean="0"/>
-              <a:t> 2004.</a:t>
             </a:r>
           </a:p>
           <a:p>
             <a:pPr>
               <a:buNone/>
             </a:pPr>
-            <a:endParaRPr lang="es-ES" sz="2400" dirty="0" smtClean="0"/>
+            <a:r>
+              <a:rPr lang="es-PE" sz="2400" dirty="0" smtClean="0"/>
+              <a:t>	Córdova Zamora, Manuel (2003)</a:t>
+            </a:r>
           </a:p>
           <a:p>
-            <a:r>
-              <a:rPr lang="es-ES" sz="2400" dirty="0" err="1" smtClean="0"/>
-              <a:t>Saul</a:t>
-            </a:r>
-            <a:r>
-              <a:rPr lang="es-ES" sz="2400" dirty="0" smtClean="0"/>
-              <a:t> </a:t>
-            </a:r>
-            <a:r>
-              <a:rPr lang="es-ES" sz="2400" dirty="0" err="1" smtClean="0"/>
-              <a:t>Schleimer</a:t>
-            </a:r>
-            <a:r>
-              <a:rPr lang="es-ES" sz="2400" dirty="0" smtClean="0"/>
-              <a:t>, Daniel S. </a:t>
-            </a:r>
-            <a:r>
-              <a:rPr lang="es-ES" sz="2400" dirty="0" err="1" smtClean="0"/>
-              <a:t>Wilkerson</a:t>
-            </a:r>
-            <a:r>
-              <a:rPr lang="es-ES" sz="2400" dirty="0" smtClean="0"/>
-              <a:t>, and Alex </a:t>
-            </a:r>
-            <a:r>
-              <a:rPr lang="es-ES" sz="2400" dirty="0" err="1" smtClean="0"/>
-              <a:t>Aiken</a:t>
-            </a:r>
-            <a:r>
-              <a:rPr lang="es-ES" sz="2400" dirty="0" smtClean="0"/>
-              <a:t>, "</a:t>
-            </a:r>
-            <a:r>
-              <a:rPr lang="es-ES" sz="2400" dirty="0" err="1" smtClean="0"/>
-              <a:t>Winnowing</a:t>
-            </a:r>
-            <a:r>
-              <a:rPr lang="es-ES" sz="2400" dirty="0" smtClean="0"/>
-              <a:t>: local </a:t>
-            </a:r>
-            <a:r>
-              <a:rPr lang="es-ES" sz="2400" dirty="0" err="1" smtClean="0"/>
-              <a:t>algorithms</a:t>
-            </a:r>
-            <a:r>
-              <a:rPr lang="es-ES" sz="2400" dirty="0" smtClean="0"/>
-              <a:t> </a:t>
-            </a:r>
-            <a:r>
-              <a:rPr lang="es-ES" sz="2400" dirty="0" err="1" smtClean="0"/>
-              <a:t>for</a:t>
-            </a:r>
-            <a:r>
-              <a:rPr lang="es-ES" sz="2400" dirty="0" smtClean="0"/>
-              <a:t> </a:t>
-            </a:r>
-            <a:r>
-              <a:rPr lang="es-ES" sz="2400" dirty="0" err="1" smtClean="0"/>
-              <a:t>document</a:t>
-            </a:r>
-            <a:r>
-              <a:rPr lang="es-ES" sz="2400" dirty="0" smtClean="0"/>
-              <a:t> </a:t>
-            </a:r>
-            <a:r>
-              <a:rPr lang="es-ES" sz="2400" dirty="0" err="1" smtClean="0"/>
-              <a:t>fingerprinting</a:t>
-            </a:r>
-            <a:r>
-              <a:rPr lang="es-ES" sz="2400" dirty="0" smtClean="0"/>
-              <a:t>," </a:t>
-            </a:r>
-            <a:r>
-              <a:rPr lang="es-ES" sz="2400" i="1" dirty="0" err="1" smtClean="0"/>
-              <a:t>Proceedings</a:t>
-            </a:r>
+            <a:pPr>
+              <a:buNone/>
+            </a:pPr>
             <a:r>
               <a:rPr lang="es-ES" sz="2400" i="1" dirty="0" smtClean="0"/>
-              <a:t> of </a:t>
-            </a:r>
-            <a:r>
-              <a:rPr lang="es-ES" sz="2400" i="1" dirty="0" err="1" smtClean="0"/>
-              <a:t>the</a:t>
-            </a:r>
-            <a:r>
-              <a:rPr lang="es-ES" sz="2400" i="1" dirty="0" smtClean="0"/>
-              <a:t> 2003 ACM SIGMOD </a:t>
-            </a:r>
-            <a:r>
-              <a:rPr lang="es-ES" sz="2400" i="1" dirty="0" err="1" smtClean="0"/>
-              <a:t>international</a:t>
-            </a:r>
-            <a:r>
-              <a:rPr lang="es-ES" sz="2400" i="1" dirty="0" smtClean="0"/>
-              <a:t> </a:t>
-            </a:r>
-            <a:r>
-              <a:rPr lang="es-ES" sz="2400" i="1" dirty="0" err="1" smtClean="0"/>
-              <a:t>conference</a:t>
-            </a:r>
-            <a:r>
-              <a:rPr lang="es-ES" sz="2400" i="1" dirty="0" smtClean="0"/>
-              <a:t> </a:t>
-            </a:r>
-            <a:r>
-              <a:rPr lang="es-ES" sz="2400" i="1" dirty="0" err="1" smtClean="0"/>
-              <a:t>on</a:t>
-            </a:r>
-            <a:r>
-              <a:rPr lang="es-ES" sz="2400" i="1" dirty="0" smtClean="0"/>
-              <a:t> Management of data, pp. 76-85, 2003. 	</a:t>
+              <a:t>	</a:t>
             </a:r>
           </a:p>
           <a:p>
@@ -41532,6 +44632,41 @@
           <a:bodyPr/>
           <a:lstStyle/>
           <a:p>
+            <a:pPr>
+              <a:buNone/>
+            </a:pPr>
+            <a:r>
+              <a:rPr lang="es-PE" dirty="0" smtClean="0"/>
+              <a:t>Los factores elegidos para el análisis son:</a:t>
+            </a:r>
+          </a:p>
+          <a:p>
+            <a:endParaRPr lang="es-PE" dirty="0" smtClean="0"/>
+          </a:p>
+          <a:p>
+            <a:pPr lvl="0"/>
+            <a:r>
+              <a:rPr lang="es-PE" dirty="0" smtClean="0"/>
+              <a:t>El número de comparaciones entre documentos.</a:t>
+            </a:r>
+          </a:p>
+          <a:p>
+            <a:pPr>
+              <a:buNone/>
+            </a:pPr>
+            <a:endParaRPr lang="es-PE" dirty="0" smtClean="0"/>
+          </a:p>
+          <a:p>
+            <a:pPr lvl="0"/>
+            <a:r>
+              <a:rPr lang="es-PE" dirty="0" smtClean="0"/>
+              <a:t>El tamaño de los documentos</a:t>
+            </a:r>
+          </a:p>
+          <a:p>
+            <a:pPr>
+              <a:buNone/>
+            </a:pPr>
             <a:endParaRPr lang="es-PE" dirty="0"/>
           </a:p>
         </p:txBody>
